--- a/Documentazione/Presentazione/Presentazione.pptx
+++ b/Documentazione/Presentazione/Presentazione.pptx
@@ -829,18 +829,6 @@
               </a:spcAft>
               <a:buNone/>
             </a:pPr>
-            <a:r>
-              <a:rPr lang="en-US" dirty="0"/>
-              <a:t>Hello everyone, today I present the </a:t>
-            </a:r>
-            <a:r>
-              <a:rPr lang="en-US" dirty="0" err="1"/>
-              <a:t>PassChain</a:t>
-            </a:r>
-            <a:r>
-              <a:rPr lang="en-US" dirty="0"/>
-              <a:t> project for the IoT Security course</a:t>
-            </a:r>
             <a:endParaRPr dirty="0"/>
           </a:p>
         </p:txBody>
@@ -1509,74 +1497,17 @@
           </a:bodyPr>
           <a:lstStyle/>
           <a:p>
-            <a:pPr marL="0" lvl="0" indent="0" algn="l" rtl="0">
-              <a:spcBef>
-                <a:spcPts val="0"/>
-              </a:spcBef>
-              <a:spcAft>
-                <a:spcPts val="0"/>
-              </a:spcAft>
-              <a:buNone/>
+            <a:pPr marL="171450" lvl="0" indent="-171450" algn="l" rtl="0">
+              <a:spcBef>
+                <a:spcPts val="0"/>
+              </a:spcBef>
+              <a:spcAft>
+                <a:spcPts val="0"/>
+              </a:spcAft>
             </a:pPr>
             <a:r>
               <a:rPr lang="it-IT" dirty="0"/>
-              <a:t>On GPIO 15 </a:t>
-            </a:r>
-            <a:r>
-              <a:rPr lang="it-IT" dirty="0" err="1"/>
-              <a:t>is</a:t>
-            </a:r>
-            <a:r>
-              <a:rPr lang="it-IT" dirty="0"/>
-              <a:t> </a:t>
-            </a:r>
-            <a:r>
-              <a:rPr lang="it-IT" dirty="0" err="1"/>
-              <a:t>connected</a:t>
-            </a:r>
-            <a:r>
-              <a:rPr lang="it-IT" dirty="0"/>
-              <a:t> metal </a:t>
-            </a:r>
-            <a:r>
-              <a:rPr lang="it-IT" dirty="0" err="1"/>
-              <a:t>plaque</a:t>
-            </a:r>
-            <a:r>
-              <a:rPr lang="it-IT" dirty="0"/>
-              <a:t> to </a:t>
-            </a:r>
-            <a:r>
-              <a:rPr lang="it-IT" dirty="0" err="1"/>
-              <a:t>wake</a:t>
-            </a:r>
-            <a:r>
-              <a:rPr lang="it-IT" dirty="0"/>
-              <a:t> up the device </a:t>
-            </a:r>
-            <a:r>
-              <a:rPr lang="it-IT" dirty="0" err="1"/>
-              <a:t>when</a:t>
-            </a:r>
-            <a:r>
-              <a:rPr lang="it-IT" dirty="0"/>
-              <a:t> </a:t>
-            </a:r>
-            <a:r>
-              <a:rPr lang="it-IT" dirty="0" err="1"/>
-              <a:t>it</a:t>
-            </a:r>
-            <a:r>
-              <a:rPr lang="it-IT" dirty="0"/>
-              <a:t> </a:t>
-            </a:r>
-            <a:r>
-              <a:rPr lang="it-IT" dirty="0" err="1"/>
-              <a:t>goes</a:t>
-            </a:r>
-            <a:r>
-              <a:rPr lang="it-IT" dirty="0"/>
-              <a:t> in deep </a:t>
+              <a:t>Sul GPIO 15 è collegata una placca metallica per riattivare il dispositivo quando entra in modalità deep </a:t>
             </a:r>
             <a:r>
               <a:rPr lang="it-IT" dirty="0" err="1"/>
@@ -1584,15 +1515,7 @@
             </a:r>
             <a:r>
               <a:rPr lang="it-IT" dirty="0"/>
-              <a:t> after a </a:t>
-            </a:r>
-            <a:r>
-              <a:rPr lang="it-IT" dirty="0" err="1"/>
-              <a:t>constant</a:t>
-            </a:r>
-            <a:r>
-              <a:rPr lang="it-IT" dirty="0"/>
-              <a:t> time.</a:t>
+              <a:t> dopo un certo intervallo di tempo.</a:t>
             </a:r>
           </a:p>
           <a:p>
@@ -1608,195 +1531,40 @@
             <a:endParaRPr lang="it-IT" dirty="0"/>
           </a:p>
           <a:p>
-            <a:pPr marL="0" lvl="0" indent="0" algn="l" rtl="0">
-              <a:spcBef>
-                <a:spcPts val="0"/>
-              </a:spcBef>
-              <a:spcAft>
-                <a:spcPts val="0"/>
-              </a:spcAft>
-              <a:buNone/>
+            <a:pPr marL="171450" marR="0" lvl="0" indent="-171450" algn="l" defTabSz="914400" rtl="0" eaLnBrk="1" fontAlgn="auto" latinLnBrk="0" hangingPunct="1">
+              <a:lnSpc>
+                <a:spcPct val="100000"/>
+              </a:lnSpc>
+              <a:spcBef>
+                <a:spcPts val="0"/>
+              </a:spcBef>
+              <a:spcAft>
+                <a:spcPts val="0"/>
+              </a:spcAft>
+              <a:buClr>
+                <a:srgbClr val="000000"/>
+              </a:buClr>
+              <a:buSzPts val="1100"/>
+              <a:buFont typeface="Arial"/>
+              <a:buChar char="●"/>
+              <a:tabLst/>
+              <a:defRPr/>
             </a:pPr>
             <a:r>
               <a:rPr lang="it-IT" dirty="0"/>
-              <a:t>On GPIO 12 </a:t>
-            </a:r>
-            <a:r>
-              <a:rPr lang="it-IT" dirty="0" err="1"/>
-              <a:t>is</a:t>
-            </a:r>
-            <a:r>
-              <a:rPr lang="it-IT" dirty="0"/>
-              <a:t> </a:t>
-            </a:r>
-            <a:r>
-              <a:rPr lang="it-IT" dirty="0" err="1"/>
-              <a:t>connected</a:t>
-            </a:r>
-            <a:r>
-              <a:rPr lang="it-IT" dirty="0"/>
-              <a:t> the </a:t>
-            </a:r>
-            <a:r>
-              <a:rPr lang="it-IT" dirty="0" err="1"/>
-              <a:t>battery</a:t>
-            </a:r>
-            <a:r>
-              <a:rPr lang="it-IT" dirty="0"/>
-              <a:t>, in </a:t>
-            </a:r>
-            <a:r>
-              <a:rPr lang="it-IT" dirty="0" err="1"/>
-              <a:t>particular</a:t>
-            </a:r>
-            <a:r>
-              <a:rPr lang="it-IT" dirty="0"/>
-              <a:t> the </a:t>
-            </a:r>
-            <a:r>
-              <a:rPr lang="it-IT" dirty="0" err="1"/>
-              <a:t>battery</a:t>
-            </a:r>
-            <a:r>
-              <a:rPr lang="it-IT" dirty="0"/>
-              <a:t> </a:t>
-            </a:r>
-            <a:r>
-              <a:rPr lang="it-IT" dirty="0" err="1"/>
-              <a:t>circuit</a:t>
-            </a:r>
-            <a:r>
-              <a:rPr lang="it-IT" dirty="0"/>
-              <a:t> </a:t>
-            </a:r>
-            <a:r>
-              <a:rPr lang="it-IT" dirty="0" err="1"/>
-              <a:t>is</a:t>
-            </a:r>
-            <a:r>
-              <a:rPr lang="it-IT" dirty="0"/>
-              <a:t> </a:t>
-            </a:r>
-            <a:r>
-              <a:rPr lang="it-IT" dirty="0" err="1"/>
-              <a:t>composed</a:t>
-            </a:r>
-            <a:r>
-              <a:rPr lang="it-IT" dirty="0"/>
-              <a:t> of </a:t>
-            </a:r>
-            <a:r>
-              <a:rPr lang="it-IT" dirty="0" err="1"/>
-              <a:t>two</a:t>
-            </a:r>
-            <a:r>
-              <a:rPr lang="it-IT" dirty="0"/>
-              <a:t> </a:t>
-            </a:r>
-            <a:r>
-              <a:rPr lang="it-IT" dirty="0" err="1"/>
-              <a:t>resistence</a:t>
-            </a:r>
-            <a:r>
-              <a:rPr lang="it-IT" dirty="0"/>
-              <a:t> of 47K, </a:t>
-            </a:r>
-            <a:r>
-              <a:rPr lang="it-IT" dirty="0" err="1"/>
-              <a:t>because</a:t>
-            </a:r>
-            <a:r>
-              <a:rPr lang="it-IT" dirty="0"/>
-              <a:t> the board </a:t>
-            </a:r>
-            <a:r>
-              <a:rPr lang="it-IT" dirty="0" err="1"/>
-              <a:t>has</a:t>
-            </a:r>
-            <a:r>
-              <a:rPr lang="it-IT" dirty="0"/>
-              <a:t> a </a:t>
-            </a:r>
-            <a:r>
-              <a:rPr lang="it-IT" dirty="0" err="1"/>
-              <a:t>voltage</a:t>
-            </a:r>
-            <a:r>
-              <a:rPr lang="it-IT" dirty="0"/>
-              <a:t> </a:t>
-            </a:r>
-            <a:r>
-              <a:rPr lang="it-IT" dirty="0" err="1"/>
-              <a:t>between</a:t>
-            </a:r>
-            <a:r>
-              <a:rPr lang="it-IT" dirty="0"/>
-              <a:t> 2.3V  - 3.6V.  The line red and black are </a:t>
-            </a:r>
-            <a:r>
-              <a:rPr lang="it-IT" dirty="0" err="1"/>
-              <a:t>connected</a:t>
-            </a:r>
-            <a:r>
-              <a:rPr lang="it-IT" dirty="0"/>
-              <a:t> to the back of the board: </a:t>
-            </a:r>
-            <a:r>
-              <a:rPr lang="it-IT" dirty="0" err="1"/>
-              <a:t>here</a:t>
-            </a:r>
-            <a:r>
-              <a:rPr lang="it-IT" dirty="0"/>
-              <a:t> </a:t>
-            </a:r>
-            <a:r>
-              <a:rPr lang="it-IT" dirty="0" err="1"/>
-              <a:t>there</a:t>
-            </a:r>
-            <a:r>
-              <a:rPr lang="it-IT" dirty="0"/>
-              <a:t> </a:t>
-            </a:r>
-            <a:r>
-              <a:rPr lang="it-IT" dirty="0" err="1"/>
-              <a:t>is</a:t>
-            </a:r>
-            <a:r>
-              <a:rPr lang="it-IT" dirty="0"/>
-              <a:t> a </a:t>
-            </a:r>
-            <a:r>
-              <a:rPr lang="it-IT" dirty="0" err="1"/>
-              <a:t>connector</a:t>
-            </a:r>
-            <a:r>
-              <a:rPr lang="it-IT" dirty="0"/>
-              <a:t> </a:t>
-            </a:r>
-            <a:r>
-              <a:rPr lang="it-IT" dirty="0" err="1"/>
-              <a:t>that</a:t>
-            </a:r>
-            <a:r>
-              <a:rPr lang="it-IT" dirty="0"/>
-              <a:t> </a:t>
-            </a:r>
-            <a:r>
-              <a:rPr lang="it-IT" dirty="0" err="1"/>
-              <a:t>connect</a:t>
-            </a:r>
-            <a:r>
-              <a:rPr lang="it-IT" dirty="0"/>
-              <a:t> </a:t>
-            </a:r>
-            <a:r>
-              <a:rPr lang="it-IT" dirty="0" err="1"/>
-              <a:t>battery</a:t>
-            </a:r>
-            <a:r>
-              <a:rPr lang="it-IT" dirty="0"/>
-              <a:t> to the board.</a:t>
-            </a:r>
+              <a:t>Sul GPIO 12 è collegata la batteria, in particolare il circuito è composto da due resistenze da 47K, in quanto la scheda ha una tensione compresa tra 2.3V - 3.6V. Le linee rossa e nera sono collegate al retro della scheda: qui c'è un connettore che collega la batteria alla scheda</a:t>
+            </a:r>
+          </a:p>
+          <a:p>
+            <a:pPr marL="171450" lvl="0" indent="-171450" algn="l" rtl="0">
+              <a:spcBef>
+                <a:spcPts val="0"/>
+              </a:spcBef>
+              <a:spcAft>
+                <a:spcPts val="0"/>
+              </a:spcAft>
+            </a:pPr>
+            <a:endParaRPr lang="it-IT" dirty="0"/>
           </a:p>
         </p:txBody>
       </p:sp>
@@ -1906,28 +1674,8 @@
               <a:buNone/>
             </a:pPr>
             <a:r>
-              <a:rPr lang="it-IT" dirty="0" err="1"/>
-              <a:t>Then</a:t>
-            </a:r>
-            <a:r>
               <a:rPr lang="it-IT" dirty="0"/>
-              <a:t>, </a:t>
-            </a:r>
-            <a:r>
-              <a:rPr lang="it-IT" dirty="0" err="1"/>
-              <a:t>we</a:t>
-            </a:r>
-            <a:r>
-              <a:rPr lang="it-IT" dirty="0"/>
-              <a:t> can </a:t>
-            </a:r>
-            <a:r>
-              <a:rPr lang="it-IT" dirty="0" err="1"/>
-              <a:t>see</a:t>
-            </a:r>
-            <a:r>
-              <a:rPr lang="it-IT" dirty="0"/>
-              <a:t> the connection with the </a:t>
+              <a:t>Ora vediamo il collegamento del sensore del </a:t>
             </a:r>
             <a:r>
               <a:rPr lang="it-IT" dirty="0" err="1"/>
@@ -1946,217 +1694,84 @@
               <a:spcAft>
                 <a:spcPts val="0"/>
               </a:spcAft>
-              <a:buFontTx/>
-              <a:buChar char="-"/>
+              <a:buFont typeface="Arial" panose="020B0604020202020204" pitchFamily="34" charset="0"/>
+              <a:buChar char="•"/>
             </a:pPr>
             <a:r>
               <a:rPr lang="it-IT" dirty="0"/>
-              <a:t>G </a:t>
+              <a:t>G è la connessione con GND (linea nera); </a:t>
+            </a:r>
+          </a:p>
+          <a:p>
+            <a:pPr marL="171450" lvl="0" indent="-171450" algn="l" rtl="0">
+              <a:spcBef>
+                <a:spcPts val="0"/>
+              </a:spcBef>
+              <a:spcAft>
+                <a:spcPts val="0"/>
+              </a:spcAft>
+              <a:buFont typeface="Arial" panose="020B0604020202020204" pitchFamily="34" charset="0"/>
+              <a:buChar char="•"/>
+            </a:pPr>
+            <a:r>
+              <a:rPr lang="it-IT" dirty="0"/>
+              <a:t>la linea rossa è la connessione con 3V; </a:t>
+            </a:r>
+          </a:p>
+          <a:p>
+            <a:pPr marL="171450" lvl="0" indent="-171450" algn="l" rtl="0">
+              <a:spcBef>
+                <a:spcPts val="0"/>
+              </a:spcBef>
+              <a:spcAft>
+                <a:spcPts val="0"/>
+              </a:spcAft>
+              <a:buFont typeface="Arial" panose="020B0604020202020204" pitchFamily="34" charset="0"/>
+              <a:buChar char="•"/>
+            </a:pPr>
+            <a:r>
+              <a:rPr lang="it-IT" dirty="0"/>
+              <a:t>GPIO 26 (linea gialla) è TX sulla scheda (RX sul dito); </a:t>
+            </a:r>
+          </a:p>
+          <a:p>
+            <a:pPr marL="171450" lvl="0" indent="-171450" algn="l" rtl="0">
+              <a:spcBef>
+                <a:spcPts val="0"/>
+              </a:spcBef>
+              <a:spcAft>
+                <a:spcPts val="0"/>
+              </a:spcAft>
+              <a:buFont typeface="Arial" panose="020B0604020202020204" pitchFamily="34" charset="0"/>
+              <a:buChar char="•"/>
+            </a:pPr>
+            <a:r>
+              <a:rPr lang="it-IT" dirty="0"/>
+              <a:t>GPIO 27 (linea verde) è RX sulla scheda (TX sul dito); </a:t>
+            </a:r>
+          </a:p>
+          <a:p>
+            <a:pPr marL="171450" lvl="0" indent="-171450" algn="l" rtl="0">
+              <a:spcBef>
+                <a:spcPts val="0"/>
+              </a:spcBef>
+              <a:spcAft>
+                <a:spcPts val="0"/>
+              </a:spcAft>
+              <a:buFont typeface="Arial" panose="020B0604020202020204" pitchFamily="34" charset="0"/>
+              <a:buChar char="•"/>
+            </a:pPr>
+            <a:r>
+              <a:rPr lang="it-IT" dirty="0"/>
+              <a:t>La linea blu e bianca dell'impronta digitale servono per collegarla ad </a:t>
             </a:r>
             <a:r>
               <a:rPr lang="it-IT" dirty="0" err="1"/>
-              <a:t>is</a:t>
+              <a:t>un’adattatore</a:t>
             </a:r>
             <a:r>
               <a:rPr lang="it-IT" dirty="0"/>
-              <a:t> the connection with GND (black line);</a:t>
-            </a:r>
-          </a:p>
-          <a:p>
-            <a:pPr marL="171450" lvl="0" indent="-171450" algn="l" rtl="0">
-              <a:spcBef>
-                <a:spcPts val="0"/>
-              </a:spcBef>
-              <a:spcAft>
-                <a:spcPts val="0"/>
-              </a:spcAft>
-              <a:buFontTx/>
-              <a:buChar char="-"/>
-            </a:pPr>
-            <a:r>
-              <a:rPr lang="it-IT" dirty="0"/>
-              <a:t>Red line </a:t>
-            </a:r>
-            <a:r>
-              <a:rPr lang="it-IT" dirty="0" err="1"/>
-              <a:t>is</a:t>
-            </a:r>
-            <a:r>
-              <a:rPr lang="it-IT" dirty="0"/>
-              <a:t> the connection with 3V;</a:t>
-            </a:r>
-          </a:p>
-          <a:p>
-            <a:pPr marL="171450" lvl="0" indent="-171450" algn="l" rtl="0">
-              <a:spcBef>
-                <a:spcPts val="0"/>
-              </a:spcBef>
-              <a:spcAft>
-                <a:spcPts val="0"/>
-              </a:spcAft>
-              <a:buFontTx/>
-              <a:buChar char="-"/>
-            </a:pPr>
-            <a:r>
-              <a:rPr lang="it-IT" dirty="0"/>
-              <a:t>GPIO 26 (</a:t>
-            </a:r>
-            <a:r>
-              <a:rPr lang="it-IT" dirty="0" err="1"/>
-              <a:t>yellow</a:t>
-            </a:r>
-            <a:r>
-              <a:rPr lang="it-IT" dirty="0"/>
-              <a:t> line) </a:t>
-            </a:r>
-            <a:r>
-              <a:rPr lang="it-IT" dirty="0" err="1"/>
-              <a:t>is</a:t>
-            </a:r>
-            <a:r>
-              <a:rPr lang="it-IT" dirty="0"/>
-              <a:t> TX on the board (RX on the finger);</a:t>
-            </a:r>
-          </a:p>
-          <a:p>
-            <a:pPr marL="171450" lvl="0" indent="-171450" algn="l" rtl="0">
-              <a:spcBef>
-                <a:spcPts val="0"/>
-              </a:spcBef>
-              <a:spcAft>
-                <a:spcPts val="0"/>
-              </a:spcAft>
-              <a:buFontTx/>
-              <a:buChar char="-"/>
-            </a:pPr>
-            <a:r>
-              <a:rPr lang="it-IT" dirty="0"/>
-              <a:t>GPIO 27 (green line) </a:t>
-            </a:r>
-            <a:r>
-              <a:rPr lang="it-IT" dirty="0" err="1"/>
-              <a:t>is</a:t>
-            </a:r>
-            <a:r>
-              <a:rPr lang="it-IT" dirty="0"/>
-              <a:t> RX on the board (TX on the finger); </a:t>
-            </a:r>
-          </a:p>
-          <a:p>
-            <a:pPr marL="0" lvl="0" indent="0" algn="l" rtl="0">
-              <a:spcBef>
-                <a:spcPts val="0"/>
-              </a:spcBef>
-              <a:spcAft>
-                <a:spcPts val="0"/>
-              </a:spcAft>
-              <a:buFontTx/>
-              <a:buNone/>
-            </a:pPr>
-            <a:endParaRPr lang="it-IT" dirty="0"/>
-          </a:p>
-          <a:p>
-            <a:pPr marL="0" lvl="0" indent="0" algn="l" rtl="0">
-              <a:spcBef>
-                <a:spcPts val="0"/>
-              </a:spcBef>
-              <a:spcAft>
-                <a:spcPts val="0"/>
-              </a:spcAft>
-              <a:buFontTx/>
-              <a:buNone/>
-            </a:pPr>
-            <a:r>
-              <a:rPr lang="it-IT" dirty="0"/>
-              <a:t>The blue and white line of the </a:t>
-            </a:r>
-            <a:r>
-              <a:rPr lang="it-IT" dirty="0" err="1"/>
-              <a:t>fingerprint</a:t>
-            </a:r>
-            <a:r>
-              <a:rPr lang="it-IT" dirty="0"/>
-              <a:t> are </a:t>
-            </a:r>
-            <a:r>
-              <a:rPr lang="it-IT" dirty="0" err="1"/>
-              <a:t>used</a:t>
-            </a:r>
-            <a:r>
-              <a:rPr lang="it-IT" dirty="0"/>
-              <a:t> to </a:t>
-            </a:r>
-            <a:r>
-              <a:rPr lang="it-IT" dirty="0" err="1"/>
-              <a:t>connect</a:t>
-            </a:r>
-            <a:r>
-              <a:rPr lang="it-IT" dirty="0"/>
-              <a:t> </a:t>
-            </a:r>
-            <a:r>
-              <a:rPr lang="it-IT" dirty="0" err="1"/>
-              <a:t>it</a:t>
-            </a:r>
-            <a:r>
-              <a:rPr lang="it-IT" dirty="0"/>
-              <a:t> to serial </a:t>
-            </a:r>
-            <a:r>
-              <a:rPr lang="it-IT" dirty="0" err="1"/>
-              <a:t>adapter</a:t>
-            </a:r>
-            <a:r>
-              <a:rPr lang="it-IT" dirty="0"/>
-              <a:t> </a:t>
-            </a:r>
-            <a:r>
-              <a:rPr lang="it-IT" dirty="0" err="1"/>
-              <a:t>but</a:t>
-            </a:r>
-            <a:r>
-              <a:rPr lang="it-IT" dirty="0"/>
-              <a:t> in </a:t>
-            </a:r>
-            <a:r>
-              <a:rPr lang="it-IT" dirty="0" err="1"/>
-              <a:t>this</a:t>
-            </a:r>
-            <a:r>
-              <a:rPr lang="it-IT" dirty="0"/>
-              <a:t> case </a:t>
-            </a:r>
-            <a:r>
-              <a:rPr lang="it-IT" dirty="0" err="1"/>
-              <a:t>we</a:t>
-            </a:r>
-            <a:r>
-              <a:rPr lang="it-IT" dirty="0"/>
-              <a:t> </a:t>
-            </a:r>
-            <a:r>
-              <a:rPr lang="it-IT" dirty="0" err="1"/>
-              <a:t>don’t</a:t>
-            </a:r>
-            <a:r>
-              <a:rPr lang="it-IT" dirty="0"/>
-              <a:t> </a:t>
-            </a:r>
-            <a:r>
-              <a:rPr lang="it-IT" dirty="0" err="1"/>
-              <a:t>need</a:t>
-            </a:r>
-            <a:r>
-              <a:rPr lang="it-IT" dirty="0"/>
-              <a:t> to use </a:t>
-            </a:r>
-            <a:r>
-              <a:rPr lang="it-IT" dirty="0" err="1"/>
-              <a:t>them</a:t>
-            </a:r>
-            <a:r>
-              <a:rPr lang="it-IT" dirty="0"/>
-              <a:t>.</a:t>
+              <a:t> seriale ma in questo caso non vengono utilizzate.</a:t>
             </a:r>
             <a:endParaRPr dirty="0"/>
           </a:p>
@@ -2689,112 +2304,87 @@
           </a:bodyPr>
           <a:lstStyle/>
           <a:p>
-            <a:pPr marL="0" indent="0">
+            <a:pPr marL="158750" indent="0">
               <a:buNone/>
             </a:pPr>
             <a:r>
-              <a:rPr lang="en-US" dirty="0">
-                <a:solidFill>
-                  <a:srgbClr val="00B050"/>
-                </a:solidFill>
-              </a:rPr>
-              <a:t>SSL communication allows a secure communication between two devices. In this case, I create a secure communication between my Esp32 and the external device that works as server to setup data’s board.</a:t>
-            </a:r>
-          </a:p>
-          <a:p>
-            <a:pPr marL="0" indent="0">
+              <a:rPr lang="it-IT" dirty="0"/>
+              <a:t>La comunicazione SSL consente una comunicazione sicura tra due dispositivi. In questo caso, creo una comunicazione sicura tra l’Esp32 e il dispositivo esterno che funge da server per fare il setup dei dati. </a:t>
+            </a:r>
+          </a:p>
+          <a:p>
+            <a:pPr marL="158750" indent="0">
               <a:buNone/>
             </a:pPr>
-            <a:endParaRPr lang="en-US" dirty="0">
-              <a:solidFill>
-                <a:srgbClr val="00B050"/>
-              </a:solidFill>
-            </a:endParaRPr>
-          </a:p>
-          <a:p>
-            <a:pPr marL="0" indent="0">
-              <a:buNone/>
+            <a:endParaRPr lang="it-IT" dirty="0"/>
+          </a:p>
+          <a:p>
+            <a:pPr marL="387350" indent="-228600">
+              <a:buAutoNum type="arabicPeriod"/>
             </a:pPr>
             <a:r>
-              <a:rPr lang="en-US" dirty="0">
-                <a:solidFill>
-                  <a:srgbClr val="00B050"/>
-                </a:solidFill>
-              </a:rPr>
-              <a:t>1. First steps is the creation of CA, client and server certificates with their associated keys (I used </a:t>
-            </a:r>
-            <a:r>
-              <a:rPr lang="en-US" dirty="0" err="1">
-                <a:solidFill>
-                  <a:srgbClr val="00B050"/>
-                </a:solidFill>
-              </a:rPr>
+              <a:rPr lang="it-IT" dirty="0"/>
+              <a:t>I primi passi sono la creazione dei certificati CA, client e server con le relative chiavi (io ho usato </a:t>
+            </a:r>
+            <a:r>
+              <a:rPr lang="it-IT" dirty="0" err="1"/>
               <a:t>openssl</a:t>
             </a:r>
             <a:r>
-              <a:rPr lang="en-US" dirty="0">
-                <a:solidFill>
-                  <a:srgbClr val="00B050"/>
-                </a:solidFill>
-              </a:rPr>
-              <a:t>, in particular </a:t>
-            </a:r>
-            <a:r>
-              <a:rPr lang="en-US" dirty="0" err="1">
-                <a:solidFill>
-                  <a:srgbClr val="00B050"/>
-                </a:solidFill>
-              </a:rPr>
+              <a:rPr lang="it-IT" dirty="0"/>
+              <a:t>, in particolare </a:t>
+            </a:r>
+            <a:r>
+              <a:rPr lang="it-IT" dirty="0" err="1"/>
               <a:t>rsa</a:t>
             </a:r>
             <a:r>
-              <a:rPr lang="en-US" dirty="0">
-                <a:solidFill>
-                  <a:srgbClr val="00B050"/>
-                </a:solidFill>
-              </a:rPr>
-              <a:t> 2048 bit);</a:t>
-            </a:r>
-          </a:p>
-          <a:p>
-            <a:pPr marL="0" indent="0">
-              <a:buNone/>
+              <a:rPr lang="it-IT" dirty="0"/>
+              <a:t> 2048 bit); </a:t>
+            </a:r>
+          </a:p>
+          <a:p>
+            <a:pPr marL="387350" indent="-228600">
+              <a:buAutoNum type="arabicPeriod"/>
             </a:pPr>
             <a:r>
-              <a:rPr lang="en-US" dirty="0">
-                <a:solidFill>
-                  <a:srgbClr val="00B050"/>
-                </a:solidFill>
-              </a:rPr>
-              <a:t>2. Second steps is to store CA, client and its key in Arduino code and then send client certificate to server to verify it.</a:t>
-            </a:r>
-          </a:p>
-          <a:p>
-            <a:pPr marL="0" indent="0">
-              <a:buNone/>
+              <a:rPr lang="it-IT" dirty="0"/>
+              <a:t>Il secondo passo è memorizzare il CA, client e la sua chiave nel codice Arduino e quindi inviare il certificato client al server per verificarlo. </a:t>
+            </a:r>
+          </a:p>
+          <a:p>
+            <a:pPr marL="387350" indent="-228600">
+              <a:buAutoNum type="arabicPeriod"/>
             </a:pPr>
             <a:r>
-              <a:rPr lang="en-US" dirty="0">
-                <a:solidFill>
-                  <a:srgbClr val="00B050"/>
-                </a:solidFill>
-              </a:rPr>
-              <a:t>3. Server python load server certificate and verify it and then the client certificate.</a:t>
-            </a:r>
-          </a:p>
-          <a:p>
-            <a:pPr marL="0" indent="0">
-              <a:buNone/>
+              <a:rPr lang="it-IT" dirty="0"/>
+              <a:t>Il server </a:t>
+            </a:r>
+            <a:r>
+              <a:rPr lang="it-IT" dirty="0" err="1"/>
+              <a:t>python</a:t>
+            </a:r>
+            <a:r>
+              <a:rPr lang="it-IT" dirty="0"/>
+              <a:t> carica il certificato del server e lo verifica.</a:t>
+            </a:r>
+          </a:p>
+          <a:p>
+            <a:pPr marL="387350" indent="-228600">
+              <a:buAutoNum type="arabicPeriod"/>
             </a:pPr>
             <a:r>
-              <a:rPr lang="en-US" dirty="0">
-                <a:solidFill>
-                  <a:srgbClr val="00B050"/>
-                </a:solidFill>
-              </a:rPr>
-              <a:t>4. The server create a socket on a specific port and readies to receive data by Esp32.</a:t>
-            </a:r>
-            <a:endParaRPr dirty="0"/>
+              <a:rPr lang="it-IT" dirty="0"/>
+              <a:t>Il server crea una </a:t>
+            </a:r>
+            <a:r>
+              <a:rPr lang="it-IT" dirty="0" err="1"/>
+              <a:t>socket</a:t>
+            </a:r>
+            <a:r>
+              <a:rPr lang="it-IT" dirty="0"/>
+              <a:t> su una porta specifica e si prepara a ricevere dati da Esp32.</a:t>
+            </a:r>
           </a:p>
         </p:txBody>
       </p:sp>
@@ -2897,26 +2487,7 @@
             <a:pPr marL="0" indent="0">
               <a:buNone/>
             </a:pPr>
-            <a:r>
-              <a:rPr lang="en-US" dirty="0">
-                <a:solidFill>
-                  <a:srgbClr val="00B050"/>
-                </a:solidFill>
-              </a:rPr>
-              <a:t>1. At starts, server receives </a:t>
-            </a:r>
-            <a:r>
-              <a:rPr lang="en-US" sz="1100" dirty="0"/>
-              <a:t>welcome string, number of fingerprints, user and hotspot credentials </a:t>
-            </a:r>
-            <a:r>
-              <a:rPr lang="en-US" sz="1100" dirty="0" err="1"/>
-              <a:t>json</a:t>
-            </a:r>
-            <a:r>
-              <a:rPr lang="en-US" sz="1100" dirty="0"/>
-              <a:t>;</a:t>
-            </a:r>
+            <a:endParaRPr lang="en-US" sz="1100" dirty="0"/>
           </a:p>
           <a:p>
             <a:pPr marL="0" indent="0">
@@ -3135,35 +2706,41 @@
               <a:buNone/>
             </a:pPr>
             <a:r>
-              <a:rPr lang="en-US" dirty="0"/>
-              <a:t>This solution is not strong because v4.2 to 5.0 have a vulnerability called "</a:t>
-            </a:r>
-            <a:r>
-              <a:rPr lang="en-US" dirty="0" err="1"/>
+              <a:rPr lang="it-IT" dirty="0"/>
+              <a:t>Questa soluzione non è forte perché dalla v4.2 a 5.0 hanno una vulnerabilità chiamata "</a:t>
+            </a:r>
+            <a:r>
+              <a:rPr lang="it-IT" dirty="0" err="1"/>
               <a:t>BLURtooth</a:t>
             </a:r>
             <a:r>
-              <a:rPr lang="en-US" dirty="0"/>
-              <a:t>" which exploits CTDK (Cross-Transport Key Derivation). This component manages two different sets of authentication keys to ensure that the relative keys are always ready for use, delegating the devices to decide during the pairing phase which version of the standard to use with the respective group of keys. The attack compromises the CTKD process overwriting the authentication keys or downgrading them to a lower level to take advantage of a less robust encryption protocol.</a:t>
-            </a:r>
-          </a:p>
-          <a:p>
-            <a:pPr marL="158750" indent="0">
-              <a:buNone/>
-            </a:pPr>
-            <a:endParaRPr lang="en-US" dirty="0"/>
-          </a:p>
-          <a:p>
-            <a:pPr marL="158750" indent="0">
-              <a:buNone/>
-            </a:pPr>
-            <a:endParaRPr lang="en-US" dirty="0"/>
-          </a:p>
-          <a:p>
-            <a:pPr marL="158750" indent="0">
-              <a:buNone/>
-            </a:pPr>
-            <a:endParaRPr dirty="0"/>
+              <a:rPr lang="it-IT" dirty="0"/>
+              <a:t>" che sfrutta CTDK (Cross-</a:t>
+            </a:r>
+            <a:r>
+              <a:rPr lang="it-IT" dirty="0" err="1"/>
+              <a:t>Transport</a:t>
+            </a:r>
+            <a:r>
+              <a:rPr lang="it-IT" dirty="0"/>
+              <a:t> Key </a:t>
+            </a:r>
+            <a:r>
+              <a:rPr lang="it-IT" dirty="0" err="1"/>
+              <a:t>Derivation</a:t>
+            </a:r>
+            <a:r>
+              <a:rPr lang="it-IT" dirty="0"/>
+              <a:t>). Questo componente gestisce due diversi set di chiavi di autenticazione per garantire che le relative chiavi siano sempre pronte all'uso, delegando i dispositivi a decidere in fase di </a:t>
+            </a:r>
+            <a:r>
+              <a:rPr lang="it-IT" dirty="0" err="1"/>
+              <a:t>pairing</a:t>
+            </a:r>
+            <a:r>
+              <a:rPr lang="it-IT" dirty="0"/>
+              <a:t> quale versione dello standard utilizzare con il rispettivo gruppo di chiavi. L'attacco compromette il processo CTKD sovrascrivendo le chiavi di autenticazione o declassandole ad un livello inferiore per sfruttare un protocollo di crittografia meno robusto.</a:t>
+            </a:r>
           </a:p>
         </p:txBody>
       </p:sp>
@@ -3628,210 +3205,9 @@
               </a:spcAft>
               <a:buNone/>
             </a:pPr>
-            <a:r>
-              <a:rPr lang="it-IT" dirty="0">
-                <a:latin typeface="+mn-lt"/>
-              </a:rPr>
-              <a:t>AES-GCM </a:t>
-            </a:r>
-            <a:r>
-              <a:rPr lang="it-IT" dirty="0" err="1">
-                <a:latin typeface="+mn-lt"/>
-              </a:rPr>
-              <a:t>is</a:t>
-            </a:r>
-            <a:r>
-              <a:rPr lang="it-IT" dirty="0">
-                <a:latin typeface="+mn-lt"/>
-              </a:rPr>
-              <a:t> a </a:t>
-            </a:r>
-            <a:r>
-              <a:rPr lang="it-IT" dirty="0" err="1">
-                <a:latin typeface="+mn-lt"/>
-              </a:rPr>
-              <a:t>block</a:t>
-            </a:r>
-            <a:r>
-              <a:rPr lang="it-IT" dirty="0">
-                <a:latin typeface="+mn-lt"/>
-              </a:rPr>
-              <a:t> </a:t>
-            </a:r>
-            <a:r>
-              <a:rPr lang="it-IT" dirty="0" err="1">
-                <a:latin typeface="+mn-lt"/>
-              </a:rPr>
-              <a:t>cipher</a:t>
-            </a:r>
-            <a:r>
-              <a:rPr lang="it-IT" dirty="0">
-                <a:latin typeface="+mn-lt"/>
-              </a:rPr>
-              <a:t> </a:t>
-            </a:r>
-            <a:r>
-              <a:rPr lang="it-IT" dirty="0" err="1">
-                <a:latin typeface="+mn-lt"/>
-              </a:rPr>
-              <a:t>provides</a:t>
-            </a:r>
-            <a:r>
-              <a:rPr lang="it-IT" dirty="0">
-                <a:latin typeface="+mn-lt"/>
-              </a:rPr>
-              <a:t> authentication, </a:t>
-            </a:r>
-            <a:r>
-              <a:rPr lang="it-IT" dirty="0" err="1">
-                <a:latin typeface="+mn-lt"/>
-              </a:rPr>
-              <a:t>confidentiality</a:t>
-            </a:r>
-            <a:r>
-              <a:rPr lang="it-IT" dirty="0">
-                <a:latin typeface="+mn-lt"/>
-              </a:rPr>
-              <a:t> and </a:t>
-            </a:r>
-            <a:r>
-              <a:rPr lang="it-IT" dirty="0" err="1">
-                <a:latin typeface="+mn-lt"/>
-              </a:rPr>
-              <a:t>integrity</a:t>
-            </a:r>
-            <a:r>
-              <a:rPr lang="it-IT" dirty="0">
-                <a:latin typeface="+mn-lt"/>
-              </a:rPr>
-              <a:t>. </a:t>
-            </a:r>
-            <a:r>
-              <a:rPr lang="it-IT" dirty="0" err="1">
-                <a:latin typeface="+mn-lt"/>
-              </a:rPr>
-              <a:t>We</a:t>
-            </a:r>
-            <a:r>
-              <a:rPr lang="it-IT" dirty="0">
-                <a:latin typeface="+mn-lt"/>
-              </a:rPr>
-              <a:t> </a:t>
-            </a:r>
-            <a:r>
-              <a:rPr lang="it-IT" dirty="0" err="1">
-                <a:latin typeface="+mn-lt"/>
-              </a:rPr>
-              <a:t>have</a:t>
-            </a:r>
-            <a:r>
-              <a:rPr lang="it-IT" dirty="0">
-                <a:latin typeface="+mn-lt"/>
-              </a:rPr>
-              <a:t> 4 input:</a:t>
-            </a:r>
-          </a:p>
-          <a:p>
-            <a:pPr marL="171450" lvl="0" indent="-171450" algn="l" rtl="0">
-              <a:spcBef>
-                <a:spcPts val="0"/>
-              </a:spcBef>
-              <a:spcAft>
-                <a:spcPts val="0"/>
-              </a:spcAft>
-              <a:buFontTx/>
-              <a:buChar char="-"/>
-            </a:pPr>
-            <a:r>
-              <a:rPr lang="it-IT" dirty="0">
-                <a:latin typeface="+mn-lt"/>
-              </a:rPr>
-              <a:t>Secret key (128 bit);</a:t>
-            </a:r>
-          </a:p>
-          <a:p>
-            <a:pPr marL="171450" lvl="0" indent="-171450" algn="l" rtl="0">
-              <a:spcBef>
-                <a:spcPts val="0"/>
-              </a:spcBef>
-              <a:spcAft>
-                <a:spcPts val="0"/>
-              </a:spcAft>
-              <a:buFontTx/>
-              <a:buChar char="-"/>
-            </a:pPr>
-            <a:r>
-              <a:rPr lang="it-IT" dirty="0">
-                <a:latin typeface="+mn-lt"/>
-              </a:rPr>
-              <a:t>IV (96 bit);</a:t>
-            </a:r>
-          </a:p>
-          <a:p>
-            <a:pPr marL="171450" lvl="0" indent="-171450" algn="l" rtl="0">
-              <a:spcBef>
-                <a:spcPts val="0"/>
-              </a:spcBef>
-              <a:spcAft>
-                <a:spcPts val="0"/>
-              </a:spcAft>
-              <a:buFontTx/>
-              <a:buChar char="-"/>
-            </a:pPr>
-            <a:r>
-              <a:rPr lang="it-IT" dirty="0" err="1">
-                <a:latin typeface="+mn-lt"/>
-              </a:rPr>
-              <a:t>Plaintext</a:t>
-            </a:r>
-            <a:r>
-              <a:rPr lang="it-IT" dirty="0">
-                <a:latin typeface="+mn-lt"/>
-              </a:rPr>
-              <a:t>;</a:t>
-            </a:r>
-          </a:p>
-          <a:p>
-            <a:pPr marL="171450" lvl="0" indent="-171450" algn="l" rtl="0">
-              <a:spcBef>
-                <a:spcPts val="0"/>
-              </a:spcBef>
-              <a:spcAft>
-                <a:spcPts val="0"/>
-              </a:spcAft>
-              <a:buFontTx/>
-              <a:buChar char="-"/>
-            </a:pPr>
-            <a:r>
-              <a:rPr lang="it-IT" dirty="0">
-                <a:latin typeface="+mn-lt"/>
-              </a:rPr>
-              <a:t>Option </a:t>
-            </a:r>
-            <a:r>
-              <a:rPr lang="it-IT" dirty="0" err="1">
-                <a:latin typeface="+mn-lt"/>
-              </a:rPr>
-              <a:t>additional</a:t>
-            </a:r>
-            <a:r>
-              <a:rPr lang="it-IT" dirty="0">
-                <a:latin typeface="+mn-lt"/>
-              </a:rPr>
-              <a:t> </a:t>
-            </a:r>
-            <a:r>
-              <a:rPr lang="it-IT" dirty="0" err="1">
-                <a:latin typeface="+mn-lt"/>
-              </a:rPr>
-              <a:t>authenticated</a:t>
-            </a:r>
-            <a:r>
-              <a:rPr lang="it-IT" dirty="0">
-                <a:latin typeface="+mn-lt"/>
-              </a:rPr>
-              <a:t> data (AAD).</a:t>
-            </a:r>
+            <a:endParaRPr lang="it-IT" dirty="0">
+              <a:latin typeface="+mn-lt"/>
+            </a:endParaRPr>
           </a:p>
         </p:txBody>
       </p:sp>
@@ -3931,6 +3307,31 @@
           </a:bodyPr>
           <a:lstStyle/>
           <a:p>
+            <a:pPr marL="0" marR="0" lvl="0" indent="0" algn="l" defTabSz="914400" rtl="0" eaLnBrk="1" fontAlgn="auto" latinLnBrk="0" hangingPunct="1">
+              <a:lnSpc>
+                <a:spcPct val="100000"/>
+              </a:lnSpc>
+              <a:spcBef>
+                <a:spcPts val="0"/>
+              </a:spcBef>
+              <a:spcAft>
+                <a:spcPts val="0"/>
+              </a:spcAft>
+              <a:buClr>
+                <a:srgbClr val="000000"/>
+              </a:buClr>
+              <a:buSzPts val="1100"/>
+              <a:buFontTx/>
+              <a:buNone/>
+              <a:tabLst/>
+              <a:defRPr/>
+            </a:pPr>
+            <a:r>
+              <a:rPr lang="it-IT" dirty="0"/>
+              <a:t>Qualsiasi tentativo di scoprire la chiave PUF tramite micro-sondaggio o altre tecniche invasive interromperà i circuiti utilizzati per costruire la chiave PUF e renderà inutile l'output.</a:t>
+            </a:r>
+          </a:p>
+          <a:p>
             <a:pPr marL="0" lvl="0" indent="0" algn="l" rtl="0">
               <a:spcBef>
                 <a:spcPts val="0"/>
@@ -3941,96 +3342,9 @@
               <a:buFontTx/>
               <a:buNone/>
             </a:pPr>
-            <a:r>
-              <a:rPr lang="it-IT" dirty="0">
-                <a:latin typeface="+mn-lt"/>
-              </a:rPr>
-              <a:t>The key </a:t>
-            </a:r>
-            <a:r>
-              <a:rPr lang="it-IT" dirty="0" err="1">
-                <a:latin typeface="+mn-lt"/>
-              </a:rPr>
-              <a:t>is</a:t>
-            </a:r>
-            <a:r>
-              <a:rPr lang="it-IT" dirty="0">
-                <a:latin typeface="+mn-lt"/>
-              </a:rPr>
-              <a:t> a hard-</a:t>
-            </a:r>
-            <a:r>
-              <a:rPr lang="it-IT" dirty="0" err="1">
-                <a:latin typeface="+mn-lt"/>
-              </a:rPr>
-              <a:t>coded</a:t>
-            </a:r>
-            <a:r>
-              <a:rPr lang="it-IT" dirty="0">
-                <a:latin typeface="+mn-lt"/>
-              </a:rPr>
-              <a:t> non-random test key. The key </a:t>
-            </a:r>
-            <a:r>
-              <a:rPr lang="en-US" dirty="0">
-                <a:latin typeface="+mn-lt"/>
-              </a:rPr>
-              <a:t>must be generated randomly, for example by implementing PUFs in Esp32. </a:t>
-            </a:r>
-            <a:r>
-              <a:rPr lang="it-IT" dirty="0" err="1">
-                <a:latin typeface="+mn-lt"/>
-              </a:rPr>
-              <a:t>This</a:t>
-            </a:r>
-            <a:r>
-              <a:rPr lang="it-IT" dirty="0">
-                <a:latin typeface="+mn-lt"/>
-              </a:rPr>
-              <a:t> </a:t>
-            </a:r>
-            <a:r>
-              <a:rPr lang="it-IT" dirty="0" err="1">
-                <a:latin typeface="+mn-lt"/>
-              </a:rPr>
-              <a:t>is</a:t>
-            </a:r>
-            <a:r>
-              <a:rPr lang="it-IT" dirty="0">
-                <a:latin typeface="+mn-lt"/>
-              </a:rPr>
-              <a:t> </a:t>
-            </a:r>
-            <a:r>
-              <a:rPr lang="it-IT" dirty="0" err="1">
-                <a:latin typeface="+mn-lt"/>
-              </a:rPr>
-              <a:t>useful</a:t>
-            </a:r>
-            <a:r>
-              <a:rPr lang="it-IT" dirty="0">
-                <a:latin typeface="+mn-lt"/>
-              </a:rPr>
-              <a:t> </a:t>
-            </a:r>
-            <a:r>
-              <a:rPr lang="it-IT" dirty="0" err="1">
-                <a:latin typeface="+mn-lt"/>
-              </a:rPr>
-              <a:t>because</a:t>
-            </a:r>
-            <a:r>
-              <a:rPr lang="it-IT" dirty="0">
-                <a:latin typeface="+mn-lt"/>
-              </a:rPr>
-              <a:t> </a:t>
-            </a:r>
-            <a:r>
-              <a:rPr lang="en-US" dirty="0">
-                <a:latin typeface="+mn-lt"/>
-              </a:rPr>
-              <a:t>the PUF is used to create keys that are generated on-demand and instantaneously erased once used. The PUF key value never exists in digital form within the circuitry of the security IC. Further, since the key is derived and produced on-demand from physical characteristics of circuit elements, they are never present in the device’s nonvolatile memory. Any attempt to discover the PUF key through micro-probing or other invasive techniques will disrupt the sensitive circuitry used to construct the PUF key and render the output useless.</a:t>
-            </a:r>
+            <a:endParaRPr lang="en-US" dirty="0">
+              <a:latin typeface="+mn-lt"/>
+            </a:endParaRPr>
           </a:p>
         </p:txBody>
       </p:sp>
@@ -4156,65 +3470,12 @@
               <a:buNone/>
             </a:pPr>
             <a:r>
-              <a:rPr lang="it-IT" dirty="0">
-                <a:latin typeface="+mn-lt"/>
-              </a:rPr>
-              <a:t>The AAD </a:t>
-            </a:r>
-            <a:r>
-              <a:rPr lang="it-IT" dirty="0" err="1">
-                <a:latin typeface="+mn-lt"/>
-              </a:rPr>
-              <a:t>is</a:t>
-            </a:r>
-            <a:r>
-              <a:rPr lang="it-IT" dirty="0">
-                <a:latin typeface="+mn-lt"/>
-              </a:rPr>
-              <a:t> </a:t>
-            </a:r>
-            <a:r>
-              <a:rPr lang="it-IT" dirty="0" err="1">
-                <a:latin typeface="+mn-lt"/>
-              </a:rPr>
-              <a:t>not</a:t>
-            </a:r>
-            <a:r>
-              <a:rPr lang="it-IT" dirty="0">
-                <a:latin typeface="+mn-lt"/>
-              </a:rPr>
-              <a:t> </a:t>
-            </a:r>
-            <a:r>
-              <a:rPr lang="it-IT" dirty="0" err="1">
-                <a:latin typeface="+mn-lt"/>
-              </a:rPr>
-              <a:t>used</a:t>
-            </a:r>
-            <a:r>
-              <a:rPr lang="it-IT" dirty="0">
-                <a:latin typeface="+mn-lt"/>
-              </a:rPr>
-              <a:t> </a:t>
-            </a:r>
-            <a:r>
-              <a:rPr lang="it-IT" dirty="0" err="1">
-                <a:latin typeface="+mn-lt"/>
-              </a:rPr>
-              <a:t>but</a:t>
-            </a:r>
-            <a:r>
-              <a:rPr lang="it-IT" dirty="0">
-                <a:latin typeface="+mn-lt"/>
-              </a:rPr>
-              <a:t> </a:t>
-            </a:r>
-            <a:r>
-              <a:rPr lang="en-US" dirty="0">
-                <a:latin typeface="+mn-lt"/>
-              </a:rPr>
-              <a:t>I compare the encryption TAG with the decryption TAG to check that the whole string is encrypted without truncations.</a:t>
-            </a:r>
+              <a:rPr lang="it-IT" dirty="0"/>
+              <a:t>L'AAD non viene utilizzato ma confronto il TAG di cifratura con il TAG di decifratura per verificare che l'intera stringa sia cifrata senza troncamenti.</a:t>
+            </a:r>
+            <a:endParaRPr lang="en-US" dirty="0">
+              <a:latin typeface="+mn-lt"/>
+            </a:endParaRPr>
           </a:p>
           <a:p>
             <a:pPr marL="0" lvl="0" indent="0" algn="l" rtl="0">
@@ -4559,140 +3820,81 @@
           </a:bodyPr>
           <a:lstStyle/>
           <a:p>
-            <a:pPr marL="171450" lvl="0" indent="-171450" algn="l" rtl="0">
-              <a:spcBef>
-                <a:spcPts val="0"/>
-              </a:spcBef>
-              <a:spcAft>
-                <a:spcPts val="0"/>
-              </a:spcAft>
+            <a:pPr marL="228600" lvl="0" indent="-228600" algn="l" rtl="0">
+              <a:spcBef>
+                <a:spcPts val="0"/>
+              </a:spcBef>
+              <a:spcAft>
+                <a:spcPts val="0"/>
+              </a:spcAft>
+              <a:buAutoNum type="arabicPeriod"/>
             </a:pPr>
             <a:r>
-              <a:rPr lang="en-US" dirty="0"/>
-              <a:t>In the case of nonce reuse both integrity and confidentiality properties are violated. If the same nonce is used twice, an adversary can create forged ciphertexts easily.</a:t>
-            </a:r>
-          </a:p>
-          <a:p>
-            <a:pPr marL="171450" lvl="0" indent="-171450" algn="l" rtl="0">
-              <a:spcBef>
-                <a:spcPts val="0"/>
-              </a:spcBef>
-              <a:spcAft>
-                <a:spcPts val="0"/>
-              </a:spcAft>
+              <a:rPr lang="it-IT" dirty="0"/>
+              <a:t>Se lo stesso </a:t>
+            </a:r>
+            <a:r>
+              <a:rPr lang="it-IT" dirty="0" err="1"/>
+              <a:t>nonce</a:t>
+            </a:r>
+            <a:r>
+              <a:rPr lang="it-IT" dirty="0"/>
+              <a:t> viene utilizzato due volte, un avversario può facilmente creare testi cifrati contraffatti. </a:t>
+            </a:r>
+          </a:p>
+          <a:p>
+            <a:pPr marL="228600" lvl="0" indent="-228600" algn="l" rtl="0">
+              <a:spcBef>
+                <a:spcPts val="0"/>
+              </a:spcBef>
+              <a:spcAft>
+                <a:spcPts val="0"/>
+              </a:spcAft>
+              <a:buAutoNum type="arabicPeriod"/>
             </a:pPr>
-            <a:endParaRPr lang="it-IT" dirty="0">
-              <a:latin typeface="+mn-lt"/>
-            </a:endParaRPr>
-          </a:p>
-          <a:p>
-            <a:pPr marL="171450" lvl="0" indent="-171450" algn="l" rtl="0">
-              <a:spcBef>
-                <a:spcPts val="0"/>
-              </a:spcBef>
-              <a:spcAft>
-                <a:spcPts val="0"/>
-              </a:spcAft>
+            <a:endParaRPr lang="it-IT" dirty="0"/>
+          </a:p>
+          <a:p>
+            <a:pPr marL="228600" lvl="0" indent="-228600" algn="l" rtl="0">
+              <a:spcBef>
+                <a:spcPts val="0"/>
+              </a:spcBef>
+              <a:spcAft>
+                <a:spcPts val="0"/>
+              </a:spcAft>
+              <a:buAutoNum type="arabicPeriod"/>
             </a:pPr>
             <a:r>
               <a:rPr lang="it-IT" dirty="0"/>
-              <a:t>Short tags </a:t>
-            </a:r>
-            <a:r>
-              <a:rPr lang="it-IT" dirty="0">
-                <a:latin typeface="+mn-lt"/>
-              </a:rPr>
-              <a:t>produce </a:t>
-            </a:r>
-            <a:r>
-              <a:rPr lang="it-IT" dirty="0" err="1">
-                <a:latin typeface="+mn-lt"/>
-              </a:rPr>
-              <a:t>message</a:t>
-            </a:r>
-            <a:r>
-              <a:rPr lang="it-IT" dirty="0">
-                <a:latin typeface="+mn-lt"/>
-              </a:rPr>
-              <a:t> </a:t>
-            </a:r>
-            <a:r>
-              <a:rPr lang="it-IT" dirty="0" err="1">
-                <a:latin typeface="+mn-lt"/>
-              </a:rPr>
-              <a:t>forgeries</a:t>
-            </a:r>
-            <a:r>
-              <a:rPr lang="it-IT" dirty="0">
-                <a:latin typeface="+mn-lt"/>
-              </a:rPr>
-              <a:t>. </a:t>
-            </a:r>
-            <a:r>
-              <a:rPr lang="en-US" dirty="0">
-                <a:latin typeface="+mn-lt"/>
-              </a:rPr>
-              <a:t>For instance, if the tag is 32 bits, then after 2^16 forgery attempts and 2^16 encryptions of chosen plaintexts, a forged ciphertext can be produced.</a:t>
-            </a:r>
-          </a:p>
-          <a:p>
-            <a:pPr marL="171450" lvl="0" indent="-171450" algn="l" rtl="0">
-              <a:spcBef>
-                <a:spcPts val="0"/>
-              </a:spcBef>
-              <a:spcAft>
-                <a:spcPts val="0"/>
-              </a:spcAft>
+              <a:t>I tag brevi producono messaggi contraffatti. Ad esempio, se il tag è di 32 bit, dopo 2^16 tentativi di contraffazione e 2^16 crittografie di testi in chiaro scelti, è possibile produrre un testo cifrato contraffatto. </a:t>
+            </a:r>
+          </a:p>
+          <a:p>
+            <a:pPr marL="228600" lvl="0" indent="-228600" algn="l" rtl="0">
+              <a:spcBef>
+                <a:spcPts val="0"/>
+              </a:spcBef>
+              <a:spcAft>
+                <a:spcPts val="0"/>
+              </a:spcAft>
+              <a:buAutoNum type="arabicPeriod"/>
             </a:pPr>
-            <a:endParaRPr lang="en-US" dirty="0">
-              <a:latin typeface="+mn-lt"/>
-            </a:endParaRPr>
-          </a:p>
-          <a:p>
-            <a:pPr marL="171450" lvl="0" indent="-171450" algn="l" rtl="0">
-              <a:spcBef>
-                <a:spcPts val="0"/>
-              </a:spcBef>
-              <a:spcAft>
-                <a:spcPts val="0"/>
-              </a:spcAft>
+            <a:endParaRPr lang="it-IT" dirty="0"/>
+          </a:p>
+          <a:p>
+            <a:pPr marL="228600" lvl="0" indent="-228600" algn="l" rtl="0">
+              <a:spcBef>
+                <a:spcPts val="0"/>
+              </a:spcBef>
+              <a:spcAft>
+                <a:spcPts val="0"/>
+              </a:spcAft>
+              <a:buAutoNum type="arabicPeriod"/>
             </a:pPr>
             <a:r>
-              <a:rPr lang="en-US" dirty="0"/>
-              <a:t>GCM implementations are vulnerable to timing attacks if they do not use special AES instructions. The vulnerability remains even if the AES itself is implemented in constant-time. Constant-time implementations of GCM exist, but they are rather slow.</a:t>
-            </a:r>
-          </a:p>
-          <a:p>
-            <a:pPr marL="171450" lvl="0" indent="-171450" algn="l" rtl="0">
-              <a:spcBef>
-                <a:spcPts val="0"/>
-              </a:spcBef>
-              <a:spcAft>
-                <a:spcPts val="0"/>
-              </a:spcAft>
-            </a:pPr>
-            <a:endParaRPr lang="en-US" dirty="0">
-              <a:latin typeface="+mn-lt"/>
-            </a:endParaRPr>
-          </a:p>
-          <a:p>
-            <a:pPr marL="171450" lvl="0" indent="-171450" algn="l" rtl="0">
-              <a:spcBef>
-                <a:spcPts val="0"/>
-              </a:spcBef>
-              <a:spcAft>
-                <a:spcPts val="0"/>
-              </a:spcAft>
-            </a:pPr>
-            <a:r>
-              <a:rPr lang="en-US" dirty="0">
-                <a:latin typeface="+mn-lt"/>
-              </a:rPr>
-              <a:t>GCM is vulnerable against cycling attacks; bad values of the internal H key, which can be pre-calculated for specific AES key values, can negatively impact security.</a:t>
-            </a:r>
-            <a:endParaRPr lang="it-IT" dirty="0">
-              <a:latin typeface="+mn-lt"/>
-            </a:endParaRPr>
+              <a:rPr lang="it-IT" dirty="0"/>
+              <a:t>Le implementazioni GCM sono vulnerabili agli attacchi di temporizzazione se non utilizzano istruzioni AES speciali. La vulnerabilità rimane anche se l'AES stesso è implementato in tempo costante. Esistono implementazioni a tempo costante di GCM, ma sono piuttosto lente. </a:t>
+            </a:r>
           </a:p>
         </p:txBody>
       </p:sp>
@@ -4913,131 +4115,53 @@
           </a:bodyPr>
           <a:lstStyle/>
           <a:p>
-            <a:pPr marL="171450" lvl="0" indent="-171450" algn="l" rtl="0">
-              <a:spcBef>
-                <a:spcPts val="0"/>
-              </a:spcBef>
-              <a:spcAft>
-                <a:spcPts val="0"/>
-              </a:spcAft>
-              <a:buFontTx/>
-              <a:buChar char="-"/>
+            <a:r>
+              <a:rPr lang="it-IT" dirty="0"/>
+              <a:t>Autenticazione: per l'autenticazione del server, il client utilizza la chiave pubblica del server per crittografare i dati. Il server può generare la chiave segreta solo se può decifrare quei dati con la chiave privata corretta. Per l'autenticazione client, il server utilizza la chiave pubblica nel certificato client per </a:t>
+            </a:r>
+            <a:r>
+              <a:rPr lang="it-IT" dirty="0" err="1"/>
+              <a:t>decrittografare</a:t>
+            </a:r>
+            <a:r>
+              <a:rPr lang="it-IT" dirty="0"/>
+              <a:t> i dati inviati dal client durante il passaggio 5 dell'</a:t>
+            </a:r>
+            <a:r>
+              <a:rPr lang="it-IT" dirty="0" err="1"/>
+              <a:t>handshake</a:t>
+            </a:r>
+            <a:r>
+              <a:rPr lang="it-IT" dirty="0"/>
+              <a:t>. Lo scambio di messaggi finiti conferma che l'autenticazione è completa. Se uno qualsiasi dei passaggi di autenticazione fallisce, l'</a:t>
+            </a:r>
+            <a:r>
+              <a:rPr lang="it-IT" dirty="0" err="1"/>
+              <a:t>handshake</a:t>
+            </a:r>
+            <a:r>
+              <a:rPr lang="it-IT" dirty="0"/>
+              <a:t> fallisce e la sessione termina. </a:t>
+            </a:r>
+          </a:p>
+          <a:p>
+            <a:pPr marL="158750" indent="0">
+              <a:buNone/>
             </a:pPr>
-            <a:r>
-              <a:rPr lang="it-IT" dirty="0">
-                <a:latin typeface="+mn-lt"/>
-              </a:rPr>
-              <a:t>Authentication: for server authentication, </a:t>
-            </a:r>
-            <a:r>
-              <a:rPr lang="en-US" dirty="0">
-                <a:latin typeface="+mn-lt"/>
-              </a:rPr>
-              <a:t>the client uses the server's public key to encrypt the data. The server can generate the secret key only if it can decrypt that data with the correct private key. For client authentication, the server uses the public key in the client certificate to decrypt the data the client sends during step 5 of the handshake. The exchange of finished messages confirms that authentication is complete. If any of the authentication steps fail, the handshake fails and the session terminates.</a:t>
-            </a:r>
-            <a:endParaRPr lang="it-IT" dirty="0">
-              <a:latin typeface="+mn-lt"/>
-            </a:endParaRPr>
-          </a:p>
-          <a:p>
-            <a:pPr marL="0" lvl="0" indent="0" algn="l" rtl="0">
-              <a:spcBef>
-                <a:spcPts val="0"/>
-              </a:spcBef>
-              <a:spcAft>
-                <a:spcPts val="0"/>
-              </a:spcAft>
-              <a:buNone/>
-            </a:pPr>
-            <a:endParaRPr lang="it-IT" dirty="0">
-              <a:latin typeface="+mn-lt"/>
-            </a:endParaRPr>
-          </a:p>
-          <a:p>
-            <a:pPr marL="171450" lvl="0" indent="-171450" algn="l" rtl="0">
-              <a:spcBef>
-                <a:spcPts val="0"/>
-              </a:spcBef>
-              <a:spcAft>
-                <a:spcPts val="0"/>
-              </a:spcAft>
-              <a:buFontTx/>
-              <a:buChar char="-"/>
-            </a:pPr>
-            <a:r>
-              <a:rPr lang="it-IT" dirty="0" err="1">
-                <a:latin typeface="+mn-lt"/>
-              </a:rPr>
-              <a:t>Integrity</a:t>
-            </a:r>
-            <a:r>
-              <a:rPr lang="it-IT" dirty="0">
-                <a:latin typeface="+mn-lt"/>
-              </a:rPr>
-              <a:t>: SSL </a:t>
-            </a:r>
-            <a:r>
-              <a:rPr lang="it-IT" dirty="0" err="1">
-                <a:latin typeface="+mn-lt"/>
-              </a:rPr>
-              <a:t>pr</a:t>
-            </a:r>
-            <a:r>
-              <a:rPr lang="en-US" dirty="0" err="1">
-                <a:latin typeface="+mn-lt"/>
-              </a:rPr>
-              <a:t>ovides</a:t>
-            </a:r>
-            <a:r>
-              <a:rPr lang="en-US" dirty="0">
-                <a:latin typeface="+mn-lt"/>
-              </a:rPr>
-              <a:t> data integrity by calculating a message digest.</a:t>
-            </a:r>
-          </a:p>
-          <a:p>
-            <a:pPr marL="0" lvl="0" indent="0" algn="l" rtl="0">
-              <a:spcBef>
-                <a:spcPts val="0"/>
-              </a:spcBef>
-              <a:spcAft>
-                <a:spcPts val="0"/>
-              </a:spcAft>
-              <a:buFontTx/>
-              <a:buNone/>
-            </a:pPr>
-            <a:endParaRPr lang="it-IT" dirty="0">
-              <a:latin typeface="+mn-lt"/>
-            </a:endParaRPr>
-          </a:p>
-          <a:p>
-            <a:pPr marL="171450" lvl="0" indent="-171450" algn="l" rtl="0">
-              <a:spcBef>
-                <a:spcPts val="0"/>
-              </a:spcBef>
-              <a:spcAft>
-                <a:spcPts val="0"/>
-              </a:spcAft>
-              <a:buFontTx/>
-              <a:buChar char="-"/>
-            </a:pPr>
-            <a:r>
-              <a:rPr lang="it-IT" dirty="0" err="1">
-                <a:latin typeface="+mn-lt"/>
-              </a:rPr>
-              <a:t>Confidentiality</a:t>
-            </a:r>
-            <a:r>
-              <a:rPr lang="it-IT" dirty="0">
-                <a:latin typeface="+mn-lt"/>
-              </a:rPr>
-              <a:t>: </a:t>
-            </a:r>
-            <a:r>
-              <a:rPr lang="en-US" dirty="0">
-                <a:latin typeface="+mn-lt"/>
-              </a:rPr>
-              <a:t>SSL uses a combination of symmetric and asymmetric encryption to ensure message privacy. During the SSL handshake, the SSL client and server agree an encryption algorithm and a shared secret key to be used for one session only. All messages transmitted between the SSL client and server are encrypted using that algorithm and key, ensuring that the message remains private even if it is intercepted. </a:t>
+            <a:endParaRPr lang="it-IT" dirty="0"/>
+          </a:p>
+          <a:p>
+            <a:r>
+              <a:rPr lang="it-IT" dirty="0"/>
+              <a:t>Riservatezza: SSL utilizza una combinazione di crittografia simmetrica e asimmetrica per garantire la privacy dei messaggi. Durante l'</a:t>
+            </a:r>
+            <a:r>
+              <a:rPr lang="it-IT" dirty="0" err="1"/>
+              <a:t>handshake</a:t>
+            </a:r>
+            <a:r>
+              <a:rPr lang="it-IT" dirty="0"/>
+              <a:t> SSL, il client e il server SSL concordano un algoritmo di crittografia e una chiave segreta condivisa da utilizzare solo per una sessione. Tutti i messaggi trasmessi tra il client e il server SSL vengono crittografati utilizzando tale algoritmo e chiave, garantendo che il messaggio rimanga privato anche se viene intercettato.</a:t>
             </a:r>
           </a:p>
         </p:txBody>
@@ -5251,7 +4375,19 @@
               </a:spcAft>
               <a:buNone/>
             </a:pPr>
-            <a:endParaRPr/>
+            <a:r>
+              <a:rPr lang="it-IT" b="0" dirty="0"/>
+              <a:t>Permettono, quindi, un’archiviazione sicura e cifrata mediante l’utilizzo di una </a:t>
+            </a:r>
+            <a:r>
+              <a:rPr lang="it-IT" b="1" dirty="0"/>
+              <a:t>Master Password</a:t>
+            </a:r>
+            <a:r>
+              <a:rPr lang="it-IT" b="0" dirty="0"/>
+              <a:t>, che serve per accedere al password manager.</a:t>
+            </a:r>
+            <a:endParaRPr b="0" dirty="0"/>
           </a:p>
         </p:txBody>
       </p:sp>
@@ -5361,32 +4497,44 @@
               <a:buNone/>
             </a:pPr>
             <a:r>
+              <a:rPr lang="en-US" dirty="0" err="1"/>
+              <a:t>Tra</a:t>
+            </a:r>
+            <a:r>
               <a:rPr lang="en-US" dirty="0"/>
-              <a:t>Among the most famous password managers we mention </a:t>
-            </a:r>
-            <a:r>
-              <a:rPr lang="it-IT" dirty="0" err="1"/>
-              <a:t>LastPass</a:t>
-            </a:r>
-            <a:r>
-              <a:rPr lang="it-IT" dirty="0"/>
-              <a:t>, </a:t>
-            </a:r>
-            <a:r>
-              <a:rPr lang="it-IT" dirty="0" err="1"/>
-              <a:t>Bitwarden</a:t>
-            </a:r>
-            <a:r>
-              <a:rPr lang="it-IT" dirty="0"/>
-              <a:t> and </a:t>
-            </a:r>
-            <a:r>
-              <a:rPr lang="it-IT" dirty="0" err="1"/>
-              <a:t>other</a:t>
-            </a:r>
-            <a:r>
-              <a:rPr lang="it-IT" dirty="0"/>
-              <a:t>…</a:t>
+              <a:t> I password manager </a:t>
+            </a:r>
+            <a:r>
+              <a:rPr lang="en-US" dirty="0" err="1"/>
+              <a:t>più</a:t>
+            </a:r>
+            <a:r>
+              <a:rPr lang="en-US" dirty="0"/>
+              <a:t> </a:t>
+            </a:r>
+            <a:r>
+              <a:rPr lang="en-US" dirty="0" err="1"/>
+              <a:t>famosi</a:t>
+            </a:r>
+            <a:r>
+              <a:rPr lang="en-US" dirty="0"/>
+              <a:t> </a:t>
+            </a:r>
+            <a:r>
+              <a:rPr lang="en-US" dirty="0" err="1"/>
+              <a:t>abbiamo</a:t>
+            </a:r>
+            <a:r>
+              <a:rPr lang="en-US" dirty="0"/>
+              <a:t> </a:t>
+            </a:r>
+            <a:r>
+              <a:rPr lang="en-US" dirty="0" err="1"/>
+              <a:t>Dashline</a:t>
+            </a:r>
+            <a:r>
+              <a:rPr lang="en-US" dirty="0"/>
+              <a:t> e 1Password</a:t>
             </a:r>
             <a:endParaRPr dirty="0"/>
           </a:p>
@@ -5497,7 +4645,7 @@
               </a:spcAft>
               <a:buNone/>
             </a:pPr>
-            <a:endParaRPr/>
+            <a:endParaRPr dirty="0"/>
           </a:p>
         </p:txBody>
       </p:sp>
@@ -5710,7 +4858,39 @@
               </a:spcAft>
               <a:buNone/>
             </a:pPr>
-            <a:endParaRPr/>
+            <a:r>
+              <a:rPr lang="it-IT" sz="1100" dirty="0" err="1">
+                <a:solidFill>
+                  <a:srgbClr val="00B050"/>
+                </a:solidFill>
+              </a:rPr>
+              <a:t>PassChain</a:t>
+            </a:r>
+            <a:r>
+              <a:rPr lang="it-IT" sz="1100" dirty="0">
+                <a:solidFill>
+                  <a:srgbClr val="00B050"/>
+                </a:solidFill>
+              </a:rPr>
+              <a:t> è un dispositivo IoT con l’</a:t>
+            </a:r>
+            <a:r>
+              <a:rPr lang="it-IT" sz="1100" dirty="0" err="1">
+                <a:solidFill>
+                  <a:srgbClr val="00B050"/>
+                </a:solidFill>
+              </a:rPr>
+              <a:t>obbietivo</a:t>
+            </a:r>
+            <a:r>
+              <a:rPr lang="it-IT" sz="1100" dirty="0">
+                <a:solidFill>
+                  <a:srgbClr val="00B050"/>
+                </a:solidFill>
+              </a:rPr>
+              <a:t> di facilitare l'utente durante l’autenticazione digitale permettendogli di inviare le credenziali a qualsiasi dispositivo che supporta una connessione Bluetooth. Inoltre, garantisce anche una forte sicurezza grazie alla sua funzione di password manager, infatti, tutti i dati all’interno sono cifrati.</a:t>
+            </a:r>
+            <a:endParaRPr dirty="0"/>
           </a:p>
         </p:txBody>
       </p:sp>
@@ -25119,7 +24299,7 @@
                   <a:srgbClr val="00B050"/>
                 </a:solidFill>
               </a:rPr>
-              <a:t>/* Presentation of Alberto Montefusco */ </a:t>
+              <a:t>/* Presentazione di Alberto Montefusco */ </a:t>
             </a:r>
             <a:endParaRPr sz="2200" dirty="0">
               <a:solidFill>
@@ -26282,7 +25462,7 @@
             </a:r>
             <a:r>
               <a:rPr lang="fr-FR" sz="1600" dirty="0"/>
-              <a:t>*course = ‘IoT Security’;</a:t>
+              <a:t>*corso = ‘IoT Security’;</a:t>
             </a:r>
           </a:p>
         </p:txBody>
@@ -27591,8 +26771,8 @@
               <a:t>&lt; </a:t>
             </a:r>
             <a:r>
-              <a:rPr lang="en-US" sz="1200" dirty="0"/>
-              <a:t>The board has an integrated 0.96'' OLED display, two programmable buttons and one for restarting, a power connector for batteries and a type-C port for connecting devices and powering the board itself. It has a memory of 16 Mb with SPIFFS as file system </a:t>
+              <a:rPr lang="it-IT" sz="1200" dirty="0"/>
+              <a:t>La scheda ha un display OLED integrato da 0,96'', due pulsanti programmabili e uno per il riavvio, un connettore di alimentazione per le batterie e una porta di tipo C per il collegamento del dispositivo e l'alimentazione della scheda stessa. Ha una memoria di 16 Mb con SPIFFS come file system </a:t>
             </a:r>
             <a:r>
               <a:rPr lang="en" sz="1200" dirty="0"/>
@@ -27641,8 +26821,8 @@
               <a:t>&lt; </a:t>
             </a:r>
             <a:r>
-              <a:rPr lang="en-US" sz="1200" dirty="0"/>
-              <a:t>Capacitive fingerprint sensor allows to authenticate the user. The sensor ensures the uniqueness of the user. The sensor can store 126 fingerprint: one of them is used to go back to the settings </a:t>
+              <a:rPr lang="it-IT" sz="1200" dirty="0"/>
+              <a:t>Il sensore di impronte digitali consente di autenticare l'utente garantendone l'unicità. Il sensore può memorizzare 126 impronte digitali: una di queste serve per tornare indietro nelle impostazioni </a:t>
             </a:r>
             <a:r>
               <a:rPr lang="en" sz="1200" dirty="0"/>
@@ -27786,15 +26966,15 @@
                   <a:schemeClr val="accent2"/>
                 </a:solidFill>
               </a:rPr>
-              <a:t>Lora</a:t>
-            </a:r>
-            <a:r>
-              <a:rPr lang="en">
+              <a:t>Lora_T</a:t>
+            </a:r>
+            <a:r>
+              <a:rPr lang="it-IT" dirty="0">
                 <a:solidFill>
                   <a:schemeClr val="accent2"/>
                 </a:solidFill>
               </a:rPr>
-              <a:t>_TTgo</a:t>
+              <a:t>T</a:t>
             </a:r>
             <a:r>
               <a:rPr lang="en" dirty="0">
@@ -27802,7 +26982,7 @@
                   <a:schemeClr val="accent2"/>
                 </a:solidFill>
               </a:rPr>
-              <a:t>_Esp32 </a:t>
+              <a:t>go_Esp32 </a:t>
             </a:r>
             <a:r>
               <a:rPr lang="en" dirty="0">
@@ -28284,8 +27464,8 @@
         </p:nvSpPr>
         <p:spPr>
           <a:xfrm>
-            <a:off x="2709590" y="1242206"/>
-            <a:ext cx="5137500" cy="559325"/>
+            <a:off x="2709589" y="1242206"/>
+            <a:ext cx="5486144" cy="559325"/>
           </a:xfrm>
           <a:prstGeom prst="rect">
             <a:avLst/>
@@ -28311,16 +27491,16 @@
               <a:t>&lt; </a:t>
             </a:r>
             <a:r>
-              <a:rPr lang="en-US" dirty="0"/>
-              <a:t>LiPo battery 1 cell of 500 </a:t>
-            </a:r>
-            <a:r>
-              <a:rPr lang="en-US" dirty="0" err="1"/>
-              <a:t>mAh</a:t>
-            </a:r>
-            <a:r>
-              <a:rPr lang="en-US" dirty="0"/>
-              <a:t> 3.7 V allows to have a portable and independent device </a:t>
+              <a:rPr lang="it-IT" dirty="0"/>
+              <a:t>La batteria </a:t>
+            </a:r>
+            <a:r>
+              <a:rPr lang="it-IT" dirty="0" err="1"/>
+              <a:t>LiPo</a:t>
+            </a:r>
+            <a:r>
+              <a:rPr lang="it-IT" dirty="0"/>
+              <a:t> da 500 mAh e 3,7 V consente di avere un dispositivo portatile e indipendente </a:t>
             </a:r>
             <a:r>
               <a:rPr lang="en" dirty="0"/>
@@ -29625,7 +28805,7 @@
             </a:r>
             <a:r>
               <a:rPr lang="it-IT" sz="1400" dirty="0"/>
-              <a:t>Circuit(Esp32, </a:t>
+              <a:t>Circuit (Esp32, </a:t>
             </a:r>
             <a:r>
               <a:rPr lang="it-IT" sz="1400" dirty="0" err="1"/>
@@ -29798,16 +28978,13 @@
             </a:pPr>
             <a:r>
               <a:rPr lang="it-IT" dirty="0"/>
-              <a:t>GPIO 15: metal </a:t>
-            </a:r>
-            <a:r>
-              <a:rPr lang="en-US" dirty="0"/>
-              <a:t>plaque to wake up the device when it goes in deep sleep after a constant time</a:t>
-            </a:r>
-            <a:r>
-              <a:rPr lang="it-IT" dirty="0"/>
-              <a:t>  </a:t>
-            </a:r>
+              <a:t>GPIO 15: placca metallica per riattivare la board quando entra in modalità </a:t>
+            </a:r>
+            <a:r>
+              <a:rPr lang="it-IT" dirty="0" err="1"/>
+              <a:t>deep_sleep</a:t>
+            </a:r>
+            <a:endParaRPr lang="it-IT" dirty="0"/>
           </a:p>
           <a:p>
             <a:pPr marL="0" lvl="0" indent="0" rtl="0">
@@ -29839,21 +29016,8 @@
             </a:pPr>
             <a:r>
               <a:rPr lang="it-IT" dirty="0"/>
-              <a:t>GPIO 12: </a:t>
-            </a:r>
-            <a:r>
-              <a:rPr lang="it-IT" dirty="0" err="1"/>
-              <a:t>battery</a:t>
-            </a:r>
-            <a:r>
-              <a:rPr lang="it-IT" dirty="0"/>
-              <a:t> </a:t>
-            </a:r>
-            <a:r>
-              <a:rPr lang="it-IT" dirty="0" err="1"/>
-              <a:t>circuit</a:t>
-            </a:r>
-            <a:endParaRPr lang="it-IT" dirty="0"/>
+              <a:t>GPIO 12: circuito della batteria</a:t>
+            </a:r>
           </a:p>
         </p:txBody>
       </p:sp>
@@ -30102,10 +29266,10 @@
       </p:sp>
       <p:pic>
         <p:nvPicPr>
-          <p:cNvPr id="5" name="Immagine 4">
+          <p:cNvPr id="2" name="Immagine 1">
             <a:extLst>
               <a:ext uri="{FF2B5EF4-FFF2-40B4-BE49-F238E27FC236}">
-                <a16:creationId xmlns:a16="http://schemas.microsoft.com/office/drawing/2014/main" id="{6A751624-4249-DEF7-5A1C-D5146B7A95F6}"/>
+                <a16:creationId xmlns:a16="http://schemas.microsoft.com/office/drawing/2014/main" id="{7752CE4A-F3D5-063F-B06E-03CECB19A0F4}"/>
               </a:ext>
             </a:extLst>
           </p:cNvPr>
@@ -30121,7 +29285,7 @@
         </p:blipFill>
         <p:spPr>
           <a:xfrm>
-            <a:off x="5575224" y="535046"/>
+            <a:off x="5885765" y="535046"/>
             <a:ext cx="3037330" cy="4056080"/>
           </a:xfrm>
           <a:prstGeom prst="rect">
@@ -30180,7 +29344,7 @@
         </p:blipFill>
         <p:spPr>
           <a:xfrm>
-            <a:off x="5575224" y="535046"/>
+            <a:off x="5885765" y="535046"/>
             <a:ext cx="3037330" cy="4056080"/>
           </a:xfrm>
           <a:prstGeom prst="rect">
@@ -30283,7 +29447,7 @@
         <p:spPr>
           <a:xfrm>
             <a:off x="1516422" y="2202024"/>
-            <a:ext cx="3907965" cy="1750348"/>
+            <a:ext cx="4254648" cy="1750348"/>
           </a:xfrm>
           <a:prstGeom prst="rect">
             <a:avLst/>
@@ -30312,8 +29476,16 @@
               <a:buChar char="•"/>
             </a:pPr>
             <a:r>
-              <a:rPr lang="it-IT" dirty="0"/>
-              <a:t>G: connection with GND</a:t>
+              <a:rPr lang="it-IT" sz="1500" dirty="0"/>
+              <a:t>G: </a:t>
+            </a:r>
+            <a:r>
+              <a:rPr lang="it-IT" sz="1500" dirty="0" err="1"/>
+              <a:t>connnessione</a:t>
+            </a:r>
+            <a:r>
+              <a:rPr lang="it-IT" sz="1500" dirty="0"/>
+              <a:t> con GND</a:t>
             </a:r>
           </a:p>
           <a:p>
@@ -30334,24 +29506,8 @@
               <a:buChar char="•"/>
             </a:pPr>
             <a:r>
-              <a:rPr lang="it-IT" dirty="0"/>
-              <a:t>Red line </a:t>
-            </a:r>
-            <a:r>
-              <a:rPr lang="it-IT" dirty="0" err="1"/>
-              <a:t>is</a:t>
-            </a:r>
-            <a:r>
-              <a:rPr lang="it-IT" dirty="0"/>
-              <a:t> </a:t>
-            </a:r>
-            <a:r>
-              <a:rPr lang="it-IT" dirty="0" err="1"/>
-              <a:t>connected</a:t>
-            </a:r>
-            <a:r>
-              <a:rPr lang="it-IT" dirty="0"/>
-              <a:t> to 3V</a:t>
+              <a:rPr lang="it-IT" sz="1500" dirty="0"/>
+              <a:t>La line rossa è collegata alla 3V</a:t>
             </a:r>
           </a:p>
           <a:p>
@@ -30366,8 +29522,8 @@
               <a:buChar char="•"/>
             </a:pPr>
             <a:r>
-              <a:rPr lang="it-IT" dirty="0"/>
-              <a:t>GPIO 26: TX on the board</a:t>
+              <a:rPr lang="it-IT" sz="1500" dirty="0"/>
+              <a:t>GPIO 26: TX della scheda</a:t>
             </a:r>
           </a:p>
           <a:p>
@@ -30388,8 +29544,8 @@
               <a:buChar char="•"/>
             </a:pPr>
             <a:r>
-              <a:rPr lang="it-IT" dirty="0"/>
-              <a:t>GPIO 27: RX on the board</a:t>
+              <a:rPr lang="it-IT" sz="1500" dirty="0"/>
+              <a:t>GPIO 27: RX della scheda</a:t>
             </a:r>
           </a:p>
         </p:txBody>
@@ -30831,7 +29987,7 @@
             </a:pPr>
             <a:r>
               <a:rPr lang="en" dirty="0"/>
-              <a:t>/* Libraries used, SSL communication,   </a:t>
+              <a:t>/* Librerie usate, comunicazione SSL,   </a:t>
             </a:r>
           </a:p>
           <a:p>
@@ -31159,13 +30315,8 @@
                   <a:schemeClr val="accent3"/>
                 </a:solidFill>
               </a:rPr>
-              <a:t>Arduino libray used to write text or</a:t>
-            </a:r>
-            <a:endParaRPr dirty="0">
-              <a:solidFill>
-                <a:schemeClr val="accent3"/>
-              </a:solidFill>
-            </a:endParaRPr>
+              <a:t>Libreria Arduino usata per scrivere </a:t>
+            </a:r>
           </a:p>
           <a:p>
             <a:pPr marL="341342" lvl="0" indent="-265184" algn="l" rtl="0">
@@ -31179,20 +30330,32 @@
               <a:buChar char="∗"/>
             </a:pPr>
             <a:r>
-              <a:rPr lang="it-IT" dirty="0">
+              <a:rPr lang="en" dirty="0">
                 <a:solidFill>
                   <a:schemeClr val="accent3"/>
                 </a:solidFill>
               </a:rPr>
-              <a:t>images on d</a:t>
-            </a:r>
+              <a:t>testo o visualizzare immagini sul </a:t>
+            </a:r>
+          </a:p>
+          <a:p>
+            <a:pPr marL="341342" lvl="0" indent="-265184" algn="l" rtl="0">
+              <a:spcBef>
+                <a:spcPts val="0"/>
+              </a:spcBef>
+              <a:spcAft>
+                <a:spcPts val="0"/>
+              </a:spcAft>
+              <a:buSzPts val="1200"/>
+              <a:buChar char="∗"/>
+            </a:pPr>
             <a:r>
               <a:rPr lang="en" dirty="0">
                 <a:solidFill>
                   <a:schemeClr val="accent3"/>
                 </a:solidFill>
               </a:rPr>
-              <a:t>isplay OLED.</a:t>
+              <a:t>display OLED.</a:t>
             </a:r>
             <a:endParaRPr dirty="0">
               <a:solidFill>
@@ -31357,32 +30520,34 @@
           <a:p>
             <a:pPr marL="341342" indent="-265184"/>
             <a:r>
+              <a:rPr lang="en" dirty="0">
+                <a:solidFill>
+                  <a:schemeClr val="accent3"/>
+                </a:solidFill>
+              </a:rPr>
+              <a:t>Libreria Arduino per leggere e scrivere </a:t>
+            </a:r>
+          </a:p>
+          <a:p>
+            <a:pPr marL="341342" indent="-265184"/>
+            <a:r>
+              <a:rPr lang="en" dirty="0">
+                <a:solidFill>
+                  <a:schemeClr val="accent3"/>
+                </a:solidFill>
+              </a:rPr>
+              <a:t>in memoria. Il file system usato è </a:t>
+            </a:r>
+          </a:p>
+          <a:p>
+            <a:pPr marL="341342" indent="-265184"/>
+            <a:r>
               <a:rPr lang="en-US" dirty="0">
                 <a:solidFill>
                   <a:schemeClr val="accent3"/>
                 </a:solidFill>
               </a:rPr>
-              <a:t>Arduino library to read and write on </a:t>
-            </a:r>
-          </a:p>
-          <a:p>
-            <a:pPr marL="341342" lvl="0" indent="-265184" algn="l" rtl="0">
-              <a:spcBef>
-                <a:spcPts val="0"/>
-              </a:spcBef>
-              <a:spcAft>
-                <a:spcPts val="0"/>
-              </a:spcAft>
-              <a:buSzPts val="1200"/>
-              <a:buChar char="∗"/>
-            </a:pPr>
-            <a:r>
-              <a:rPr lang="en-US" dirty="0">
-                <a:solidFill>
-                  <a:schemeClr val="accent3"/>
-                </a:solidFill>
-              </a:rPr>
-              <a:t>memory. The file system used is SPIFFS.</a:t>
+              <a:t>SPIFFS.</a:t>
             </a:r>
           </a:p>
         </p:txBody>
@@ -31485,7 +30650,7 @@
                   <a:srgbClr val="00B050"/>
                 </a:solidFill>
               </a:rPr>
-              <a:t>/* details of Arduino’s libraries */</a:t>
+              <a:t>/* dettagli librerie Arduino */</a:t>
             </a:r>
           </a:p>
         </p:txBody>
@@ -31949,12 +31114,111 @@
           <a:p>
             <a:pPr marL="341342" indent="-265184"/>
             <a:r>
+              <a:rPr lang="en" dirty="0">
+                <a:solidFill>
+                  <a:schemeClr val="accent3"/>
+                </a:solidFill>
+              </a:rPr>
+              <a:t>Libreria Arduino usata per gestire </a:t>
+            </a:r>
+            <a:r>
+              <a:rPr lang="it-IT" dirty="0">
+                <a:solidFill>
+                  <a:schemeClr val="accent3"/>
+                </a:solidFill>
+              </a:rPr>
+              <a:t>i</a:t>
+            </a:r>
+            <a:r>
+              <a:rPr lang="en" dirty="0">
+                <a:solidFill>
+                  <a:schemeClr val="accent3"/>
+                </a:solidFill>
+              </a:rPr>
+              <a:t> </a:t>
+            </a:r>
+          </a:p>
+          <a:p>
+            <a:pPr marL="341342" indent="-265184"/>
+            <a:r>
+              <a:rPr lang="en" dirty="0">
+                <a:solidFill>
+                  <a:schemeClr val="accent3"/>
+                </a:solidFill>
+              </a:rPr>
+              <a:t>file </a:t>
+            </a:r>
+            <a:r>
               <a:rPr lang="en-US" dirty="0">
                 <a:solidFill>
                   <a:schemeClr val="accent3"/>
                 </a:solidFill>
               </a:rPr>
-              <a:t>Arduino library used to manage JSON </a:t>
+              <a:t>JSON, </a:t>
+            </a:r>
+            <a:r>
+              <a:rPr lang="en-US" dirty="0" err="1">
+                <a:solidFill>
+                  <a:schemeClr val="accent3"/>
+                </a:solidFill>
+              </a:rPr>
+              <a:t>nei</a:t>
+            </a:r>
+            <a:r>
+              <a:rPr lang="en-US" dirty="0">
+                <a:solidFill>
+                  <a:schemeClr val="accent3"/>
+                </a:solidFill>
+              </a:rPr>
+              <a:t> </a:t>
+            </a:r>
+            <a:r>
+              <a:rPr lang="en-US" dirty="0" err="1">
+                <a:solidFill>
+                  <a:schemeClr val="accent3"/>
+                </a:solidFill>
+              </a:rPr>
+              <a:t>quali</a:t>
+            </a:r>
+            <a:r>
+              <a:rPr lang="en-US" dirty="0">
+                <a:solidFill>
+                  <a:schemeClr val="accent3"/>
+                </a:solidFill>
+              </a:rPr>
+              <a:t> </a:t>
+            </a:r>
+            <a:r>
+              <a:rPr lang="en-US" dirty="0" err="1">
+                <a:solidFill>
+                  <a:schemeClr val="accent3"/>
+                </a:solidFill>
+              </a:rPr>
+              <a:t>sono</a:t>
+            </a:r>
+            <a:r>
+              <a:rPr lang="en-US" dirty="0">
+                <a:solidFill>
+                  <a:schemeClr val="accent3"/>
+                </a:solidFill>
+              </a:rPr>
+              <a:t> </a:t>
+            </a:r>
+            <a:r>
+              <a:rPr lang="en-US" dirty="0" err="1">
+                <a:solidFill>
+                  <a:schemeClr val="accent3"/>
+                </a:solidFill>
+              </a:rPr>
+              <a:t>memorizzate</a:t>
+            </a:r>
+            <a:r>
+              <a:rPr lang="en-US" dirty="0">
+                <a:solidFill>
+                  <a:schemeClr val="accent3"/>
+                </a:solidFill>
+              </a:rPr>
+              <a:t> </a:t>
             </a:r>
           </a:p>
           <a:p>
@@ -31965,7 +31229,7 @@
                   <a:schemeClr val="accent3"/>
                 </a:solidFill>
               </a:rPr>
-              <a:t>file in which stored user and </a:t>
+              <a:t>le </a:t>
             </a:r>
             <a:r>
               <a:rPr lang="en-US" dirty="0" err="1">
@@ -31973,7 +31237,7 @@
                   <a:schemeClr val="accent3"/>
                 </a:solidFill>
               </a:rPr>
-              <a:t>HotSpot</a:t>
+              <a:t>credenziali</a:t>
             </a:r>
             <a:r>
               <a:rPr lang="en-US" dirty="0">
@@ -31983,17 +31247,35 @@
               </a:rPr>
               <a:t> </a:t>
             </a:r>
-          </a:p>
-          <a:p>
-            <a:pPr marL="341342" indent="-265184"/>
+            <a:r>
+              <a:rPr lang="en-US" dirty="0" err="1">
+                <a:solidFill>
+                  <a:schemeClr val="accent3"/>
+                </a:solidFill>
+              </a:rPr>
+              <a:t>utente</a:t>
+            </a:r>
             <a:r>
               <a:rPr lang="en-US" dirty="0">
                 <a:solidFill>
                   <a:schemeClr val="accent3"/>
                 </a:solidFill>
               </a:rPr>
-              <a:t>credentials</a:t>
-            </a:r>
+              <a:t> e </a:t>
+            </a:r>
+            <a:r>
+              <a:rPr lang="en-US" dirty="0" err="1">
+                <a:solidFill>
+                  <a:schemeClr val="accent3"/>
+                </a:solidFill>
+              </a:rPr>
+              <a:t>dell’Hotspot</a:t>
+            </a:r>
+            <a:endParaRPr lang="en-US" dirty="0">
+              <a:solidFill>
+                <a:schemeClr val="accent3"/>
+              </a:solidFill>
+            </a:endParaRPr>
           </a:p>
         </p:txBody>
       </p:sp>
@@ -32622,7 +31904,7 @@
         </p:nvSpPr>
         <p:spPr>
           <a:xfrm>
-            <a:off x="4205008" y="707628"/>
+            <a:off x="4092870" y="699002"/>
             <a:ext cx="4694400" cy="638534"/>
           </a:xfrm>
           <a:prstGeom prst="rect">
@@ -32651,7 +31933,7 @@
                   <a:schemeClr val="accent3"/>
                 </a:solidFill>
               </a:rPr>
-              <a:t>Arduino libray used to create and setup </a:t>
+              <a:t>Libreria Arduino usata per creare e </a:t>
             </a:r>
           </a:p>
           <a:p>
@@ -32671,7 +31953,7 @@
                   <a:schemeClr val="accent3"/>
                 </a:solidFill>
               </a:rPr>
-              <a:t>SSL communication</a:t>
+              <a:t>fare il setup della comunicazione SSL</a:t>
             </a:r>
           </a:p>
         </p:txBody>
@@ -32688,7 +31970,7 @@
         </p:nvSpPr>
         <p:spPr>
           <a:xfrm flipH="1">
-            <a:off x="1672200" y="779247"/>
+            <a:off x="1560062" y="779247"/>
             <a:ext cx="2710614" cy="462300"/>
           </a:xfrm>
           <a:prstGeom prst="rect">
@@ -32771,55 +32053,7 @@
                   <a:schemeClr val="accent3"/>
                 </a:solidFill>
               </a:rPr>
-              <a:t>U</a:t>
-            </a:r>
-            <a:r>
-              <a:rPr lang="en" dirty="0">
-                <a:solidFill>
-                  <a:schemeClr val="accent3"/>
-                </a:solidFill>
-              </a:rPr>
-              <a:t>sed to </a:t>
-            </a:r>
-            <a:r>
-              <a:rPr lang="it-IT" dirty="0">
-                <a:solidFill>
-                  <a:schemeClr val="accent3"/>
-                </a:solidFill>
-              </a:rPr>
-              <a:t>simulate a </a:t>
-            </a:r>
-            <a:r>
-              <a:rPr lang="it-IT" dirty="0" err="1">
-                <a:solidFill>
-                  <a:schemeClr val="accent3"/>
-                </a:solidFill>
-              </a:rPr>
-              <a:t>virtual</a:t>
-            </a:r>
-            <a:r>
-              <a:rPr lang="it-IT" dirty="0">
-                <a:solidFill>
-                  <a:schemeClr val="accent3"/>
-                </a:solidFill>
-              </a:rPr>
-              <a:t> </a:t>
-            </a:r>
-            <a:r>
-              <a:rPr lang="it-IT" dirty="0" err="1">
-                <a:solidFill>
-                  <a:schemeClr val="accent3"/>
-                </a:solidFill>
-              </a:rPr>
-              <a:t>keyboard</a:t>
-            </a:r>
-            <a:r>
-              <a:rPr lang="it-IT" dirty="0">
-                <a:solidFill>
-                  <a:schemeClr val="accent3"/>
-                </a:solidFill>
-              </a:rPr>
-              <a:t> and </a:t>
+              <a:t>Simulare una tastiera virtuale e </a:t>
             </a:r>
           </a:p>
           <a:p>
@@ -32839,39 +32073,7 @@
                   <a:schemeClr val="accent3"/>
                 </a:solidFill>
               </a:rPr>
-              <a:t>to </a:t>
-            </a:r>
-            <a:r>
-              <a:rPr lang="it-IT" dirty="0" err="1">
-                <a:solidFill>
-                  <a:schemeClr val="accent3"/>
-                </a:solidFill>
-              </a:rPr>
-              <a:t>send</a:t>
-            </a:r>
-            <a:r>
-              <a:rPr lang="it-IT" dirty="0">
-                <a:solidFill>
-                  <a:schemeClr val="accent3"/>
-                </a:solidFill>
-              </a:rPr>
-              <a:t> </a:t>
-            </a:r>
-            <a:r>
-              <a:rPr lang="it-IT" dirty="0" err="1">
-                <a:solidFill>
-                  <a:schemeClr val="accent3"/>
-                </a:solidFill>
-              </a:rPr>
-              <a:t>messages</a:t>
-            </a:r>
-            <a:r>
-              <a:rPr lang="it-IT" dirty="0">
-                <a:solidFill>
-                  <a:schemeClr val="accent3"/>
-                </a:solidFill>
-              </a:rPr>
-              <a:t> with Bluetooth</a:t>
+              <a:t>inviare i messaggi tramite Bluetooth</a:t>
             </a:r>
             <a:endParaRPr dirty="0">
               <a:solidFill>
@@ -32979,7 +32181,7 @@
                   <a:srgbClr val="00B050"/>
                 </a:solidFill>
               </a:rPr>
-              <a:t>/* details of external libraries */</a:t>
+              <a:t>/* dettagli delle librerie esterne */</a:t>
             </a:r>
           </a:p>
         </p:txBody>
@@ -33558,24 +32760,66 @@
           <a:p>
             <a:pPr marL="341342" indent="-265184"/>
             <a:r>
+              <a:rPr lang="en-US" dirty="0" err="1">
+                <a:solidFill>
+                  <a:schemeClr val="accent3"/>
+                </a:solidFill>
+              </a:rPr>
+              <a:t>Gestione</a:t>
+            </a:r>
+            <a:r>
               <a:rPr lang="en-US" dirty="0">
                 <a:solidFill>
                   <a:schemeClr val="accent3"/>
                 </a:solidFill>
               </a:rPr>
-              <a:t>Used to enroll and delete user’s </a:t>
-            </a:r>
-          </a:p>
-          <a:p>
-            <a:pPr marL="341342" indent="-265184"/>
+              <a:t> </a:t>
+            </a:r>
+            <a:r>
+              <a:rPr lang="en-US" dirty="0" err="1">
+                <a:solidFill>
+                  <a:schemeClr val="accent3"/>
+                </a:solidFill>
+              </a:rPr>
+              <a:t>delle</a:t>
+            </a:r>
             <a:r>
               <a:rPr lang="en-US" dirty="0">
                 <a:solidFill>
                   <a:schemeClr val="accent3"/>
                 </a:solidFill>
               </a:rPr>
-              <a:t>fingerprints</a:t>
-            </a:r>
+              <a:t> </a:t>
+            </a:r>
+            <a:r>
+              <a:rPr lang="en-US" dirty="0" err="1">
+                <a:solidFill>
+                  <a:schemeClr val="accent3"/>
+                </a:solidFill>
+              </a:rPr>
+              <a:t>impronte</a:t>
+            </a:r>
+            <a:r>
+              <a:rPr lang="en-US" dirty="0">
+                <a:solidFill>
+                  <a:schemeClr val="accent3"/>
+                </a:solidFill>
+              </a:rPr>
+              <a:t> </a:t>
+            </a:r>
+            <a:r>
+              <a:rPr lang="en-US" dirty="0" err="1">
+                <a:solidFill>
+                  <a:schemeClr val="accent3"/>
+                </a:solidFill>
+              </a:rPr>
+              <a:t>digitali</a:t>
+            </a:r>
+            <a:endParaRPr lang="en-US" dirty="0">
+              <a:solidFill>
+                <a:schemeClr val="accent3"/>
+              </a:solidFill>
+            </a:endParaRPr>
           </a:p>
         </p:txBody>
       </p:sp>
@@ -33596,7 +32840,7 @@
         <p:spPr>
           <a:xfrm>
             <a:off x="4208913" y="1310091"/>
-            <a:ext cx="4694400" cy="751800"/>
+            <a:ext cx="4693547" cy="751800"/>
           </a:xfrm>
           <a:prstGeom prst="rect">
             <a:avLst/>
@@ -33860,12 +33104,68 @@
           <a:p>
             <a:pPr marL="341342" indent="-265184"/>
             <a:r>
+              <a:rPr lang="en-US" dirty="0" err="1">
+                <a:solidFill>
+                  <a:schemeClr val="accent3"/>
+                </a:solidFill>
+              </a:rPr>
+              <a:t>Cifratura</a:t>
+            </a:r>
+            <a:r>
               <a:rPr lang="en-US" dirty="0">
                 <a:solidFill>
                   <a:schemeClr val="accent3"/>
                 </a:solidFill>
               </a:rPr>
-              <a:t>Used to encrypt and decrypt credentials</a:t>
+              <a:t> e </a:t>
+            </a:r>
+            <a:r>
+              <a:rPr lang="en-US" dirty="0" err="1">
+                <a:solidFill>
+                  <a:schemeClr val="accent3"/>
+                </a:solidFill>
+              </a:rPr>
+              <a:t>decifratura</a:t>
+            </a:r>
+            <a:r>
+              <a:rPr lang="en-US" dirty="0">
+                <a:solidFill>
+                  <a:schemeClr val="accent3"/>
+                </a:solidFill>
+              </a:rPr>
+              <a:t> </a:t>
+            </a:r>
+            <a:r>
+              <a:rPr lang="en-US" dirty="0" err="1">
+                <a:solidFill>
+                  <a:schemeClr val="accent3"/>
+                </a:solidFill>
+              </a:rPr>
+              <a:t>dei</a:t>
+            </a:r>
+            <a:r>
+              <a:rPr lang="en-US" dirty="0">
+                <a:solidFill>
+                  <a:schemeClr val="accent3"/>
+                </a:solidFill>
+              </a:rPr>
+              <a:t> </a:t>
+            </a:r>
+            <a:r>
+              <a:rPr lang="en-US" dirty="0" err="1">
+                <a:solidFill>
+                  <a:schemeClr val="accent3"/>
+                </a:solidFill>
+              </a:rPr>
+              <a:t>dati</a:t>
+            </a:r>
+            <a:r>
+              <a:rPr lang="en-US" dirty="0">
+                <a:solidFill>
+                  <a:schemeClr val="accent3"/>
+                </a:solidFill>
+              </a:rPr>
+              <a:t> con lo </a:t>
             </a:r>
           </a:p>
           <a:p>
@@ -33876,7 +33176,7 @@
                   <a:schemeClr val="accent3"/>
                 </a:solidFill>
               </a:rPr>
-              <a:t>with cipher AES - 128 bit GCM mode</a:t>
+              <a:t>schema AES - 128 bit GCM mode</a:t>
             </a:r>
           </a:p>
         </p:txBody>
@@ -34292,7 +33592,7 @@
             </a:pPr>
             <a:r>
               <a:rPr lang="en" sz="1200" dirty="0"/>
-              <a:t>/* Presentation of PassChain and of Password Manager */</a:t>
+              <a:t>/* Introduzione ai Password Manager e a PassChain */</a:t>
             </a:r>
             <a:endParaRPr sz="1200" dirty="0"/>
           </a:p>
@@ -34334,7 +33634,7 @@
             </a:pPr>
             <a:r>
               <a:rPr lang="en" sz="1600" dirty="0"/>
-              <a:t>Introduction</a:t>
+              <a:t>Introduzione</a:t>
             </a:r>
             <a:endParaRPr sz="1600" dirty="0"/>
           </a:p>
@@ -34395,7 +33695,7 @@
         <p:spPr>
           <a:xfrm>
             <a:off x="3245105" y="2397545"/>
-            <a:ext cx="4513001" cy="338400"/>
+            <a:ext cx="5156636" cy="338400"/>
           </a:xfrm>
           <a:prstGeom prst="rect">
             <a:avLst/>
@@ -34418,7 +33718,7 @@
             </a:pPr>
             <a:r>
               <a:rPr lang="en" sz="1200" dirty="0"/>
-              <a:t>/* Sensors used and how did I connect them */</a:t>
+              <a:t>/* Sensori usati e descrizione del circuito finale */</a:t>
             </a:r>
             <a:endParaRPr sz="1200" dirty="0"/>
           </a:p>
@@ -34544,7 +33844,7 @@
             </a:pPr>
             <a:r>
               <a:rPr lang="en" sz="1200" dirty="0"/>
-              <a:t>/* Libraries used, SSL communication, server Python */</a:t>
+              <a:t>/* Librerie usate, comunicazione SSL, server Python */</a:t>
             </a:r>
             <a:endParaRPr sz="1200" dirty="0"/>
           </a:p>
@@ -35475,7 +34775,7 @@
             <a:pPr marL="0" indent="0"/>
             <a:r>
               <a:rPr lang="it-IT" sz="1200" dirty="0"/>
-              <a:t>/* Attacks and Security Solutions */</a:t>
+              <a:t>/* Attacchi e Soluzioni Sicure */</a:t>
             </a:r>
           </a:p>
         </p:txBody>
@@ -35766,16 +35066,13 @@
                   <a:schemeClr val="bg1"/>
                 </a:solidFill>
               </a:rPr>
-              <a:t>Vulnerabilities</a:t>
-            </a:r>
-            <a:r>
-              <a:rPr lang="it-IT" sz="1600" dirty="0">
-                <a:solidFill>
-                  <a:schemeClr val="bg1"/>
-                </a:solidFill>
-              </a:rPr>
-              <a:t>_&amp;_Security</a:t>
-            </a:r>
+              <a:t>Vulnerabilità_&amp;_Sicurezza</a:t>
+            </a:r>
+            <a:endParaRPr lang="it-IT" sz="1600" dirty="0">
+              <a:solidFill>
+                <a:schemeClr val="bg1"/>
+              </a:solidFill>
+            </a:endParaRPr>
           </a:p>
         </p:txBody>
       </p:sp>
@@ -35821,8 +35118,8 @@
         </p:nvSpPr>
         <p:spPr>
           <a:xfrm>
-            <a:off x="2419989" y="2509911"/>
-            <a:ext cx="2811069" cy="646200"/>
+            <a:off x="2419989" y="2509910"/>
+            <a:ext cx="2525276" cy="638049"/>
           </a:xfrm>
           <a:prstGeom prst="rect">
             <a:avLst/>
@@ -35845,7 +35142,7 @@
             </a:pPr>
             <a:r>
               <a:rPr lang="en" sz="1200" dirty="0"/>
-              <a:t>&lt; CA and client certificates with the key associated to the client &gt;</a:t>
+              <a:t>&lt; Certificati CA, client e chiave associata del client &gt;</a:t>
             </a:r>
             <a:endParaRPr sz="1200" dirty="0"/>
           </a:p>
@@ -35863,7 +35160,7 @@
         </p:nvSpPr>
         <p:spPr>
           <a:xfrm>
-            <a:off x="6111455" y="2505392"/>
+            <a:off x="5930586" y="2505392"/>
             <a:ext cx="2593977" cy="646200"/>
           </a:xfrm>
           <a:prstGeom prst="rect">
@@ -35887,7 +35184,7 @@
             </a:pPr>
             <a:r>
               <a:rPr lang="en" sz="1200" dirty="0"/>
-              <a:t>&lt; The cerificates are stored in Arduino code and send to server &gt;</a:t>
+              <a:t>&lt; I certificati sono salvati nel codice Arduino e inviati al server &gt;</a:t>
             </a:r>
             <a:endParaRPr sz="1200" dirty="0"/>
           </a:p>
@@ -35905,8 +35202,8 @@
         </p:nvSpPr>
         <p:spPr>
           <a:xfrm>
-            <a:off x="2372174" y="2200365"/>
-            <a:ext cx="2330700" cy="338400"/>
+            <a:off x="2372173" y="2200365"/>
+            <a:ext cx="2504603" cy="338400"/>
           </a:xfrm>
           <a:prstGeom prst="rect">
             <a:avLst/>
@@ -35933,7 +35230,7 @@
             </a:r>
             <a:r>
               <a:rPr lang="en" sz="1400" dirty="0"/>
-              <a:t>reate Certificates</a:t>
+              <a:t>reazione Certificati</a:t>
             </a:r>
             <a:endParaRPr sz="1400" dirty="0"/>
           </a:p>
@@ -35951,8 +35248,8 @@
         </p:nvSpPr>
         <p:spPr>
           <a:xfrm>
-            <a:off x="6111456" y="2200365"/>
-            <a:ext cx="2330700" cy="338400"/>
+            <a:off x="5930586" y="2200365"/>
+            <a:ext cx="2631329" cy="338400"/>
           </a:xfrm>
           <a:prstGeom prst="rect">
             <a:avLst/>
@@ -35975,7 +35272,7 @@
             </a:pPr>
             <a:r>
               <a:rPr lang="en" sz="1400" dirty="0"/>
-              <a:t>Store certificates</a:t>
+              <a:t>Salvataggio Certificati</a:t>
             </a:r>
             <a:endParaRPr sz="1400" dirty="0"/>
           </a:p>
@@ -36021,7 +35318,47 @@
             </a:r>
             <a:r>
               <a:rPr lang="en-US" sz="1200" dirty="0"/>
-              <a:t>Server creates a socket and receives data by Esp32 </a:t>
+              <a:t>Il server </a:t>
+            </a:r>
+            <a:r>
+              <a:rPr lang="en-US" sz="1200" dirty="0" err="1"/>
+              <a:t>crea</a:t>
+            </a:r>
+            <a:r>
+              <a:rPr lang="en-US" sz="1200" dirty="0"/>
+              <a:t> </a:t>
+            </a:r>
+            <a:r>
+              <a:rPr lang="en-US" sz="1200" dirty="0" err="1"/>
+              <a:t>una</a:t>
+            </a:r>
+            <a:r>
+              <a:rPr lang="en-US" sz="1200" dirty="0"/>
+              <a:t> socket e </a:t>
+            </a:r>
+            <a:r>
+              <a:rPr lang="en-US" sz="1200" dirty="0" err="1"/>
+              <a:t>riceve</a:t>
+            </a:r>
+            <a:r>
+              <a:rPr lang="en-US" sz="1200" dirty="0"/>
+              <a:t> </a:t>
+            </a:r>
+            <a:r>
+              <a:rPr lang="en-US" sz="1200" dirty="0" err="1"/>
+              <a:t>i</a:t>
+            </a:r>
+            <a:r>
+              <a:rPr lang="en-US" sz="1200" dirty="0"/>
+              <a:t> </a:t>
+            </a:r>
+            <a:r>
+              <a:rPr lang="en-US" sz="1200" dirty="0" err="1"/>
+              <a:t>dati</a:t>
+            </a:r>
+            <a:r>
+              <a:rPr lang="en-US" sz="1200" dirty="0"/>
+              <a:t> dall’ESP32 </a:t>
             </a:r>
             <a:r>
               <a:rPr lang="en" sz="1200" dirty="0"/>
@@ -36043,8 +35380,8 @@
         </p:nvSpPr>
         <p:spPr>
           <a:xfrm>
-            <a:off x="2825818" y="3607672"/>
-            <a:ext cx="2626856" cy="646200"/>
+            <a:off x="2725338" y="3607672"/>
+            <a:ext cx="2861230" cy="646200"/>
           </a:xfrm>
           <a:prstGeom prst="rect">
             <a:avLst/>
@@ -36067,7 +35404,7 @@
             </a:pPr>
             <a:r>
               <a:rPr lang="en" sz="1200" dirty="0"/>
-              <a:t>&lt; Load server certificate and verify it and client certificate &gt;</a:t>
+              <a:t>&lt; Caricamento del certificato del server e verifica di esso e del certificato client &gt;</a:t>
             </a:r>
             <a:endParaRPr sz="1200" dirty="0"/>
           </a:p>
@@ -36085,7 +35422,7 @@
         </p:nvSpPr>
         <p:spPr>
           <a:xfrm>
-            <a:off x="2805974" y="3323376"/>
+            <a:off x="2705494" y="3323376"/>
             <a:ext cx="2330700" cy="338400"/>
           </a:xfrm>
           <a:prstGeom prst="rect">
@@ -36151,7 +35488,7 @@
             </a:pPr>
             <a:r>
               <a:rPr lang="en" sz="1400" dirty="0"/>
-              <a:t>Receive datas</a:t>
+              <a:t>Recezione dati</a:t>
             </a:r>
             <a:endParaRPr dirty="0"/>
           </a:p>
@@ -36425,7 +35762,7 @@
         </p:nvGrpSpPr>
         <p:grpSpPr>
           <a:xfrm>
-            <a:off x="5386406" y="2482352"/>
+            <a:off x="5205537" y="2482352"/>
             <a:ext cx="578325" cy="487500"/>
             <a:chOff x="4764875" y="1706700"/>
             <a:chExt cx="578325" cy="487500"/>
@@ -36639,7 +35976,7 @@
         </p:nvGrpSpPr>
         <p:grpSpPr>
           <a:xfrm>
-            <a:off x="2082924" y="3588813"/>
+            <a:off x="1982444" y="3588813"/>
             <a:ext cx="578325" cy="487500"/>
             <a:chOff x="2099175" y="3289450"/>
             <a:chExt cx="578325" cy="487500"/>
@@ -37189,18 +36526,34 @@
                   <a:srgbClr val="00B050"/>
                 </a:solidFill>
               </a:rPr>
-              <a:t> * In this case, I create a secure communication between my Esp32 and  *</a:t>
+              <a:t> * Ho </a:t>
+            </a:r>
+            <a:r>
+              <a:rPr lang="it-IT" sz="1300" dirty="0">
+                <a:solidFill>
+                  <a:srgbClr val="00B050"/>
+                </a:solidFill>
+              </a:rPr>
+              <a:t>creato una comunicazione sicura tra l’Esp32 e il dispositivo     * </a:t>
             </a:r>
           </a:p>
           <a:p>
             <a:pPr marL="0" indent="0"/>
             <a:r>
+              <a:rPr lang="it-IT" sz="1300" dirty="0">
+                <a:solidFill>
+                  <a:srgbClr val="00B050"/>
+                </a:solidFill>
+              </a:rPr>
+              <a:t> * esterno che funge da server per fare il setup dei dati</a:t>
+            </a:r>
+            <a:r>
               <a:rPr lang="en-US" sz="1300" dirty="0">
                 <a:solidFill>
                   <a:srgbClr val="00B050"/>
                 </a:solidFill>
               </a:rPr>
-              <a:t> * the external device that works as server to setup board’s data.     * </a:t>
+              <a:t>.             * </a:t>
             </a:r>
           </a:p>
           <a:p>
@@ -37280,7 +36633,7 @@
         </p:blipFill>
         <p:spPr>
           <a:xfrm>
-            <a:off x="2189151" y="3647869"/>
+            <a:off x="2088671" y="3647869"/>
             <a:ext cx="373786" cy="373786"/>
           </a:xfrm>
           <a:prstGeom prst="rect">
@@ -37316,7 +36669,7 @@
         </p:blipFill>
         <p:spPr>
           <a:xfrm>
-            <a:off x="5494335" y="2543944"/>
+            <a:off x="5313466" y="2543944"/>
             <a:ext cx="361275" cy="361275"/>
           </a:xfrm>
           <a:prstGeom prst="rect">
@@ -37402,8 +36755,8 @@
         </p:nvSpPr>
         <p:spPr>
           <a:xfrm>
-            <a:off x="2419990" y="2509911"/>
-            <a:ext cx="2593978" cy="646200"/>
+            <a:off x="2419990" y="2557617"/>
+            <a:ext cx="2593978" cy="530499"/>
           </a:xfrm>
           <a:prstGeom prst="rect">
             <a:avLst/>
@@ -37425,10 +36778,10 @@
               <a:buNone/>
             </a:pPr>
             <a:r>
-              <a:rPr lang="en" sz="1200" dirty="0"/>
-              <a:t>&lt; welcome string, number of fingerprints, user and hotspot JSON credentials &gt;</a:t>
-            </a:r>
-            <a:endParaRPr sz="1200" dirty="0"/>
+              <a:rPr lang="en" sz="1100" dirty="0"/>
+              <a:t>&lt; Stringa di benvenuto, numero di fingerprint, JSON con le credenziali &gt;</a:t>
+            </a:r>
+            <a:endParaRPr sz="1100" dirty="0"/>
           </a:p>
         </p:txBody>
       </p:sp>
@@ -37444,8 +36797,8 @@
         </p:nvSpPr>
         <p:spPr>
           <a:xfrm>
-            <a:off x="5954443" y="2505392"/>
-            <a:ext cx="2839914" cy="646200"/>
+            <a:off x="5954443" y="2553098"/>
+            <a:ext cx="2839914" cy="530499"/>
           </a:xfrm>
           <a:prstGeom prst="rect">
             <a:avLst/>
@@ -37467,10 +36820,10 @@
               <a:buNone/>
             </a:pPr>
             <a:r>
-              <a:rPr lang="en" sz="1200" dirty="0"/>
-              <a:t>&lt; To setup Esp32, we can run CRUD operations on data: hotspot and credentials &gt;</a:t>
-            </a:r>
-            <a:endParaRPr sz="1200" dirty="0"/>
+              <a:rPr lang="en" sz="1100" dirty="0"/>
+              <a:t>&lt; Per il setup Esp32, possiamo eseguire operazioni CRUD sui dati &gt;</a:t>
+            </a:r>
+            <a:endParaRPr sz="1100" dirty="0"/>
           </a:p>
         </p:txBody>
       </p:sp>
@@ -37486,7 +36839,7 @@
         </p:nvSpPr>
         <p:spPr>
           <a:xfrm>
-            <a:off x="2372174" y="2200365"/>
+            <a:off x="2372174" y="2248071"/>
             <a:ext cx="2330700" cy="338400"/>
           </a:xfrm>
           <a:prstGeom prst="rect">
@@ -37528,7 +36881,7 @@
         </p:nvSpPr>
         <p:spPr>
           <a:xfrm>
-            <a:off x="5954444" y="2200365"/>
+            <a:off x="5954444" y="2248071"/>
             <a:ext cx="2330700" cy="338400"/>
           </a:xfrm>
           <a:prstGeom prst="rect">
@@ -37552,7 +36905,7 @@
             </a:pPr>
             <a:r>
               <a:rPr lang="en" sz="1400" dirty="0"/>
-              <a:t>CRUD operations</a:t>
+              <a:t>Operazioni CRUD</a:t>
             </a:r>
             <a:endParaRPr sz="1400" dirty="0"/>
           </a:p>
@@ -37571,7 +36924,7 @@
         <p:spPr>
           <a:xfrm>
             <a:off x="6463657" y="3617847"/>
-            <a:ext cx="2423104" cy="646200"/>
+            <a:ext cx="2423104" cy="571590"/>
           </a:xfrm>
           <a:prstGeom prst="rect">
             <a:avLst/>
@@ -37593,18 +36946,50 @@
               <a:buNone/>
             </a:pPr>
             <a:r>
-              <a:rPr lang="en" sz="1200" dirty="0"/>
-              <a:t>&lt; </a:t>
-            </a:r>
-            <a:r>
-              <a:rPr lang="en-US" sz="1200" dirty="0"/>
-              <a:t>Server can modify the SSID and password hotspot </a:t>
-            </a:r>
-            <a:r>
-              <a:rPr lang="en" sz="1200" dirty="0"/>
+              <a:rPr lang="en" sz="1100" dirty="0"/>
+              <a:t>&lt; Il </a:t>
+            </a:r>
+            <a:r>
+              <a:rPr lang="en-US" sz="1100" dirty="0"/>
+              <a:t>Server </a:t>
+            </a:r>
+            <a:r>
+              <a:rPr lang="en-US" sz="1100" dirty="0" err="1"/>
+              <a:t>può</a:t>
+            </a:r>
+            <a:r>
+              <a:rPr lang="en-US" sz="1100" dirty="0"/>
+              <a:t> </a:t>
+            </a:r>
+            <a:r>
+              <a:rPr lang="en-US" sz="1100" dirty="0" err="1"/>
+              <a:t>modificare</a:t>
+            </a:r>
+            <a:r>
+              <a:rPr lang="en-US" sz="1100" dirty="0"/>
+              <a:t> </a:t>
+            </a:r>
+            <a:r>
+              <a:rPr lang="en-US" sz="1100" dirty="0" err="1"/>
+              <a:t>l’SSID</a:t>
+            </a:r>
+            <a:r>
+              <a:rPr lang="en-US" sz="1100" dirty="0"/>
+              <a:t> e la password </a:t>
+            </a:r>
+            <a:r>
+              <a:rPr lang="en-US" sz="1100" dirty="0" err="1"/>
+              <a:t>dell’hotspot</a:t>
+            </a:r>
+            <a:r>
+              <a:rPr lang="en-US" sz="1100" dirty="0"/>
+              <a:t> </a:t>
+            </a:r>
+            <a:r>
+              <a:rPr lang="en" sz="1100" dirty="0"/>
               <a:t>&gt;</a:t>
             </a:r>
-            <a:endParaRPr sz="1200" dirty="0"/>
+            <a:endParaRPr sz="1100" dirty="0"/>
           </a:p>
         </p:txBody>
       </p:sp>
@@ -37620,8 +37005,8 @@
         </p:nvSpPr>
         <p:spPr>
           <a:xfrm>
-            <a:off x="2656131" y="3720796"/>
-            <a:ext cx="2824091" cy="646200"/>
+            <a:off x="2656131" y="3672512"/>
+            <a:ext cx="3082489" cy="646200"/>
           </a:xfrm>
           <a:prstGeom prst="rect">
             <a:avLst/>
@@ -37643,10 +37028,62 @@
               <a:buNone/>
             </a:pPr>
             <a:r>
-              <a:rPr lang="en" sz="1200" dirty="0"/>
-              <a:t>&lt; Server verify if exist at least two FP: one to confirm operation and one to come back to settings in Esp32 &gt;</a:t>
-            </a:r>
-            <a:endParaRPr sz="1200" dirty="0"/>
+              <a:rPr lang="en" sz="1100" dirty="0"/>
+              <a:t>&lt; Il Server verifica se ci </a:t>
+            </a:r>
+          </a:p>
+          <a:p>
+            <a:pPr marL="0" lvl="0" indent="0" algn="l" rtl="0">
+              <a:spcBef>
+                <a:spcPts val="0"/>
+              </a:spcBef>
+              <a:spcAft>
+                <a:spcPts val="0"/>
+              </a:spcAft>
+              <a:buNone/>
+            </a:pPr>
+            <a:r>
+              <a:rPr lang="en" sz="1100" dirty="0"/>
+              <a:t>sono almeno 2 FP: </a:t>
+            </a:r>
+          </a:p>
+          <a:p>
+            <a:pPr marL="0" lvl="0" indent="0" algn="l" rtl="0">
+              <a:spcBef>
+                <a:spcPts val="0"/>
+              </a:spcBef>
+              <a:spcAft>
+                <a:spcPts val="0"/>
+              </a:spcAft>
+              <a:buNone/>
+            </a:pPr>
+            <a:r>
+              <a:rPr lang="en" sz="1100" dirty="0"/>
+              <a:t>- </a:t>
+            </a:r>
+            <a:r>
+              <a:rPr lang="it-IT" sz="1100" dirty="0"/>
+              <a:t>c</a:t>
+            </a:r>
+            <a:r>
+              <a:rPr lang="en" sz="1100" dirty="0"/>
+              <a:t>onferma delle operazioni </a:t>
+            </a:r>
+          </a:p>
+          <a:p>
+            <a:pPr marL="0" lvl="0" indent="0" algn="l" rtl="0">
+              <a:spcBef>
+                <a:spcPts val="0"/>
+              </a:spcBef>
+              <a:spcAft>
+                <a:spcPts val="0"/>
+              </a:spcAft>
+            </a:pPr>
+            <a:r>
+              <a:rPr lang="en" sz="1100" dirty="0"/>
+              <a:t>- tasto per tornare indietro &gt;</a:t>
+            </a:r>
+            <a:endParaRPr sz="1100" dirty="0"/>
           </a:p>
         </p:txBody>
       </p:sp>
@@ -37895,7 +37332,7 @@
         </p:nvGrpSpPr>
         <p:grpSpPr>
           <a:xfrm>
-            <a:off x="1649112" y="2482352"/>
+            <a:off x="1649112" y="2530058"/>
             <a:ext cx="578325" cy="487500"/>
             <a:chOff x="1665363" y="1706700"/>
             <a:chExt cx="578325" cy="487500"/>
@@ -38002,7 +37439,7 @@
         </p:nvGrpSpPr>
         <p:grpSpPr>
           <a:xfrm>
-            <a:off x="5229394" y="2482352"/>
+            <a:off x="5229394" y="2530058"/>
             <a:ext cx="578325" cy="487500"/>
             <a:chOff x="4764875" y="1706700"/>
             <a:chExt cx="578325" cy="487500"/>
@@ -38766,18 +38203,61 @@
                   <a:srgbClr val="00B050"/>
                 </a:solidFill>
               </a:rPr>
-              <a:t> * It allows to setup Esp32 data. The operations concern: Add, Update, *</a:t>
+              <a:t> * </a:t>
+            </a:r>
+            <a:r>
+              <a:rPr lang="it-IT" sz="1300" dirty="0">
+                <a:solidFill>
+                  <a:srgbClr val="00B050"/>
+                </a:solidFill>
+              </a:rPr>
+              <a:t>Permette di effettuare il setup della scheda. Le operazioni         *</a:t>
             </a:r>
           </a:p>
           <a:p>
             <a:pPr marL="0" indent="0"/>
             <a:r>
+              <a:rPr lang="it-IT" sz="1300" dirty="0">
+                <a:solidFill>
+                  <a:srgbClr val="00B050"/>
+                </a:solidFill>
+              </a:rPr>
+              <a:t> * riguardano: aggiunta, modifica ed eliminazione delle credenziali,   *</a:t>
+            </a:r>
+          </a:p>
+          <a:p>
+            <a:pPr marL="0" indent="0"/>
+            <a:r>
+              <a:rPr lang="it-IT" sz="1300" dirty="0">
+                <a:solidFill>
+                  <a:srgbClr val="00B050"/>
+                </a:solidFill>
+              </a:rPr>
+              <a:t> * setup del </a:t>
+            </a:r>
+            <a:r>
+              <a:rPr lang="it-IT" sz="1300" dirty="0" err="1">
+                <a:solidFill>
+                  <a:srgbClr val="00B050"/>
+                </a:solidFill>
+              </a:rPr>
+              <a:t>fingerprint</a:t>
+            </a:r>
+            <a:r>
+              <a:rPr lang="it-IT" sz="1300" dirty="0">
+                <a:solidFill>
+                  <a:srgbClr val="00B050"/>
+                </a:solidFill>
+              </a:rPr>
+              <a:t>, setup credenziali dell'hotspot</a:t>
+            </a:r>
+            <a:r>
               <a:rPr lang="en-US" sz="1300" dirty="0">
                 <a:solidFill>
                   <a:srgbClr val="00B050"/>
                 </a:solidFill>
               </a:rPr>
-              <a:t> * Delete, Setup Fingerprints, Setup Hotspot credentials	      *</a:t>
+              <a:t>	      *</a:t>
             </a:r>
           </a:p>
           <a:p>
@@ -38893,7 +38373,7 @@
         </p:blipFill>
         <p:spPr>
           <a:xfrm>
-            <a:off x="5337323" y="2543944"/>
+            <a:off x="5337323" y="2591650"/>
             <a:ext cx="361275" cy="361275"/>
           </a:xfrm>
           <a:prstGeom prst="rect">
@@ -38929,7 +38409,7 @@
         </p:blipFill>
         <p:spPr>
           <a:xfrm>
-            <a:off x="1733229" y="2537287"/>
+            <a:off x="1733229" y="2584993"/>
             <a:ext cx="408955" cy="408955"/>
           </a:xfrm>
           <a:prstGeom prst="rect">
@@ -39069,7 +38549,7 @@
                   <a:schemeClr val="accent1"/>
                 </a:solidFill>
               </a:rPr>
-              <a:t>Vulnerabilities &amp;    </a:t>
+              <a:t>Vulnerabilità &amp;    </a:t>
             </a:r>
             <a:br>
               <a:rPr lang="en" dirty="0">
@@ -39084,7 +38564,7 @@
                   <a:schemeClr val="accent1"/>
                 </a:solidFill>
               </a:rPr>
-              <a:t> Security</a:t>
+              <a:t> Sicurezza</a:t>
             </a:r>
             <a:r>
               <a:rPr lang="en" dirty="0">
@@ -39146,7 +38626,22 @@
             </a:pPr>
             <a:r>
               <a:rPr lang="en" dirty="0"/>
-              <a:t>/* Attacks and Security Solution */</a:t>
+              <a:t>/* Attacchi e </a:t>
+            </a:r>
+          </a:p>
+          <a:p>
+            <a:pPr marL="0" lvl="0" indent="0" algn="l" rtl="0">
+              <a:spcBef>
+                <a:spcPts val="0"/>
+              </a:spcBef>
+              <a:spcAft>
+                <a:spcPts val="0"/>
+              </a:spcAft>
+              <a:buNone/>
+            </a:pPr>
+            <a:r>
+              <a:rPr lang="en" dirty="0"/>
+              <a:t>   Soluzioni Sicure */</a:t>
             </a:r>
             <a:endParaRPr dirty="0"/>
           </a:p>
@@ -39536,8 +39031,8 @@
         </p:nvSpPr>
         <p:spPr>
           <a:xfrm>
-            <a:off x="1584019" y="1357444"/>
-            <a:ext cx="7553075" cy="1641407"/>
+            <a:off x="1584020" y="1210303"/>
+            <a:ext cx="7297222" cy="1988882"/>
           </a:xfrm>
           <a:prstGeom prst="rect">
             <a:avLst/>
@@ -39564,7 +39059,7 @@
                   <a:srgbClr val="00B050"/>
                 </a:solidFill>
               </a:rPr>
-              <a:t>/*******************************************************************</a:t>
+              <a:t>/*********************************************************************</a:t>
             </a:r>
           </a:p>
           <a:p>
@@ -39586,7 +39081,7 @@
               <a:t> * </a:t>
             </a:r>
             <a:r>
-              <a:rPr lang="en-US" sz="1300" dirty="0" err="1">
+              <a:rPr lang="it-IT" sz="1300" dirty="0" err="1">
                 <a:solidFill>
                   <a:srgbClr val="00B050"/>
                 </a:solidFill>
@@ -39594,12 +39089,112 @@
               <a:t>PassChain</a:t>
             </a:r>
             <a:r>
+              <a:rPr lang="it-IT" sz="1300" dirty="0">
+                <a:solidFill>
+                  <a:srgbClr val="00B050"/>
+                </a:solidFill>
+              </a:rPr>
+              <a:t> è vulnerabile all'attacco MITM su Bluetooth perché      *</a:t>
+            </a:r>
+          </a:p>
+          <a:p>
+            <a:pPr marL="0" lvl="0" indent="0" algn="l" rtl="0">
+              <a:spcBef>
+                <a:spcPts val="0"/>
+              </a:spcBef>
+              <a:spcAft>
+                <a:spcPts val="0"/>
+              </a:spcAft>
+              <a:buNone/>
+            </a:pPr>
+            <a:r>
+              <a:rPr lang="it-IT" sz="1300" dirty="0">
+                <a:solidFill>
+                  <a:srgbClr val="00B050"/>
+                </a:solidFill>
+              </a:rPr>
+              <a:t> * manca l'autenticazione tra i due dispositivi. Una soluzione è     *</a:t>
+            </a:r>
+          </a:p>
+          <a:p>
+            <a:pPr marL="0" lvl="0" indent="0" algn="l" rtl="0">
+              <a:spcBef>
+                <a:spcPts val="0"/>
+              </a:spcBef>
+              <a:spcAft>
+                <a:spcPts val="0"/>
+              </a:spcAft>
+              <a:buNone/>
+            </a:pPr>
+            <a:r>
+              <a:rPr lang="it-IT" sz="1300" dirty="0">
+                <a:solidFill>
+                  <a:srgbClr val="00B050"/>
+                </a:solidFill>
+              </a:rPr>
+              <a:t> * utilizzare BLE v4.2 BR/EDR utilizzando la crittografia basata su  *</a:t>
+            </a:r>
+          </a:p>
+          <a:p>
+            <a:pPr marL="0" lvl="0" indent="0" algn="l" rtl="0">
+              <a:spcBef>
+                <a:spcPts val="0"/>
+              </a:spcBef>
+              <a:spcAft>
+                <a:spcPts val="0"/>
+              </a:spcAft>
+              <a:buNone/>
+            </a:pPr>
+            <a:r>
+              <a:rPr lang="it-IT" sz="1300" dirty="0">
+                <a:solidFill>
+                  <a:srgbClr val="00B050"/>
+                </a:solidFill>
+              </a:rPr>
+              <a:t> * ECDH e utilizzando il modello di </a:t>
+            </a:r>
+            <a:r>
+              <a:rPr lang="it-IT" sz="1300" dirty="0" err="1">
+                <a:solidFill>
+                  <a:srgbClr val="00B050"/>
+                </a:solidFill>
+              </a:rPr>
+              <a:t>binding</a:t>
+            </a:r>
+            <a:r>
+              <a:rPr lang="it-IT" sz="1300" dirty="0">
+                <a:solidFill>
+                  <a:srgbClr val="00B050"/>
+                </a:solidFill>
+              </a:rPr>
+              <a:t> di confronto numerico    *</a:t>
+            </a:r>
+          </a:p>
+          <a:p>
+            <a:pPr marL="0" lvl="0" indent="0" algn="l" rtl="0">
+              <a:spcBef>
+                <a:spcPts val="0"/>
+              </a:spcBef>
+              <a:spcAft>
+                <a:spcPts val="0"/>
+              </a:spcAft>
+              <a:buNone/>
+            </a:pPr>
+            <a:r>
+              <a:rPr lang="it-IT" sz="1300" dirty="0">
+                <a:solidFill>
+                  <a:srgbClr val="00B050"/>
+                </a:solidFill>
+              </a:rPr>
+              <a:t> * per l'autenticazione</a:t>
+            </a:r>
+            <a:r>
               <a:rPr lang="en-US" sz="1300" dirty="0">
                 <a:solidFill>
                   <a:srgbClr val="00B050"/>
                 </a:solidFill>
               </a:rPr>
-              <a:t> is vulnerable to MITM attack about Bluetooth because  *</a:t>
+              <a:t>	  				    *</a:t>
             </a:r>
           </a:p>
           <a:p>
@@ -39613,69 +39208,12 @@
               <a:buNone/>
             </a:pPr>
             <a:r>
-              <a:rPr lang="en-US" sz="1300" dirty="0">
+              <a:rPr lang="en" sz="1300" dirty="0">
                 <a:solidFill>
                   <a:srgbClr val="00B050"/>
                 </a:solidFill>
               </a:rPr>
-              <a:t> * it misses authentication between two devices. One solution is   *</a:t>
-            </a:r>
-          </a:p>
-          <a:p>
-            <a:pPr marL="0" lvl="0" indent="0" algn="l" rtl="0">
-              <a:spcBef>
-                <a:spcPts val="0"/>
-              </a:spcBef>
-              <a:spcAft>
-                <a:spcPts val="0"/>
-              </a:spcAft>
-              <a:buNone/>
-            </a:pPr>
-            <a:r>
-              <a:rPr lang="en-US" sz="1300" dirty="0">
-                <a:solidFill>
-                  <a:srgbClr val="00B050"/>
-                </a:solidFill>
-              </a:rPr>
-              <a:t> * to use BLE v4.2 BR/EDR using ECDH based encryption and using    *</a:t>
-            </a:r>
-          </a:p>
-          <a:p>
-            <a:pPr marL="0" lvl="0" indent="0" algn="l" rtl="0">
-              <a:spcBef>
-                <a:spcPts val="0"/>
-              </a:spcBef>
-              <a:spcAft>
-                <a:spcPts val="0"/>
-              </a:spcAft>
-              <a:buNone/>
-            </a:pPr>
-            <a:r>
-              <a:rPr lang="en-US" sz="1300" dirty="0">
-                <a:solidFill>
-                  <a:srgbClr val="00B050"/>
-                </a:solidFill>
-              </a:rPr>
-              <a:t> * the numeric compare binding model for authentication.	  *</a:t>
-            </a:r>
-          </a:p>
-          <a:p>
-            <a:pPr marL="0" lvl="0" indent="0" algn="l" rtl="0">
-              <a:spcBef>
-                <a:spcPts val="0"/>
-              </a:spcBef>
-              <a:spcAft>
-                <a:spcPts val="0"/>
-              </a:spcAft>
-              <a:buNone/>
-            </a:pPr>
-            <a:r>
-              <a:rPr lang="en" sz="1300" dirty="0">
-                <a:solidFill>
-                  <a:srgbClr val="00B050"/>
-                </a:solidFill>
-              </a:rPr>
-              <a:t> *******************************************************************/</a:t>
+              <a:t> *********************************************************************/</a:t>
             </a:r>
             <a:endParaRPr lang="en-US" sz="1300" dirty="0">
               <a:solidFill>
@@ -39684,7 +39222,7 @@
             </a:endParaRPr>
           </a:p>
           <a:p>
-            <a:pPr marL="449116" lvl="0" indent="0" algn="l" rtl="0">
+            <a:pPr marL="273050" lvl="0" indent="0" algn="l" rtl="0">
               <a:spcBef>
                 <a:spcPts val="1000"/>
               </a:spcBef>
@@ -39707,7 +39245,7 @@
                   <a:schemeClr val="accent3"/>
                 </a:solidFill>
               </a:rPr>
-              <a:t> This solution is not strong because v4.2 to 5.0 have a vulnerability called "</a:t>
+              <a:t> Questa </a:t>
             </a:r>
             <a:r>
               <a:rPr lang="en-US" sz="1200" dirty="0" err="1">
@@ -39715,6 +39253,134 @@
                   <a:schemeClr val="accent3"/>
                 </a:solidFill>
               </a:rPr>
+              <a:t>soluzione</a:t>
+            </a:r>
+            <a:r>
+              <a:rPr lang="en-US" sz="1200" dirty="0">
+                <a:solidFill>
+                  <a:schemeClr val="accent3"/>
+                </a:solidFill>
+              </a:rPr>
+              <a:t> non è forte </a:t>
+            </a:r>
+            <a:r>
+              <a:rPr lang="en-US" sz="1200" dirty="0" err="1">
+                <a:solidFill>
+                  <a:schemeClr val="accent3"/>
+                </a:solidFill>
+              </a:rPr>
+              <a:t>perchè</a:t>
+            </a:r>
+            <a:r>
+              <a:rPr lang="en-US" sz="1200" dirty="0">
+                <a:solidFill>
+                  <a:schemeClr val="accent3"/>
+                </a:solidFill>
+              </a:rPr>
+              <a:t> la v4.2 </a:t>
+            </a:r>
+            <a:r>
+              <a:rPr lang="en-US" sz="1200" dirty="0" err="1">
+                <a:solidFill>
+                  <a:schemeClr val="accent3"/>
+                </a:solidFill>
+              </a:rPr>
+              <a:t>fino</a:t>
+            </a:r>
+            <a:r>
+              <a:rPr lang="en-US" sz="1200" dirty="0">
+                <a:solidFill>
+                  <a:schemeClr val="accent3"/>
+                </a:solidFill>
+              </a:rPr>
+              <a:t> </a:t>
+            </a:r>
+            <a:r>
+              <a:rPr lang="en-US" sz="1200" dirty="0" err="1">
+                <a:solidFill>
+                  <a:schemeClr val="accent3"/>
+                </a:solidFill>
+              </a:rPr>
+              <a:t>alla</a:t>
+            </a:r>
+            <a:r>
+              <a:rPr lang="en-US" sz="1200" dirty="0">
+                <a:solidFill>
+                  <a:schemeClr val="accent3"/>
+                </a:solidFill>
+              </a:rPr>
+              <a:t> 5.0 </a:t>
+            </a:r>
+            <a:r>
+              <a:rPr lang="en-US" sz="1200" dirty="0" err="1">
+                <a:solidFill>
+                  <a:schemeClr val="accent3"/>
+                </a:solidFill>
+              </a:rPr>
+              <a:t>soffrono</a:t>
+            </a:r>
+            <a:r>
+              <a:rPr lang="en-US" sz="1200" dirty="0">
+                <a:solidFill>
+                  <a:schemeClr val="accent3"/>
+                </a:solidFill>
+              </a:rPr>
+              <a:t> di </a:t>
+            </a:r>
+            <a:r>
+              <a:rPr lang="en-US" sz="1200" dirty="0" err="1">
+                <a:solidFill>
+                  <a:schemeClr val="accent3"/>
+                </a:solidFill>
+              </a:rPr>
+              <a:t>una</a:t>
+            </a:r>
+            <a:r>
+              <a:rPr lang="en-US" sz="1200" dirty="0">
+                <a:solidFill>
+                  <a:schemeClr val="accent3"/>
+                </a:solidFill>
+              </a:rPr>
+              <a:t> </a:t>
+            </a:r>
+            <a:r>
+              <a:rPr lang="en-US" sz="1200" dirty="0" err="1">
+                <a:solidFill>
+                  <a:schemeClr val="accent3"/>
+                </a:solidFill>
+              </a:rPr>
+              <a:t>vulnerabilità</a:t>
+            </a:r>
+            <a:r>
+              <a:rPr lang="en-US" sz="1200" dirty="0">
+                <a:solidFill>
+                  <a:schemeClr val="accent3"/>
+                </a:solidFill>
+              </a:rPr>
+              <a:t> </a:t>
+            </a:r>
+            <a:r>
+              <a:rPr lang="en-US" sz="1200" dirty="0" err="1">
+                <a:solidFill>
+                  <a:schemeClr val="accent3"/>
+                </a:solidFill>
+              </a:rPr>
+              <a:t>chiamata</a:t>
+            </a:r>
+            <a:r>
+              <a:rPr lang="en-US" sz="1200" dirty="0">
+                <a:solidFill>
+                  <a:schemeClr val="accent3"/>
+                </a:solidFill>
+              </a:rPr>
+              <a:t> "</a:t>
+            </a:r>
+            <a:r>
+              <a:rPr lang="en-US" sz="1200" dirty="0" err="1">
+                <a:solidFill>
+                  <a:schemeClr val="accent3"/>
+                </a:solidFill>
+              </a:rPr>
               <a:t>BLURtooth</a:t>
             </a:r>
             <a:r>
@@ -39723,7 +39389,39 @@
                   <a:schemeClr val="accent3"/>
                 </a:solidFill>
               </a:rPr>
-              <a:t>" which exploits CTDK &gt;</a:t>
+              <a:t>" </a:t>
+            </a:r>
+            <a:r>
+              <a:rPr lang="en-US" sz="1200" dirty="0" err="1">
+                <a:solidFill>
+                  <a:schemeClr val="accent3"/>
+                </a:solidFill>
+              </a:rPr>
+              <a:t>che</a:t>
+            </a:r>
+            <a:r>
+              <a:rPr lang="en-US" sz="1200" dirty="0">
+                <a:solidFill>
+                  <a:schemeClr val="accent3"/>
+                </a:solidFill>
+              </a:rPr>
+              <a:t> </a:t>
+            </a:r>
+            <a:r>
+              <a:rPr lang="en-US" sz="1200" dirty="0" err="1">
+                <a:solidFill>
+                  <a:schemeClr val="accent3"/>
+                </a:solidFill>
+              </a:rPr>
+              <a:t>sfrutta</a:t>
+            </a:r>
+            <a:r>
+              <a:rPr lang="en-US" sz="1200" dirty="0">
+                <a:solidFill>
+                  <a:schemeClr val="accent3"/>
+                </a:solidFill>
+              </a:rPr>
+              <a:t> il CTDK &gt;</a:t>
             </a:r>
           </a:p>
         </p:txBody>
@@ -39835,10 +39533,10 @@
         </p:nvGrpSpPr>
         <p:grpSpPr>
           <a:xfrm>
-            <a:off x="1755275" y="3112655"/>
-            <a:ext cx="4165015" cy="1211086"/>
-            <a:chOff x="1509810" y="3112655"/>
-            <a:chExt cx="8205231" cy="1211086"/>
+            <a:off x="1755275" y="3199185"/>
+            <a:ext cx="4165015" cy="1124556"/>
+            <a:chOff x="1509810" y="3199185"/>
+            <a:chExt cx="8205231" cy="1124556"/>
           </a:xfrm>
         </p:grpSpPr>
         <p:cxnSp>
@@ -39851,8 +39549,8 @@
           </p:nvCxnSpPr>
           <p:spPr>
             <a:xfrm>
-              <a:off x="2280025" y="3112655"/>
-              <a:ext cx="0" cy="472453"/>
+              <a:off x="2280025" y="3199185"/>
+              <a:ext cx="0" cy="385923"/>
             </a:xfrm>
             <a:prstGeom prst="straightConnector1">
               <a:avLst/>
@@ -39916,7 +39614,7 @@
                 <a:t>&lt; </a:t>
               </a:r>
               <a:r>
-                <a:rPr lang="en-US" sz="1200" dirty="0">
+                <a:rPr lang="it-IT" sz="1200" dirty="0">
                   <a:solidFill>
                     <a:schemeClr val="accent1"/>
                   </a:solidFill>
@@ -39925,7 +39623,7 @@
                   <a:cs typeface="Fira Code"/>
                   <a:sym typeface="Fira Code"/>
                 </a:rPr>
-                <a:t>This detection has been protected by the </a:t>
+                <a:t>Questo debolezza è stata risolta dal</a:t>
               </a:r>
             </a:p>
             <a:p>
@@ -39939,7 +39637,7 @@
                 <a:buNone/>
               </a:pPr>
               <a:r>
-                <a:rPr lang="en-US" sz="1200" dirty="0">
+                <a:rPr lang="it-IT" sz="1200" dirty="0">
                   <a:solidFill>
                     <a:schemeClr val="accent1"/>
                   </a:solidFill>
@@ -39948,7 +39646,7 @@
                   <a:cs typeface="Fira Code"/>
                   <a:sym typeface="Fira Code"/>
                 </a:rPr>
-                <a:t>  GATT protocol available in the latest </a:t>
+                <a:t>  Protocollo GATT, disponibile nelle ultime</a:t>
               </a:r>
             </a:p>
             <a:p>
@@ -39962,7 +39660,7 @@
                 <a:buNone/>
               </a:pPr>
               <a:r>
-                <a:rPr lang="en-US" sz="1200" dirty="0">
+                <a:rPr lang="it-IT" sz="1200" dirty="0">
                   <a:solidFill>
                     <a:schemeClr val="accent1"/>
                   </a:solidFill>
@@ -39971,7 +39669,7 @@
                   <a:cs typeface="Fira Code"/>
                   <a:sym typeface="Fira Code"/>
                 </a:rPr>
-                <a:t>  versions of devices equipped with BLE </a:t>
+                <a:t>  versioni dei dispositivi dotati di BLE </a:t>
               </a:r>
               <a:r>
                 <a:rPr lang="en" sz="1200" dirty="0">
@@ -40169,8 +39867,8 @@
         </p:blipFill>
         <p:spPr>
           <a:xfrm>
-            <a:off x="5997591" y="3277145"/>
-            <a:ext cx="2782268" cy="1095518"/>
+            <a:off x="6078972" y="3258813"/>
+            <a:ext cx="2545047" cy="1002112"/>
           </a:xfrm>
           <a:prstGeom prst="rect">
             <a:avLst/>
@@ -40545,7 +40243,71 @@
                   <a:srgbClr val="00B050"/>
                 </a:solidFill>
               </a:rPr>
-              <a:t> use Fingerprint to authenticate when user want run    *</a:t>
+              <a:t> </a:t>
+            </a:r>
+            <a:r>
+              <a:rPr lang="en-US" sz="1300" dirty="0" err="1">
+                <a:solidFill>
+                  <a:srgbClr val="00B050"/>
+                </a:solidFill>
+              </a:rPr>
+              <a:t>usa</a:t>
+            </a:r>
+            <a:r>
+              <a:rPr lang="en-US" sz="1300" dirty="0">
+                <a:solidFill>
+                  <a:srgbClr val="00B050"/>
+                </a:solidFill>
+              </a:rPr>
+              <a:t> il Fingerprint per </a:t>
+            </a:r>
+            <a:r>
+              <a:rPr lang="en-US" sz="1300" dirty="0" err="1">
+                <a:solidFill>
+                  <a:srgbClr val="00B050"/>
+                </a:solidFill>
+              </a:rPr>
+              <a:t>autenticare</a:t>
+            </a:r>
+            <a:r>
+              <a:rPr lang="en-US" sz="1300" dirty="0">
+                <a:solidFill>
+                  <a:srgbClr val="00B050"/>
+                </a:solidFill>
+              </a:rPr>
+              <a:t> </a:t>
+            </a:r>
+            <a:r>
+              <a:rPr lang="en-US" sz="1300" dirty="0" err="1">
+                <a:solidFill>
+                  <a:srgbClr val="00B050"/>
+                </a:solidFill>
+              </a:rPr>
+              <a:t>l’utente</a:t>
+            </a:r>
+            <a:r>
+              <a:rPr lang="en-US" sz="1300" dirty="0">
+                <a:solidFill>
+                  <a:srgbClr val="00B050"/>
+                </a:solidFill>
+              </a:rPr>
+              <a:t> </a:t>
+            </a:r>
+            <a:r>
+              <a:rPr lang="en-US" sz="1300" dirty="0" err="1">
+                <a:solidFill>
+                  <a:srgbClr val="00B050"/>
+                </a:solidFill>
+              </a:rPr>
+              <a:t>quando</a:t>
+            </a:r>
+            <a:r>
+              <a:rPr lang="en-US" sz="1300" dirty="0">
+                <a:solidFill>
+                  <a:srgbClr val="00B050"/>
+                </a:solidFill>
+              </a:rPr>
+              <a:t>    * </a:t>
             </a:r>
           </a:p>
           <a:p>
@@ -40564,7 +40326,39 @@
                   <a:srgbClr val="00B050"/>
                 </a:solidFill>
               </a:rPr>
-              <a:t> * some operation.					        	  *</a:t>
+              <a:t> * </a:t>
+            </a:r>
+            <a:r>
+              <a:rPr lang="en-US" sz="1300" dirty="0" err="1">
+                <a:solidFill>
+                  <a:srgbClr val="00B050"/>
+                </a:solidFill>
+              </a:rPr>
+              <a:t>esegue</a:t>
+            </a:r>
+            <a:r>
+              <a:rPr lang="en-US" sz="1300" dirty="0">
+                <a:solidFill>
+                  <a:srgbClr val="00B050"/>
+                </a:solidFill>
+              </a:rPr>
+              <a:t> </a:t>
+            </a:r>
+            <a:r>
+              <a:rPr lang="en-US" sz="1300" dirty="0" err="1">
+                <a:solidFill>
+                  <a:srgbClr val="00B050"/>
+                </a:solidFill>
+              </a:rPr>
+              <a:t>un’operazione</a:t>
+            </a:r>
+            <a:r>
+              <a:rPr lang="en-US" sz="1300" dirty="0">
+                <a:solidFill>
+                  <a:srgbClr val="00B050"/>
+                </a:solidFill>
+              </a:rPr>
+              <a:t>.	  			        	  *</a:t>
             </a:r>
           </a:p>
           <a:p>
@@ -40615,7 +40409,7 @@
                   <a:schemeClr val="accent3"/>
                 </a:solidFill>
               </a:rPr>
-              <a:t> The vulnerability consists in UART exploitation because this sensor uses TTL Serial to communicate. For example, we can use </a:t>
+              <a:t> La </a:t>
             </a:r>
             <a:r>
               <a:rPr lang="en-US" sz="1200" dirty="0" err="1">
@@ -40623,6 +40417,214 @@
                   <a:schemeClr val="accent3"/>
                 </a:solidFill>
               </a:rPr>
+              <a:t>vulnerabilità</a:t>
+            </a:r>
+            <a:r>
+              <a:rPr lang="en-US" sz="1200" dirty="0">
+                <a:solidFill>
+                  <a:schemeClr val="accent3"/>
+                </a:solidFill>
+              </a:rPr>
+              <a:t> </a:t>
+            </a:r>
+            <a:r>
+              <a:rPr lang="en-US" sz="1200" dirty="0" err="1">
+                <a:solidFill>
+                  <a:schemeClr val="accent3"/>
+                </a:solidFill>
+              </a:rPr>
+              <a:t>consiste</a:t>
+            </a:r>
+            <a:r>
+              <a:rPr lang="en-US" sz="1200" dirty="0">
+                <a:solidFill>
+                  <a:schemeClr val="accent3"/>
+                </a:solidFill>
+              </a:rPr>
+              <a:t> </a:t>
+            </a:r>
+            <a:r>
+              <a:rPr lang="en-US" sz="1200" dirty="0" err="1">
+                <a:solidFill>
+                  <a:schemeClr val="accent3"/>
+                </a:solidFill>
+              </a:rPr>
+              <a:t>nello</a:t>
+            </a:r>
+            <a:r>
+              <a:rPr lang="en-US" sz="1200" dirty="0">
+                <a:solidFill>
+                  <a:schemeClr val="accent3"/>
+                </a:solidFill>
+              </a:rPr>
+              <a:t> </a:t>
+            </a:r>
+            <a:r>
+              <a:rPr lang="en-US" sz="1200" dirty="0" err="1">
+                <a:solidFill>
+                  <a:schemeClr val="accent3"/>
+                </a:solidFill>
+              </a:rPr>
+              <a:t>sfruttare</a:t>
+            </a:r>
+            <a:r>
+              <a:rPr lang="en-US" sz="1200" dirty="0">
+                <a:solidFill>
+                  <a:schemeClr val="accent3"/>
+                </a:solidFill>
+              </a:rPr>
+              <a:t> la </a:t>
+            </a:r>
+            <a:r>
+              <a:rPr lang="en-US" sz="1200" dirty="0" err="1">
+                <a:solidFill>
+                  <a:schemeClr val="accent3"/>
+                </a:solidFill>
+              </a:rPr>
+              <a:t>comunicazione</a:t>
+            </a:r>
+            <a:r>
+              <a:rPr lang="en-US" sz="1200" dirty="0">
+                <a:solidFill>
+                  <a:schemeClr val="accent3"/>
+                </a:solidFill>
+              </a:rPr>
+              <a:t> UART </a:t>
+            </a:r>
+            <a:r>
+              <a:rPr lang="en-US" sz="1200" dirty="0" err="1">
+                <a:solidFill>
+                  <a:schemeClr val="accent3"/>
+                </a:solidFill>
+              </a:rPr>
+              <a:t>perchè</a:t>
+            </a:r>
+            <a:r>
+              <a:rPr lang="en-US" sz="1200" dirty="0">
+                <a:solidFill>
+                  <a:schemeClr val="accent3"/>
+                </a:solidFill>
+              </a:rPr>
+              <a:t> il </a:t>
+            </a:r>
+            <a:r>
+              <a:rPr lang="en-US" sz="1200" dirty="0" err="1">
+                <a:solidFill>
+                  <a:schemeClr val="accent3"/>
+                </a:solidFill>
+              </a:rPr>
+              <a:t>sensore</a:t>
+            </a:r>
+            <a:r>
+              <a:rPr lang="en-US" sz="1200" dirty="0">
+                <a:solidFill>
+                  <a:schemeClr val="accent3"/>
+                </a:solidFill>
+              </a:rPr>
+              <a:t> </a:t>
+            </a:r>
+            <a:r>
+              <a:rPr lang="en-US" sz="1200" dirty="0" err="1">
+                <a:solidFill>
+                  <a:schemeClr val="accent3"/>
+                </a:solidFill>
+              </a:rPr>
+              <a:t>usa</a:t>
+            </a:r>
+            <a:r>
+              <a:rPr lang="en-US" sz="1200" dirty="0">
+                <a:solidFill>
+                  <a:schemeClr val="accent3"/>
+                </a:solidFill>
+              </a:rPr>
+              <a:t> il </a:t>
+            </a:r>
+            <a:r>
+              <a:rPr lang="en-US" sz="1200" dirty="0" err="1">
+                <a:solidFill>
+                  <a:schemeClr val="accent3"/>
+                </a:solidFill>
+              </a:rPr>
+              <a:t>Seriale</a:t>
+            </a:r>
+            <a:r>
+              <a:rPr lang="en-US" sz="1200" dirty="0">
+                <a:solidFill>
+                  <a:schemeClr val="accent3"/>
+                </a:solidFill>
+              </a:rPr>
+              <a:t> TTL per </a:t>
+            </a:r>
+            <a:r>
+              <a:rPr lang="en-US" sz="1200" dirty="0" err="1">
+                <a:solidFill>
+                  <a:schemeClr val="accent3"/>
+                </a:solidFill>
+              </a:rPr>
+              <a:t>comunicare</a:t>
+            </a:r>
+            <a:r>
+              <a:rPr lang="en-US" sz="1200" dirty="0">
+                <a:solidFill>
+                  <a:schemeClr val="accent3"/>
+                </a:solidFill>
+              </a:rPr>
+              <a:t>. Ad </a:t>
+            </a:r>
+            <a:r>
+              <a:rPr lang="en-US" sz="1200" dirty="0" err="1">
+                <a:solidFill>
+                  <a:schemeClr val="accent3"/>
+                </a:solidFill>
+              </a:rPr>
+              <a:t>esempio</a:t>
+            </a:r>
+            <a:r>
+              <a:rPr lang="en-US" sz="1200" dirty="0">
+                <a:solidFill>
+                  <a:schemeClr val="accent3"/>
+                </a:solidFill>
+              </a:rPr>
+              <a:t>, </a:t>
+            </a:r>
+            <a:r>
+              <a:rPr lang="en-US" sz="1200" dirty="0" err="1">
+                <a:solidFill>
+                  <a:schemeClr val="accent3"/>
+                </a:solidFill>
+              </a:rPr>
+              <a:t>possiamo</a:t>
+            </a:r>
+            <a:r>
+              <a:rPr lang="en-US" sz="1200" dirty="0">
+                <a:solidFill>
+                  <a:schemeClr val="accent3"/>
+                </a:solidFill>
+              </a:rPr>
+              <a:t> </a:t>
+            </a:r>
+            <a:r>
+              <a:rPr lang="en-US" sz="1200" dirty="0" err="1">
+                <a:solidFill>
+                  <a:schemeClr val="accent3"/>
+                </a:solidFill>
+              </a:rPr>
+              <a:t>usare</a:t>
+            </a:r>
+            <a:r>
+              <a:rPr lang="en-US" sz="1200" dirty="0">
+                <a:solidFill>
+                  <a:schemeClr val="accent3"/>
+                </a:solidFill>
+              </a:rPr>
+              <a:t> </a:t>
+            </a:r>
+            <a:r>
+              <a:rPr lang="en-US" sz="1200" dirty="0" err="1">
+                <a:solidFill>
+                  <a:schemeClr val="accent3"/>
+                </a:solidFill>
+              </a:rPr>
               <a:t>Attify</a:t>
             </a:r>
             <a:r>
@@ -40631,7 +40633,103 @@
                   <a:schemeClr val="accent3"/>
                 </a:solidFill>
               </a:rPr>
-              <a:t> Badge to emulate a serial connection to access the target device &gt;</a:t>
+              <a:t> Badge per </a:t>
+            </a:r>
+            <a:r>
+              <a:rPr lang="en-US" sz="1200" dirty="0" err="1">
+                <a:solidFill>
+                  <a:schemeClr val="accent3"/>
+                </a:solidFill>
+              </a:rPr>
+              <a:t>emulare</a:t>
+            </a:r>
+            <a:r>
+              <a:rPr lang="en-US" sz="1200" dirty="0">
+                <a:solidFill>
+                  <a:schemeClr val="accent3"/>
+                </a:solidFill>
+              </a:rPr>
+              <a:t> </a:t>
+            </a:r>
+            <a:r>
+              <a:rPr lang="en-US" sz="1200" dirty="0" err="1">
+                <a:solidFill>
+                  <a:schemeClr val="accent3"/>
+                </a:solidFill>
+              </a:rPr>
+              <a:t>una</a:t>
+            </a:r>
+            <a:r>
+              <a:rPr lang="en-US" sz="1200" dirty="0">
+                <a:solidFill>
+                  <a:schemeClr val="accent3"/>
+                </a:solidFill>
+              </a:rPr>
+              <a:t> </a:t>
+            </a:r>
+            <a:r>
+              <a:rPr lang="en-US" sz="1200" dirty="0" err="1">
+                <a:solidFill>
+                  <a:schemeClr val="accent3"/>
+                </a:solidFill>
+              </a:rPr>
+              <a:t>connessione</a:t>
+            </a:r>
+            <a:r>
+              <a:rPr lang="en-US" sz="1200" dirty="0">
+                <a:solidFill>
+                  <a:schemeClr val="accent3"/>
+                </a:solidFill>
+              </a:rPr>
+              <a:t> </a:t>
+            </a:r>
+            <a:r>
+              <a:rPr lang="en-US" sz="1200" dirty="0" err="1">
+                <a:solidFill>
+                  <a:schemeClr val="accent3"/>
+                </a:solidFill>
+              </a:rPr>
+              <a:t>seriale</a:t>
+            </a:r>
+            <a:r>
+              <a:rPr lang="en-US" sz="1200" dirty="0">
+                <a:solidFill>
+                  <a:schemeClr val="accent3"/>
+                </a:solidFill>
+              </a:rPr>
+              <a:t> ed </a:t>
+            </a:r>
+            <a:r>
+              <a:rPr lang="en-US" sz="1200" dirty="0" err="1">
+                <a:solidFill>
+                  <a:schemeClr val="accent3"/>
+                </a:solidFill>
+              </a:rPr>
+              <a:t>accedere</a:t>
+            </a:r>
+            <a:r>
+              <a:rPr lang="en-US" sz="1200" dirty="0">
+                <a:solidFill>
+                  <a:schemeClr val="accent3"/>
+                </a:solidFill>
+              </a:rPr>
+              <a:t> al </a:t>
+            </a:r>
+            <a:r>
+              <a:rPr lang="en-US" sz="1200" dirty="0" err="1">
+                <a:solidFill>
+                  <a:schemeClr val="accent3"/>
+                </a:solidFill>
+              </a:rPr>
+              <a:t>dispositivo</a:t>
+            </a:r>
+            <a:r>
+              <a:rPr lang="en-US" sz="1200" dirty="0">
+                <a:solidFill>
+                  <a:schemeClr val="accent3"/>
+                </a:solidFill>
+              </a:rPr>
+              <a:t> target &gt;</a:t>
             </a:r>
           </a:p>
         </p:txBody>
@@ -40744,9 +40842,9 @@
         <p:grpSpPr>
           <a:xfrm>
             <a:off x="1755275" y="3112655"/>
-            <a:ext cx="5486025" cy="1026421"/>
+            <a:ext cx="5486025" cy="1211086"/>
             <a:chOff x="1509810" y="3112655"/>
-            <a:chExt cx="10807669" cy="1026421"/>
+            <a:chExt cx="10807669" cy="1211086"/>
           </a:xfrm>
         </p:grpSpPr>
         <p:cxnSp>
@@ -40786,7 +40884,7 @@
           <p:spPr>
             <a:xfrm>
               <a:off x="1509810" y="3585108"/>
-              <a:ext cx="10807669" cy="553968"/>
+              <a:ext cx="10807669" cy="738633"/>
             </a:xfrm>
             <a:prstGeom prst="rect">
               <a:avLst/>
@@ -40833,7 +40931,7 @@
                   <a:cs typeface="Fira Code"/>
                   <a:sym typeface="Fira Code"/>
                 </a:rPr>
-                <a:t>A solution is to isolate PassChain from this device, in </a:t>
+                <a:t>Una soluzione è di isolare PassChain da questi </a:t>
               </a:r>
             </a:p>
             <a:p>
@@ -40856,7 +40954,30 @@
                   <a:cs typeface="Fira Code"/>
                   <a:sym typeface="Fira Code"/>
                 </a:rPr>
-                <a:t>  particular, user </a:t>
+                <a:t>  dispositivi, in particolare, l’utente non deve lasciare </a:t>
+              </a:r>
+            </a:p>
+            <a:p>
+              <a:pPr marL="0" lvl="0" indent="0" rtl="0">
+                <a:spcBef>
+                  <a:spcPts val="0"/>
+                </a:spcBef>
+                <a:spcAft>
+                  <a:spcPts val="0"/>
+                </a:spcAft>
+                <a:buNone/>
+              </a:pPr>
+              <a:r>
+                <a:rPr lang="en" sz="1200" dirty="0">
+                  <a:solidFill>
+                    <a:schemeClr val="accent1"/>
+                  </a:solidFill>
+                  <a:latin typeface="Fira Code"/>
+                  <a:ea typeface="Fira Code"/>
+                  <a:cs typeface="Fira Code"/>
+                  <a:sym typeface="Fira Code"/>
+                </a:rPr>
+                <a:t>  incustodita la board</a:t>
               </a:r>
               <a:r>
                 <a:rPr lang="en-US" sz="1200" dirty="0">
@@ -40868,7 +40989,7 @@
                   <a:cs typeface="Fira Code"/>
                   <a:sym typeface="Fira Code"/>
                 </a:rPr>
-                <a:t>must not leave the device unattended </a:t>
+                <a:t> </a:t>
               </a:r>
               <a:r>
                 <a:rPr lang="en" sz="1200" dirty="0">
@@ -41427,12 +41548,20 @@
               <a:t> * </a:t>
             </a:r>
             <a:r>
+              <a:rPr lang="en-US" sz="1300" dirty="0" err="1">
+                <a:solidFill>
+                  <a:srgbClr val="00B050"/>
+                </a:solidFill>
+              </a:rPr>
+              <a:t>L’utente</a:t>
+            </a:r>
+            <a:r>
               <a:rPr lang="en-US" sz="1300" dirty="0">
                 <a:solidFill>
                   <a:srgbClr val="00B050"/>
                 </a:solidFill>
               </a:rPr>
-              <a:t>User can do setup of </a:t>
+              <a:t> </a:t>
             </a:r>
             <a:r>
               <a:rPr lang="en-US" sz="1300" dirty="0" err="1">
@@ -41440,6 +41569,38 @@
                   <a:srgbClr val="00B050"/>
                 </a:solidFill>
               </a:rPr>
+              <a:t>può</a:t>
+            </a:r>
+            <a:r>
+              <a:rPr lang="en-US" sz="1300" dirty="0">
+                <a:solidFill>
+                  <a:srgbClr val="00B050"/>
+                </a:solidFill>
+              </a:rPr>
+              <a:t> </a:t>
+            </a:r>
+            <a:r>
+              <a:rPr lang="en-US" sz="1300" dirty="0" err="1">
+                <a:solidFill>
+                  <a:srgbClr val="00B050"/>
+                </a:solidFill>
+              </a:rPr>
+              <a:t>eseguire</a:t>
+            </a:r>
+            <a:r>
+              <a:rPr lang="en-US" sz="1300" dirty="0">
+                <a:solidFill>
+                  <a:srgbClr val="00B050"/>
+                </a:solidFill>
+              </a:rPr>
+              <a:t> il setup di </a:t>
+            </a:r>
+            <a:r>
+              <a:rPr lang="en-US" sz="1300" dirty="0" err="1">
+                <a:solidFill>
+                  <a:srgbClr val="00B050"/>
+                </a:solidFill>
+              </a:rPr>
               <a:t>PassChain</a:t>
             </a:r>
             <a:r>
@@ -41448,7 +41609,23 @@
                   <a:srgbClr val="00B050"/>
                 </a:solidFill>
               </a:rPr>
-              <a:t> connecting the board to the      *</a:t>
+              <a:t> </a:t>
+            </a:r>
+            <a:r>
+              <a:rPr lang="en-US" sz="1300" dirty="0" err="1">
+                <a:solidFill>
+                  <a:srgbClr val="00B050"/>
+                </a:solidFill>
+              </a:rPr>
+              <a:t>connettendo</a:t>
+            </a:r>
+            <a:r>
+              <a:rPr lang="en-US" sz="1300" dirty="0">
+                <a:solidFill>
+                  <a:srgbClr val="00B050"/>
+                </a:solidFill>
+              </a:rPr>
+              <a:t> il	  *</a:t>
             </a:r>
           </a:p>
           <a:p>
@@ -41467,7 +41644,23 @@
                   <a:srgbClr val="00B050"/>
                 </a:solidFill>
               </a:rPr>
-              <a:t> * server Python.					        	  *</a:t>
+              <a:t> * </a:t>
+            </a:r>
+            <a:r>
+              <a:rPr lang="en-US" sz="1300" dirty="0" err="1">
+                <a:solidFill>
+                  <a:srgbClr val="00B050"/>
+                </a:solidFill>
+              </a:rPr>
+              <a:t>dispositivo</a:t>
+            </a:r>
+            <a:r>
+              <a:rPr lang="en-US" sz="1300" dirty="0">
+                <a:solidFill>
+                  <a:srgbClr val="00B050"/>
+                </a:solidFill>
+              </a:rPr>
+              <a:t> al server Python.				  *</a:t>
             </a:r>
           </a:p>
           <a:p>
@@ -41495,7 +41688,7 @@
             </a:endParaRPr>
           </a:p>
           <a:p>
-            <a:pPr marL="449116" lvl="0" indent="0" algn="l" rtl="0">
+            <a:pPr marL="452438" lvl="0" indent="-4763" algn="l" rtl="0">
               <a:spcBef>
                 <a:spcPts val="1000"/>
               </a:spcBef>
@@ -41518,7 +41711,263 @@
                   <a:schemeClr val="accent3"/>
                 </a:solidFill>
               </a:rPr>
-              <a:t> A malicious can do a DoS attack exhaust the host’s resources that run server disrupting services of a host connected to a network &gt;</a:t>
+              <a:t> Un </a:t>
+            </a:r>
+            <a:r>
+              <a:rPr lang="en-US" sz="1200" dirty="0" err="1">
+                <a:solidFill>
+                  <a:schemeClr val="accent3"/>
+                </a:solidFill>
+              </a:rPr>
+              <a:t>malintenzionato</a:t>
+            </a:r>
+            <a:r>
+              <a:rPr lang="en-US" sz="1200" dirty="0">
+                <a:solidFill>
+                  <a:schemeClr val="accent3"/>
+                </a:solidFill>
+              </a:rPr>
+              <a:t> </a:t>
+            </a:r>
+            <a:r>
+              <a:rPr lang="en-US" sz="1200" dirty="0" err="1">
+                <a:solidFill>
+                  <a:schemeClr val="accent3"/>
+                </a:solidFill>
+              </a:rPr>
+              <a:t>può</a:t>
+            </a:r>
+            <a:r>
+              <a:rPr lang="en-US" sz="1200" dirty="0">
+                <a:solidFill>
+                  <a:schemeClr val="accent3"/>
+                </a:solidFill>
+              </a:rPr>
+              <a:t> </a:t>
+            </a:r>
+            <a:r>
+              <a:rPr lang="en-US" sz="1200" dirty="0" err="1">
+                <a:solidFill>
+                  <a:schemeClr val="accent3"/>
+                </a:solidFill>
+              </a:rPr>
+              <a:t>eseguire</a:t>
+            </a:r>
+            <a:r>
+              <a:rPr lang="en-US" sz="1200" dirty="0">
+                <a:solidFill>
+                  <a:schemeClr val="accent3"/>
+                </a:solidFill>
+              </a:rPr>
+              <a:t> un </a:t>
+            </a:r>
+            <a:r>
+              <a:rPr lang="en-US" sz="1200" dirty="0" err="1">
+                <a:solidFill>
+                  <a:schemeClr val="accent3"/>
+                </a:solidFill>
+              </a:rPr>
+              <a:t>attacco</a:t>
+            </a:r>
+            <a:r>
+              <a:rPr lang="en-US" sz="1200" dirty="0">
+                <a:solidFill>
+                  <a:schemeClr val="accent3"/>
+                </a:solidFill>
+              </a:rPr>
+              <a:t> DoS </a:t>
+            </a:r>
+            <a:r>
+              <a:rPr lang="en-US" sz="1200" dirty="0" err="1">
+                <a:solidFill>
+                  <a:schemeClr val="accent3"/>
+                </a:solidFill>
+              </a:rPr>
+              <a:t>esaurendo</a:t>
+            </a:r>
+            <a:r>
+              <a:rPr lang="en-US" sz="1200" dirty="0">
+                <a:solidFill>
+                  <a:schemeClr val="accent3"/>
+                </a:solidFill>
+              </a:rPr>
+              <a:t> le        </a:t>
+            </a:r>
+            <a:r>
+              <a:rPr lang="en-US" sz="1200" dirty="0" err="1">
+                <a:solidFill>
+                  <a:schemeClr val="accent3"/>
+                </a:solidFill>
+              </a:rPr>
+              <a:t>risorse</a:t>
+            </a:r>
+            <a:r>
+              <a:rPr lang="en-US" sz="1200" dirty="0">
+                <a:solidFill>
+                  <a:schemeClr val="accent3"/>
+                </a:solidFill>
+              </a:rPr>
+              <a:t> </a:t>
+            </a:r>
+            <a:r>
+              <a:rPr lang="en-US" sz="1200" dirty="0" err="1">
+                <a:solidFill>
+                  <a:schemeClr val="accent3"/>
+                </a:solidFill>
+              </a:rPr>
+              <a:t>dell’host</a:t>
+            </a:r>
+            <a:r>
+              <a:rPr lang="en-US" sz="1200" dirty="0">
+                <a:solidFill>
+                  <a:schemeClr val="accent3"/>
+                </a:solidFill>
+              </a:rPr>
+              <a:t> </a:t>
+            </a:r>
+            <a:r>
+              <a:rPr lang="en-US" sz="1200" dirty="0" err="1">
+                <a:solidFill>
+                  <a:schemeClr val="accent3"/>
+                </a:solidFill>
+              </a:rPr>
+              <a:t>che</a:t>
+            </a:r>
+            <a:r>
+              <a:rPr lang="en-US" sz="1200" dirty="0">
+                <a:solidFill>
+                  <a:schemeClr val="accent3"/>
+                </a:solidFill>
+              </a:rPr>
+              <a:t> </a:t>
+            </a:r>
+            <a:r>
+              <a:rPr lang="en-US" sz="1200" dirty="0" err="1">
+                <a:solidFill>
+                  <a:schemeClr val="accent3"/>
+                </a:solidFill>
+              </a:rPr>
+              <a:t>sta</a:t>
+            </a:r>
+            <a:r>
+              <a:rPr lang="en-US" sz="1200" dirty="0">
+                <a:solidFill>
+                  <a:schemeClr val="accent3"/>
+                </a:solidFill>
+              </a:rPr>
+              <a:t> </a:t>
+            </a:r>
+            <a:r>
+              <a:rPr lang="en-US" sz="1200" dirty="0" err="1">
+                <a:solidFill>
+                  <a:schemeClr val="accent3"/>
+                </a:solidFill>
+              </a:rPr>
+              <a:t>eseguendo</a:t>
+            </a:r>
+            <a:r>
+              <a:rPr lang="en-US" sz="1200" dirty="0">
+                <a:solidFill>
+                  <a:schemeClr val="accent3"/>
+                </a:solidFill>
+              </a:rPr>
+              <a:t> il server e </a:t>
+            </a:r>
+            <a:r>
+              <a:rPr lang="en-US" sz="1200" dirty="0" err="1">
+                <a:solidFill>
+                  <a:schemeClr val="accent3"/>
+                </a:solidFill>
+              </a:rPr>
+              <a:t>interrompendo</a:t>
+            </a:r>
+            <a:r>
+              <a:rPr lang="en-US" sz="1200" dirty="0">
+                <a:solidFill>
+                  <a:schemeClr val="accent3"/>
+                </a:solidFill>
+              </a:rPr>
+              <a:t> </a:t>
+            </a:r>
+            <a:r>
+              <a:rPr lang="en-US" sz="1200" dirty="0" err="1">
+                <a:solidFill>
+                  <a:schemeClr val="accent3"/>
+                </a:solidFill>
+              </a:rPr>
+              <a:t>i</a:t>
+            </a:r>
+            <a:r>
+              <a:rPr lang="en-US" sz="1200" dirty="0">
+                <a:solidFill>
+                  <a:schemeClr val="accent3"/>
+                </a:solidFill>
+              </a:rPr>
+              <a:t>      </a:t>
+            </a:r>
+            <a:r>
+              <a:rPr lang="en-US" sz="1200" dirty="0" err="1">
+                <a:solidFill>
+                  <a:schemeClr val="accent3"/>
+                </a:solidFill>
+              </a:rPr>
+              <a:t>servizi</a:t>
+            </a:r>
+            <a:r>
+              <a:rPr lang="en-US" sz="1200" dirty="0">
+                <a:solidFill>
+                  <a:schemeClr val="accent3"/>
+                </a:solidFill>
+              </a:rPr>
+              <a:t> </a:t>
+            </a:r>
+            <a:r>
+              <a:rPr lang="en-US" sz="1200" dirty="0" err="1">
+                <a:solidFill>
+                  <a:schemeClr val="accent3"/>
+                </a:solidFill>
+              </a:rPr>
+              <a:t>dell’host</a:t>
+            </a:r>
+            <a:r>
+              <a:rPr lang="en-US" sz="1200" dirty="0">
+                <a:solidFill>
+                  <a:schemeClr val="accent3"/>
+                </a:solidFill>
+              </a:rPr>
+              <a:t> </a:t>
+            </a:r>
+            <a:r>
+              <a:rPr lang="en-US" sz="1200" dirty="0" err="1">
+                <a:solidFill>
+                  <a:schemeClr val="accent3"/>
+                </a:solidFill>
+              </a:rPr>
+              <a:t>connesso</a:t>
+            </a:r>
+            <a:r>
+              <a:rPr lang="en-US" sz="1200" dirty="0">
+                <a:solidFill>
+                  <a:schemeClr val="accent3"/>
+                </a:solidFill>
+              </a:rPr>
+              <a:t> </a:t>
+            </a:r>
+            <a:r>
+              <a:rPr lang="en-US" sz="1200" dirty="0" err="1">
+                <a:solidFill>
+                  <a:schemeClr val="accent3"/>
+                </a:solidFill>
+              </a:rPr>
+              <a:t>alla</a:t>
+            </a:r>
+            <a:r>
+              <a:rPr lang="en-US" sz="1200" dirty="0">
+                <a:solidFill>
+                  <a:schemeClr val="accent3"/>
+                </a:solidFill>
+              </a:rPr>
+              <a:t> rete &gt;</a:t>
             </a:r>
           </a:p>
         </p:txBody>
@@ -41630,10 +42079,10 @@
         </p:nvGrpSpPr>
         <p:grpSpPr>
           <a:xfrm>
-            <a:off x="1755275" y="2796540"/>
-            <a:ext cx="3274833" cy="1527201"/>
-            <a:chOff x="1509810" y="2796540"/>
-            <a:chExt cx="6451540" cy="1527201"/>
+            <a:off x="1755275" y="2881983"/>
+            <a:ext cx="3352752" cy="1441758"/>
+            <a:chOff x="1509810" y="2881983"/>
+            <a:chExt cx="6605043" cy="1441758"/>
           </a:xfrm>
         </p:grpSpPr>
         <p:cxnSp>
@@ -41646,8 +42095,8 @@
           </p:nvCxnSpPr>
           <p:spPr>
             <a:xfrm>
-              <a:off x="2280025" y="2796540"/>
-              <a:ext cx="0" cy="788568"/>
+              <a:off x="2280025" y="2881983"/>
+              <a:ext cx="0" cy="703125"/>
             </a:xfrm>
             <a:prstGeom prst="straightConnector1">
               <a:avLst/>
@@ -41673,7 +42122,7 @@
           <p:spPr>
             <a:xfrm>
               <a:off x="1509810" y="3585108"/>
-              <a:ext cx="6451540" cy="738633"/>
+              <a:ext cx="6605043" cy="738633"/>
             </a:xfrm>
             <a:prstGeom prst="rect">
               <a:avLst/>
@@ -41720,7 +42169,55 @@
                   <a:cs typeface="Fira Code"/>
                   <a:sym typeface="Fira Code"/>
                 </a:rPr>
-                <a:t>In this way the user cannot </a:t>
+                <a:t>In </a:t>
+              </a:r>
+              <a:r>
+                <a:rPr lang="en-US" sz="1200" dirty="0" err="1">
+                  <a:solidFill>
+                    <a:schemeClr val="accent1"/>
+                  </a:solidFill>
+                  <a:latin typeface="Fira Code"/>
+                  <a:ea typeface="Fira Code"/>
+                  <a:cs typeface="Fira Code"/>
+                  <a:sym typeface="Fira Code"/>
+                </a:rPr>
+                <a:t>questo</a:t>
+              </a:r>
+              <a:r>
+                <a:rPr lang="en-US" sz="1200" dirty="0">
+                  <a:solidFill>
+                    <a:schemeClr val="accent1"/>
+                  </a:solidFill>
+                  <a:latin typeface="Fira Code"/>
+                  <a:ea typeface="Fira Code"/>
+                  <a:cs typeface="Fira Code"/>
+                  <a:sym typeface="Fira Code"/>
+                </a:rPr>
+                <a:t> modo </a:t>
+              </a:r>
+              <a:r>
+                <a:rPr lang="en-US" sz="1200" dirty="0" err="1">
+                  <a:solidFill>
+                    <a:schemeClr val="accent1"/>
+                  </a:solidFill>
+                  <a:latin typeface="Fira Code"/>
+                  <a:ea typeface="Fira Code"/>
+                  <a:cs typeface="Fira Code"/>
+                  <a:sym typeface="Fira Code"/>
+                </a:rPr>
+                <a:t>l’utente</a:t>
+              </a:r>
+              <a:r>
+                <a:rPr lang="en-US" sz="1200" dirty="0">
+                  <a:solidFill>
+                    <a:schemeClr val="accent1"/>
+                  </a:solidFill>
+                  <a:latin typeface="Fira Code"/>
+                  <a:ea typeface="Fira Code"/>
+                  <a:cs typeface="Fira Code"/>
+                  <a:sym typeface="Fira Code"/>
+                </a:rPr>
+                <a:t> non  </a:t>
               </a:r>
             </a:p>
             <a:p>
@@ -41743,7 +42240,55 @@
                   <a:cs typeface="Fira Code"/>
                   <a:sym typeface="Fira Code"/>
                 </a:rPr>
-                <a:t>  connect to server and to do the </a:t>
+                <a:t>  </a:t>
+              </a:r>
+              <a:r>
+                <a:rPr lang="en-US" sz="1200" dirty="0" err="1">
+                  <a:solidFill>
+                    <a:schemeClr val="accent1"/>
+                  </a:solidFill>
+                  <a:latin typeface="Fira Code"/>
+                  <a:ea typeface="Fira Code"/>
+                  <a:cs typeface="Fira Code"/>
+                  <a:sym typeface="Fira Code"/>
+                </a:rPr>
+                <a:t>può</a:t>
+              </a:r>
+              <a:r>
+                <a:rPr lang="en-US" sz="1200" dirty="0">
+                  <a:solidFill>
+                    <a:schemeClr val="accent1"/>
+                  </a:solidFill>
+                  <a:latin typeface="Fira Code"/>
+                  <a:ea typeface="Fira Code"/>
+                  <a:cs typeface="Fira Code"/>
+                  <a:sym typeface="Fira Code"/>
+                </a:rPr>
+                <a:t> </a:t>
+              </a:r>
+              <a:r>
+                <a:rPr lang="en-US" sz="1200" dirty="0" err="1">
+                  <a:solidFill>
+                    <a:schemeClr val="accent1"/>
+                  </a:solidFill>
+                  <a:latin typeface="Fira Code"/>
+                  <a:ea typeface="Fira Code"/>
+                  <a:cs typeface="Fira Code"/>
+                  <a:sym typeface="Fira Code"/>
+                </a:rPr>
+                <a:t>connettersi</a:t>
+              </a:r>
+              <a:r>
+                <a:rPr lang="en-US" sz="1200" dirty="0">
+                  <a:solidFill>
+                    <a:schemeClr val="accent1"/>
+                  </a:solidFill>
+                  <a:latin typeface="Fira Code"/>
+                  <a:ea typeface="Fira Code"/>
+                  <a:cs typeface="Fira Code"/>
+                  <a:sym typeface="Fira Code"/>
+                </a:rPr>
+                <a:t> al server ed </a:t>
               </a:r>
             </a:p>
             <a:p>
@@ -41766,7 +42311,79 @@
                   <a:cs typeface="Fira Code"/>
                   <a:sym typeface="Fira Code"/>
                 </a:rPr>
-                <a:t>  setup of the board </a:t>
+                <a:t>  </a:t>
+              </a:r>
+              <a:r>
+                <a:rPr lang="en-US" sz="1200" dirty="0" err="1">
+                  <a:solidFill>
+                    <a:schemeClr val="accent1"/>
+                  </a:solidFill>
+                  <a:latin typeface="Fira Code"/>
+                  <a:ea typeface="Fira Code"/>
+                  <a:cs typeface="Fira Code"/>
+                  <a:sym typeface="Fira Code"/>
+                </a:rPr>
+                <a:t>eseguire</a:t>
+              </a:r>
+              <a:r>
+                <a:rPr lang="en-US" sz="1200" dirty="0">
+                  <a:solidFill>
+                    <a:schemeClr val="accent1"/>
+                  </a:solidFill>
+                  <a:latin typeface="Fira Code"/>
+                  <a:ea typeface="Fira Code"/>
+                  <a:cs typeface="Fira Code"/>
+                  <a:sym typeface="Fira Code"/>
+                </a:rPr>
+                <a:t> il setup </a:t>
+              </a:r>
+              <a:r>
+                <a:rPr lang="en-US" sz="1200" dirty="0" err="1">
+                  <a:solidFill>
+                    <a:schemeClr val="accent1"/>
+                  </a:solidFill>
+                  <a:latin typeface="Fira Code"/>
+                  <a:ea typeface="Fira Code"/>
+                  <a:cs typeface="Fira Code"/>
+                  <a:sym typeface="Fira Code"/>
+                </a:rPr>
+                <a:t>della</a:t>
+              </a:r>
+              <a:r>
+                <a:rPr lang="en-US" sz="1200" dirty="0">
+                  <a:solidFill>
+                    <a:schemeClr val="accent1"/>
+                  </a:solidFill>
+                  <a:latin typeface="Fira Code"/>
+                  <a:ea typeface="Fira Code"/>
+                  <a:cs typeface="Fira Code"/>
+                  <a:sym typeface="Fira Code"/>
+                </a:rPr>
+                <a:t> </a:t>
+              </a:r>
+              <a:r>
+                <a:rPr lang="en-US" sz="1200" dirty="0" err="1">
+                  <a:solidFill>
+                    <a:schemeClr val="accent1"/>
+                  </a:solidFill>
+                  <a:latin typeface="Fira Code"/>
+                  <a:ea typeface="Fira Code"/>
+                  <a:cs typeface="Fira Code"/>
+                  <a:sym typeface="Fira Code"/>
+                </a:rPr>
+                <a:t>scheda</a:t>
+              </a:r>
+              <a:r>
+                <a:rPr lang="en-US" sz="1200" dirty="0">
+                  <a:solidFill>
+                    <a:schemeClr val="accent1"/>
+                  </a:solidFill>
+                  <a:latin typeface="Fira Code"/>
+                  <a:ea typeface="Fira Code"/>
+                  <a:cs typeface="Fira Code"/>
+                  <a:sym typeface="Fira Code"/>
+                </a:rPr>
+                <a:t> </a:t>
               </a:r>
               <a:r>
                 <a:rPr lang="en" sz="1200" dirty="0">
@@ -41956,8 +42573,8 @@
         </p:blipFill>
         <p:spPr>
           <a:xfrm>
-            <a:off x="5030113" y="2911352"/>
-            <a:ext cx="3655774" cy="1403556"/>
+            <a:off x="5097507" y="2886587"/>
+            <a:ext cx="3533784" cy="1356721"/>
           </a:xfrm>
           <a:prstGeom prst="rect">
             <a:avLst/>
@@ -42192,7 +42809,7 @@
                   <a:schemeClr val="accent3"/>
                 </a:solidFill>
               </a:rPr>
-              <a:t>The user’s credentials are stored </a:t>
+              <a:t>I dati sono salvati sul dispositivo </a:t>
             </a:r>
           </a:p>
           <a:p>
@@ -42212,7 +42829,7 @@
                   <a:schemeClr val="accent3"/>
                 </a:solidFill>
               </a:rPr>
-              <a:t>encrypted using the AES-128 bit </a:t>
+              <a:t>cifrati usando lo schema AES-128 bit con </a:t>
             </a:r>
           </a:p>
           <a:p>
@@ -42232,23 +42849,7 @@
                   <a:schemeClr val="accent3"/>
                 </a:solidFill>
               </a:rPr>
-              <a:t>in GCM </a:t>
-            </a:r>
-            <a:r>
-              <a:rPr lang="it-IT" dirty="0">
-                <a:solidFill>
-                  <a:schemeClr val="accent3"/>
-                </a:solidFill>
-              </a:rPr>
-              <a:t>m</a:t>
-            </a:r>
-            <a:r>
-              <a:rPr lang="en" dirty="0">
-                <a:solidFill>
-                  <a:schemeClr val="accent3"/>
-                </a:solidFill>
-              </a:rPr>
-              <a:t>ode</a:t>
+              <a:t>la modalità GCM </a:t>
             </a:r>
             <a:endParaRPr lang="it-IT" dirty="0">
               <a:solidFill>
@@ -42458,7 +43059,7 @@
                   <a:schemeClr val="accent3"/>
                 </a:solidFill>
               </a:rPr>
-              <a:t>Data are sended by server Python to </a:t>
+              <a:t>I dati sono inviati dal server Python </a:t>
             </a:r>
           </a:p>
           <a:p>
@@ -42478,7 +43079,7 @@
                   <a:schemeClr val="accent3"/>
                 </a:solidFill>
               </a:rPr>
-              <a:t>Esp32 in clear because the </a:t>
+              <a:t>all’Esp32 in chiaro perchè la </a:t>
             </a:r>
           </a:p>
           <a:p>
@@ -42498,7 +43099,7 @@
                   <a:schemeClr val="accent3"/>
                 </a:solidFill>
               </a:rPr>
-              <a:t>communication are made by SSL that </a:t>
+              <a:t>comunicazione è realizzata con SSL </a:t>
             </a:r>
           </a:p>
           <a:p>
@@ -42518,23 +43119,7 @@
                   <a:schemeClr val="accent3"/>
                 </a:solidFill>
               </a:rPr>
-              <a:t>allows </a:t>
-            </a:r>
-            <a:r>
-              <a:rPr lang="it-IT" dirty="0" err="1">
-                <a:solidFill>
-                  <a:schemeClr val="accent3"/>
-                </a:solidFill>
-              </a:rPr>
-              <a:t>confidentiality</a:t>
-            </a:r>
-            <a:r>
-              <a:rPr lang="en" dirty="0">
-                <a:solidFill>
-                  <a:schemeClr val="accent3"/>
-                </a:solidFill>
-              </a:rPr>
-              <a:t>, integrity and </a:t>
+              <a:t>garantendo autenticazione, integrità e </a:t>
             </a:r>
           </a:p>
           <a:p>
@@ -42554,7 +43139,7 @@
                   <a:schemeClr val="accent3"/>
                 </a:solidFill>
               </a:rPr>
-              <a:t>authentication</a:t>
+              <a:t>riservatezza</a:t>
             </a:r>
             <a:r>
               <a:rPr lang="it-IT" dirty="0">
@@ -42650,8 +43235,8 @@
         </p:nvSpPr>
         <p:spPr>
           <a:xfrm>
-            <a:off x="1672200" y="1245150"/>
-            <a:ext cx="5922000" cy="541200"/>
+            <a:off x="1672199" y="1245150"/>
+            <a:ext cx="6675383" cy="541200"/>
           </a:xfrm>
           <a:prstGeom prst="rect">
             <a:avLst/>
@@ -42674,7 +43259,7 @@
             </a:pPr>
             <a:r>
               <a:rPr lang="en" dirty="0"/>
-              <a:t>&lt; The security solutions adopted are cryptography and SSL communication &gt;</a:t>
+              <a:t>&lt; Le soluzioni sicure adottate sono l’uso della crittografia e della cominicazione SSL &gt;</a:t>
             </a:r>
             <a:endParaRPr dirty="0"/>
           </a:p>
@@ -43077,7 +43662,7 @@
                   <a:srgbClr val="00B050"/>
                 </a:solidFill>
               </a:rPr>
-              <a:t>/**********************************************************************</a:t>
+              <a:t>/*********************************************************************</a:t>
             </a:r>
           </a:p>
           <a:p>
@@ -43104,7 +43689,87 @@
                   <a:srgbClr val="00B050"/>
                 </a:solidFill>
               </a:rPr>
-              <a:t>AES-GCM is a block cipher provides authentication, confidentiality * </a:t>
+              <a:t>AES-GCM è un </a:t>
+            </a:r>
+            <a:r>
+              <a:rPr lang="en-US" sz="1300" dirty="0" err="1">
+                <a:solidFill>
+                  <a:srgbClr val="00B050"/>
+                </a:solidFill>
+              </a:rPr>
+              <a:t>cifrario</a:t>
+            </a:r>
+            <a:r>
+              <a:rPr lang="en-US" sz="1300" dirty="0">
+                <a:solidFill>
+                  <a:srgbClr val="00B050"/>
+                </a:solidFill>
+              </a:rPr>
+              <a:t> a </a:t>
+            </a:r>
+            <a:r>
+              <a:rPr lang="en-US" sz="1300" dirty="0" err="1">
+                <a:solidFill>
+                  <a:srgbClr val="00B050"/>
+                </a:solidFill>
+              </a:rPr>
+              <a:t>blocchi</a:t>
+            </a:r>
+            <a:r>
+              <a:rPr lang="en-US" sz="1300" dirty="0">
+                <a:solidFill>
+                  <a:srgbClr val="00B050"/>
+                </a:solidFill>
+              </a:rPr>
+              <a:t> </a:t>
+            </a:r>
+            <a:r>
+              <a:rPr lang="en-US" sz="1300" dirty="0" err="1">
+                <a:solidFill>
+                  <a:srgbClr val="00B050"/>
+                </a:solidFill>
+              </a:rPr>
+              <a:t>che</a:t>
+            </a:r>
+            <a:r>
+              <a:rPr lang="en-US" sz="1300" dirty="0">
+                <a:solidFill>
+                  <a:srgbClr val="00B050"/>
+                </a:solidFill>
+              </a:rPr>
+              <a:t> </a:t>
+            </a:r>
+            <a:r>
+              <a:rPr lang="en-US" sz="1300" dirty="0" err="1">
+                <a:solidFill>
+                  <a:srgbClr val="00B050"/>
+                </a:solidFill>
+              </a:rPr>
+              <a:t>garantisce</a:t>
+            </a:r>
+            <a:r>
+              <a:rPr lang="en-US" sz="1300" dirty="0">
+                <a:solidFill>
+                  <a:srgbClr val="00B050"/>
+                </a:solidFill>
+              </a:rPr>
+              <a:t> </a:t>
+            </a:r>
+            <a:r>
+              <a:rPr lang="en-US" sz="1300" dirty="0" err="1">
+                <a:solidFill>
+                  <a:srgbClr val="00B050"/>
+                </a:solidFill>
+              </a:rPr>
+              <a:t>autenticazione</a:t>
+            </a:r>
+            <a:r>
+              <a:rPr lang="en-US" sz="1300" dirty="0">
+                <a:solidFill>
+                  <a:srgbClr val="00B050"/>
+                </a:solidFill>
+              </a:rPr>
+              <a:t>,    *</a:t>
             </a:r>
           </a:p>
           <a:p>
@@ -43123,7 +43788,39 @@
                   <a:srgbClr val="00B050"/>
                 </a:solidFill>
               </a:rPr>
-              <a:t> * and integrity. 				     		     *</a:t>
+              <a:t> * </a:t>
+            </a:r>
+            <a:r>
+              <a:rPr lang="en-US" sz="1300" dirty="0" err="1">
+                <a:solidFill>
+                  <a:srgbClr val="00B050"/>
+                </a:solidFill>
+              </a:rPr>
+              <a:t>confidenzialità</a:t>
+            </a:r>
+            <a:r>
+              <a:rPr lang="en-US" sz="1300" dirty="0">
+                <a:solidFill>
+                  <a:srgbClr val="00B050"/>
+                </a:solidFill>
+              </a:rPr>
+              <a:t> e </a:t>
+            </a:r>
+            <a:r>
+              <a:rPr lang="en-US" sz="1300" dirty="0" err="1">
+                <a:solidFill>
+                  <a:srgbClr val="00B050"/>
+                </a:solidFill>
+              </a:rPr>
+              <a:t>integrità</a:t>
+            </a:r>
+            <a:r>
+              <a:rPr lang="en-US" sz="1300" dirty="0">
+                <a:solidFill>
+                  <a:srgbClr val="00B050"/>
+                </a:solidFill>
+              </a:rPr>
+              <a:t>. 		                  	    *</a:t>
             </a:r>
           </a:p>
           <a:p>
@@ -43150,7 +43847,7 @@
                   <a:srgbClr val="00B050"/>
                 </a:solidFill>
               </a:rPr>
-              <a:t>**********************************************************************/</a:t>
+              <a:t>*********************************************************************/</a:t>
             </a:r>
             <a:endParaRPr sz="1300" dirty="0">
               <a:solidFill>
@@ -43185,12 +43882,20 @@
               <a:t> </a:t>
             </a:r>
             <a:r>
+              <a:rPr lang="en-US" sz="1300" dirty="0" err="1">
+                <a:solidFill>
+                  <a:schemeClr val="accent3"/>
+                </a:solidFill>
+              </a:rPr>
+              <a:t>Abbiamo</a:t>
+            </a:r>
+            <a:r>
               <a:rPr lang="en-US" sz="1300" dirty="0">
                 <a:solidFill>
                   <a:schemeClr val="accent3"/>
                 </a:solidFill>
               </a:rPr>
-              <a:t>We have 4 input:</a:t>
+              <a:t> 4 input:</a:t>
             </a:r>
           </a:p>
           <a:p>
@@ -43732,7 +44437,7 @@
               </a:rPr>
               <a:t>{</a:t>
             </a:r>
-            <a:endParaRPr dirty="0">
+            <a:endParaRPr lang="en-US" dirty="0">
               <a:solidFill>
                 <a:schemeClr val="accent6"/>
               </a:solidFill>
@@ -43807,15 +44512,15 @@
                   <a:srgbClr val="00B050"/>
                 </a:solidFill>
               </a:rPr>
-              <a:t>The </a:t>
-            </a:r>
-            <a:r>
-              <a:rPr lang="en-US" sz="1300" b="1" dirty="0">
+              <a:t>La </a:t>
+            </a:r>
+            <a:r>
+              <a:rPr lang="en-US" sz="1300" b="1" dirty="0" err="1">
                 <a:solidFill>
                   <a:srgbClr val="00B050"/>
                 </a:solidFill>
               </a:rPr>
-              <a:t>key</a:t>
+              <a:t>chiave</a:t>
             </a:r>
             <a:r>
               <a:rPr lang="en-US" sz="1300" dirty="0">
@@ -43823,7 +44528,87 @@
                   <a:srgbClr val="00B050"/>
                 </a:solidFill>
               </a:rPr>
-              <a:t> must be generated randomly, for example by implementing    *</a:t>
+              <a:t> </a:t>
+            </a:r>
+            <a:r>
+              <a:rPr lang="en-US" sz="1300" dirty="0" err="1">
+                <a:solidFill>
+                  <a:srgbClr val="00B050"/>
+                </a:solidFill>
+              </a:rPr>
+              <a:t>deve</a:t>
+            </a:r>
+            <a:r>
+              <a:rPr lang="en-US" sz="1300" dirty="0">
+                <a:solidFill>
+                  <a:srgbClr val="00B050"/>
+                </a:solidFill>
+              </a:rPr>
+              <a:t> </a:t>
+            </a:r>
+            <a:r>
+              <a:rPr lang="en-US" sz="1300" dirty="0" err="1">
+                <a:solidFill>
+                  <a:srgbClr val="00B050"/>
+                </a:solidFill>
+              </a:rPr>
+              <a:t>essere</a:t>
+            </a:r>
+            <a:r>
+              <a:rPr lang="en-US" sz="1300" dirty="0">
+                <a:solidFill>
+                  <a:srgbClr val="00B050"/>
+                </a:solidFill>
+              </a:rPr>
+              <a:t> generate </a:t>
+            </a:r>
+            <a:r>
+              <a:rPr lang="en-US" sz="1300" dirty="0" err="1">
+                <a:solidFill>
+                  <a:srgbClr val="00B050"/>
+                </a:solidFill>
+              </a:rPr>
+              <a:t>casualmente</a:t>
+            </a:r>
+            <a:r>
+              <a:rPr lang="en-US" sz="1300" dirty="0">
+                <a:solidFill>
+                  <a:srgbClr val="00B050"/>
+                </a:solidFill>
+              </a:rPr>
+              <a:t>, ad </a:t>
+            </a:r>
+            <a:r>
+              <a:rPr lang="en-US" sz="1300" dirty="0" err="1">
+                <a:solidFill>
+                  <a:srgbClr val="00B050"/>
+                </a:solidFill>
+              </a:rPr>
+              <a:t>esempio</a:t>
+            </a:r>
+            <a:r>
+              <a:rPr lang="en-US" sz="1300" dirty="0">
+                <a:solidFill>
+                  <a:srgbClr val="00B050"/>
+                </a:solidFill>
+              </a:rPr>
+              <a:t> </a:t>
+            </a:r>
+            <a:r>
+              <a:rPr lang="en-US" sz="1300" dirty="0" err="1">
+                <a:solidFill>
+                  <a:srgbClr val="00B050"/>
+                </a:solidFill>
+              </a:rPr>
+              <a:t>utilizzando</a:t>
+            </a:r>
+            <a:r>
+              <a:rPr lang="en-US" sz="1300" dirty="0">
+                <a:solidFill>
+                  <a:srgbClr val="00B050"/>
+                </a:solidFill>
+              </a:rPr>
+              <a:t> *</a:t>
             </a:r>
           </a:p>
           <a:p>
@@ -43842,7 +44627,7 @@
                   <a:srgbClr val="00B050"/>
                 </a:solidFill>
               </a:rPr>
-              <a:t> * PUFs in Esp32. 				     		     *</a:t>
+              <a:t> * le response PUF in Esp32.			     	     *</a:t>
             </a:r>
           </a:p>
           <a:p>
@@ -43904,12 +44689,28 @@
               <a:t> </a:t>
             </a:r>
             <a:r>
-              <a:rPr lang="en-US" sz="1300" dirty="0">
+              <a:rPr lang="it-IT" sz="1300" dirty="0">
                 <a:solidFill>
                   <a:schemeClr val="accent3"/>
                 </a:solidFill>
               </a:rPr>
-              <a:t>This is useful because the PUF is used to create keys that are generated on-demand and instantaneously erased once used. The PUF key value never exists in digital form within the circuitry of the security IC and the key is derived and produced on-demand from physical characteristics of circuit elements, they are never present in the device’s nonvolatile memory </a:t>
+              <a:t>Ciò è utile perché un PUF viene utilizzato per creare chiavi che vengono generate su richiesta e cancellate una volta utilizzate. La chiave PUF non esiste in forma digitale all'interno del circuito integrato ed è derivata e prodotta su richiesta sfruttando le caratteristiche </a:t>
+            </a:r>
+            <a:r>
+              <a:rPr lang="it-IT" sz="1300" dirty="0" err="1">
+                <a:solidFill>
+                  <a:schemeClr val="accent3"/>
+                </a:solidFill>
+              </a:rPr>
+              <a:t>intrinsiche</a:t>
+            </a:r>
+            <a:r>
+              <a:rPr lang="it-IT" sz="1300" dirty="0">
+                <a:solidFill>
+                  <a:schemeClr val="accent3"/>
+                </a:solidFill>
+              </a:rPr>
+              <a:t> degli elementi del circuito </a:t>
             </a:r>
             <a:r>
               <a:rPr lang="en" sz="1300" dirty="0">
@@ -44034,10 +44835,10 @@
         </p:nvGrpSpPr>
         <p:grpSpPr>
           <a:xfrm>
-            <a:off x="1741713" y="3426691"/>
-            <a:ext cx="5047011" cy="819547"/>
-            <a:chOff x="1741713" y="3426691"/>
-            <a:chExt cx="5047011" cy="819547"/>
+            <a:off x="1741713" y="3367699"/>
+            <a:ext cx="5047011" cy="878539"/>
+            <a:chOff x="1741713" y="3367699"/>
+            <a:chExt cx="5047011" cy="878539"/>
           </a:xfrm>
         </p:grpSpPr>
         <p:cxnSp>
@@ -44050,7 +44851,7 @@
           </p:nvCxnSpPr>
           <p:spPr>
             <a:xfrm>
-              <a:off x="2280025" y="3426691"/>
+              <a:off x="2280025" y="3367699"/>
               <a:ext cx="0" cy="267854"/>
             </a:xfrm>
             <a:prstGeom prst="straightConnector1">
@@ -44136,7 +44937,103 @@
                   <a:cs typeface="Fira Code"/>
                   <a:sym typeface="Fira Code"/>
                 </a:rPr>
-                <a:t>In our case we have a hard-coded non-random   </a:t>
+                <a:t>Nel nostro </a:t>
+              </a:r>
+              <a:r>
+                <a:rPr lang="en-US" dirty="0" err="1">
+                  <a:solidFill>
+                    <a:schemeClr val="accent1"/>
+                  </a:solidFill>
+                  <a:latin typeface="Fira Code"/>
+                  <a:ea typeface="Fira Code"/>
+                  <a:cs typeface="Fira Code"/>
+                  <a:sym typeface="Fira Code"/>
+                </a:rPr>
+                <a:t>caso</a:t>
+              </a:r>
+              <a:r>
+                <a:rPr lang="en-US" dirty="0">
+                  <a:solidFill>
+                    <a:schemeClr val="accent1"/>
+                  </a:solidFill>
+                  <a:latin typeface="Fira Code"/>
+                  <a:ea typeface="Fira Code"/>
+                  <a:cs typeface="Fira Code"/>
+                  <a:sym typeface="Fira Code"/>
+                </a:rPr>
+                <a:t> </a:t>
+              </a:r>
+              <a:r>
+                <a:rPr lang="en-US" dirty="0" err="1">
+                  <a:solidFill>
+                    <a:schemeClr val="accent1"/>
+                  </a:solidFill>
+                  <a:latin typeface="Fira Code"/>
+                  <a:ea typeface="Fira Code"/>
+                  <a:cs typeface="Fira Code"/>
+                  <a:sym typeface="Fira Code"/>
+                </a:rPr>
+                <a:t>abbiamo</a:t>
+              </a:r>
+              <a:r>
+                <a:rPr lang="en-US" dirty="0">
+                  <a:solidFill>
+                    <a:schemeClr val="accent1"/>
+                  </a:solidFill>
+                  <a:latin typeface="Fira Code"/>
+                  <a:ea typeface="Fira Code"/>
+                  <a:cs typeface="Fira Code"/>
+                  <a:sym typeface="Fira Code"/>
+                </a:rPr>
+                <a:t> </a:t>
+              </a:r>
+              <a:r>
+                <a:rPr lang="en-US" dirty="0" err="1">
+                  <a:solidFill>
+                    <a:schemeClr val="accent1"/>
+                  </a:solidFill>
+                  <a:latin typeface="Fira Code"/>
+                  <a:ea typeface="Fira Code"/>
+                  <a:cs typeface="Fira Code"/>
+                  <a:sym typeface="Fira Code"/>
+                </a:rPr>
+                <a:t>una</a:t>
+              </a:r>
+              <a:r>
+                <a:rPr lang="en-US" dirty="0">
+                  <a:solidFill>
+                    <a:schemeClr val="accent1"/>
+                  </a:solidFill>
+                  <a:latin typeface="Fira Code"/>
+                  <a:ea typeface="Fira Code"/>
+                  <a:cs typeface="Fira Code"/>
+                  <a:sym typeface="Fira Code"/>
+                </a:rPr>
+                <a:t> </a:t>
+              </a:r>
+              <a:r>
+                <a:rPr lang="en-US" dirty="0" err="1">
+                  <a:solidFill>
+                    <a:schemeClr val="accent1"/>
+                  </a:solidFill>
+                  <a:latin typeface="Fira Code"/>
+                  <a:ea typeface="Fira Code"/>
+                  <a:cs typeface="Fira Code"/>
+                  <a:sym typeface="Fira Code"/>
+                </a:rPr>
+                <a:t>chiave</a:t>
+              </a:r>
+              <a:r>
+                <a:rPr lang="en-US" dirty="0">
+                  <a:solidFill>
+                    <a:schemeClr val="accent1"/>
+                  </a:solidFill>
+                  <a:latin typeface="Fira Code"/>
+                  <a:ea typeface="Fira Code"/>
+                  <a:cs typeface="Fira Code"/>
+                  <a:sym typeface="Fira Code"/>
+                </a:rPr>
+                <a:t> di test </a:t>
               </a:r>
             </a:p>
             <a:p>
@@ -44159,7 +45056,79 @@
                   <a:cs typeface="Fira Code"/>
                   <a:sym typeface="Fira Code"/>
                 </a:rPr>
-                <a:t>  test key </a:t>
+                <a:t>  </a:t>
+              </a:r>
+              <a:r>
+                <a:rPr lang="en-US" dirty="0" err="1">
+                  <a:solidFill>
+                    <a:schemeClr val="accent1"/>
+                  </a:solidFill>
+                  <a:latin typeface="Fira Code"/>
+                  <a:ea typeface="Fira Code"/>
+                  <a:cs typeface="Fira Code"/>
+                  <a:sym typeface="Fira Code"/>
+                </a:rPr>
+                <a:t>salvata</a:t>
+              </a:r>
+              <a:r>
+                <a:rPr lang="en-US" dirty="0">
+                  <a:solidFill>
+                    <a:schemeClr val="accent1"/>
+                  </a:solidFill>
+                  <a:latin typeface="Fira Code"/>
+                  <a:ea typeface="Fira Code"/>
+                  <a:cs typeface="Fira Code"/>
+                  <a:sym typeface="Fira Code"/>
+                </a:rPr>
+                <a:t> hard-coded </a:t>
+              </a:r>
+              <a:r>
+                <a:rPr lang="en-US" dirty="0" err="1">
+                  <a:solidFill>
+                    <a:schemeClr val="accent1"/>
+                  </a:solidFill>
+                  <a:latin typeface="Fira Code"/>
+                  <a:ea typeface="Fira Code"/>
+                  <a:cs typeface="Fira Code"/>
+                  <a:sym typeface="Fira Code"/>
+                </a:rPr>
+                <a:t>nel</a:t>
+              </a:r>
+              <a:r>
+                <a:rPr lang="en-US" dirty="0">
+                  <a:solidFill>
+                    <a:schemeClr val="accent1"/>
+                  </a:solidFill>
+                  <a:latin typeface="Fira Code"/>
+                  <a:ea typeface="Fira Code"/>
+                  <a:cs typeface="Fira Code"/>
+                  <a:sym typeface="Fira Code"/>
+                </a:rPr>
+                <a:t> </a:t>
+              </a:r>
+              <a:r>
+                <a:rPr lang="en-US" dirty="0" err="1">
+                  <a:solidFill>
+                    <a:schemeClr val="accent1"/>
+                  </a:solidFill>
+                  <a:latin typeface="Fira Code"/>
+                  <a:ea typeface="Fira Code"/>
+                  <a:cs typeface="Fira Code"/>
+                  <a:sym typeface="Fira Code"/>
+                </a:rPr>
+                <a:t>codice</a:t>
+              </a:r>
+              <a:r>
+                <a:rPr lang="en-US" dirty="0">
+                  <a:solidFill>
+                    <a:schemeClr val="accent1"/>
+                  </a:solidFill>
+                  <a:latin typeface="Fira Code"/>
+                  <a:ea typeface="Fira Code"/>
+                  <a:cs typeface="Fira Code"/>
+                  <a:sym typeface="Fira Code"/>
+                </a:rPr>
+                <a:t> Arduino </a:t>
               </a:r>
               <a:r>
                 <a:rPr lang="en" dirty="0">
@@ -44608,12 +45577,20 @@
               <a:t> * </a:t>
             </a:r>
             <a:r>
+              <a:rPr lang="en-US" sz="1300" dirty="0" err="1">
+                <a:solidFill>
+                  <a:srgbClr val="00B050"/>
+                </a:solidFill>
+              </a:rPr>
+              <a:t>Gli</a:t>
+            </a:r>
+            <a:r>
               <a:rPr lang="en-US" sz="1300" dirty="0">
                 <a:solidFill>
                   <a:srgbClr val="00B050"/>
                 </a:solidFill>
               </a:rPr>
-              <a:t>The </a:t>
+              <a:t> </a:t>
             </a:r>
             <a:r>
               <a:rPr lang="en-US" sz="1300" b="1" dirty="0">
@@ -44629,7 +45606,90 @@
                   <a:srgbClr val="00B050"/>
                 </a:solidFill>
               </a:rPr>
-              <a:t> are generated casually by Esp32 RNG Hardware.		 *     </a:t>
+              <a:t> </a:t>
+            </a:r>
+            <a:r>
+              <a:rPr lang="en-US" sz="1300" dirty="0" err="1">
+                <a:solidFill>
+                  <a:srgbClr val="00B050"/>
+                </a:solidFill>
+              </a:rPr>
+              <a:t>sono</a:t>
+            </a:r>
+            <a:r>
+              <a:rPr lang="en-US" sz="1300" dirty="0">
+                <a:solidFill>
+                  <a:srgbClr val="00B050"/>
+                </a:solidFill>
+              </a:rPr>
+              <a:t> </a:t>
+            </a:r>
+            <a:r>
+              <a:rPr lang="en-US" sz="1300" dirty="0" err="1">
+                <a:solidFill>
+                  <a:srgbClr val="00B050"/>
+                </a:solidFill>
+              </a:rPr>
+              <a:t>generati</a:t>
+            </a:r>
+            <a:r>
+              <a:rPr lang="en-US" sz="1300" dirty="0">
+                <a:solidFill>
+                  <a:srgbClr val="00B050"/>
+                </a:solidFill>
+              </a:rPr>
+              <a:t> </a:t>
+            </a:r>
+            <a:r>
+              <a:rPr lang="en-US" sz="1300" dirty="0" err="1">
+                <a:solidFill>
+                  <a:srgbClr val="00B050"/>
+                </a:solidFill>
+              </a:rPr>
+              <a:t>randomicamente</a:t>
+            </a:r>
+            <a:r>
+              <a:rPr lang="en-US" sz="1300" dirty="0">
+                <a:solidFill>
+                  <a:srgbClr val="00B050"/>
+                </a:solidFill>
+              </a:rPr>
+              <a:t> </a:t>
+            </a:r>
+            <a:r>
+              <a:rPr lang="en-US" sz="1300" dirty="0" err="1">
+                <a:solidFill>
+                  <a:srgbClr val="00B050"/>
+                </a:solidFill>
+              </a:rPr>
+              <a:t>sfruttando</a:t>
+            </a:r>
+            <a:r>
+              <a:rPr lang="en-US" sz="1300" dirty="0">
+                <a:solidFill>
+                  <a:srgbClr val="00B050"/>
+                </a:solidFill>
+              </a:rPr>
+              <a:t> RGN Hardware    *</a:t>
+            </a:r>
+          </a:p>
+          <a:p>
+            <a:pPr marL="0" lvl="0" indent="0" algn="l" rtl="0">
+              <a:spcBef>
+                <a:spcPts val="0"/>
+              </a:spcBef>
+              <a:spcAft>
+                <a:spcPts val="0"/>
+              </a:spcAft>
+              <a:buNone/>
+            </a:pPr>
+            <a:r>
+              <a:rPr lang="en-US" sz="1300" dirty="0">
+                <a:solidFill>
+                  <a:srgbClr val="00B050"/>
+                </a:solidFill>
+              </a:rPr>
+              <a:t> * dell’Esp32.						 *     </a:t>
             </a:r>
           </a:p>
           <a:p>
@@ -44688,7 +45748,23 @@
                   <a:schemeClr val="accent3"/>
                 </a:solidFill>
               </a:rPr>
-              <a:t>The function </a:t>
+              <a:t>La </a:t>
+            </a:r>
+            <a:r>
+              <a:rPr lang="en-US" sz="1300" dirty="0" err="1">
+                <a:solidFill>
+                  <a:schemeClr val="accent3"/>
+                </a:solidFill>
+              </a:rPr>
+              <a:t>funzione</a:t>
+            </a:r>
+            <a:r>
+              <a:rPr lang="en-US" sz="1300" dirty="0">
+                <a:solidFill>
+                  <a:schemeClr val="accent3"/>
+                </a:solidFill>
+              </a:rPr>
+              <a:t> </a:t>
             </a:r>
             <a:r>
               <a:rPr lang="en-US" sz="1300" dirty="0" err="1">
@@ -44716,7 +45792,7 @@
                   <a:schemeClr val="accent3"/>
                 </a:solidFill>
               </a:rPr>
-              <a:t>produces true random numbers if   Wi-Fi or Bluetooth are enabled. The function returns an integer of 32 bit, so the string IV is </a:t>
+              <a:t>produce </a:t>
             </a:r>
             <a:r>
               <a:rPr lang="en-US" sz="1300" dirty="0" err="1">
@@ -44724,7 +45800,7 @@
                   <a:schemeClr val="accent3"/>
                 </a:solidFill>
               </a:rPr>
-              <a:t>builded</a:t>
+              <a:t>dei</a:t>
             </a:r>
             <a:r>
               <a:rPr lang="en-US" sz="1300" dirty="0">
@@ -44732,7 +45808,215 @@
                   <a:schemeClr val="accent3"/>
                 </a:solidFill>
               </a:rPr>
-              <a:t> in append by generating more TRNs to output a 96-bit string (12 byte) </a:t>
+              <a:t> TRN solo se il Wi-Fi o il Bluetooth </a:t>
+            </a:r>
+            <a:r>
+              <a:rPr lang="en-US" sz="1300" dirty="0" err="1">
+                <a:solidFill>
+                  <a:schemeClr val="accent3"/>
+                </a:solidFill>
+              </a:rPr>
+              <a:t>sono</a:t>
+            </a:r>
+            <a:r>
+              <a:rPr lang="en-US" sz="1300" dirty="0">
+                <a:solidFill>
+                  <a:schemeClr val="accent3"/>
+                </a:solidFill>
+              </a:rPr>
+              <a:t> </a:t>
+            </a:r>
+            <a:r>
+              <a:rPr lang="en-US" sz="1300" dirty="0" err="1">
+                <a:solidFill>
+                  <a:schemeClr val="accent3"/>
+                </a:solidFill>
+              </a:rPr>
+              <a:t>attivi</a:t>
+            </a:r>
+            <a:r>
+              <a:rPr lang="en-US" sz="1300" dirty="0">
+                <a:solidFill>
+                  <a:schemeClr val="accent3"/>
+                </a:solidFill>
+              </a:rPr>
+              <a:t>. La </a:t>
+            </a:r>
+            <a:r>
+              <a:rPr lang="en-US" sz="1300" dirty="0" err="1">
+                <a:solidFill>
+                  <a:schemeClr val="accent3"/>
+                </a:solidFill>
+              </a:rPr>
+              <a:t>funzione</a:t>
+            </a:r>
+            <a:r>
+              <a:rPr lang="en-US" sz="1300" dirty="0">
+                <a:solidFill>
+                  <a:schemeClr val="accent3"/>
+                </a:solidFill>
+              </a:rPr>
+              <a:t> </a:t>
+            </a:r>
+            <a:r>
+              <a:rPr lang="en-US" sz="1300" dirty="0" err="1">
+                <a:solidFill>
+                  <a:schemeClr val="accent3"/>
+                </a:solidFill>
+              </a:rPr>
+              <a:t>ritorna</a:t>
+            </a:r>
+            <a:r>
+              <a:rPr lang="en-US" sz="1300" dirty="0">
+                <a:solidFill>
+                  <a:schemeClr val="accent3"/>
+                </a:solidFill>
+              </a:rPr>
+              <a:t> un </a:t>
+            </a:r>
+            <a:r>
+              <a:rPr lang="en-US" sz="1300" dirty="0" err="1">
+                <a:solidFill>
+                  <a:schemeClr val="accent3"/>
+                </a:solidFill>
+              </a:rPr>
+              <a:t>intero</a:t>
+            </a:r>
+            <a:r>
+              <a:rPr lang="en-US" sz="1300" dirty="0">
+                <a:solidFill>
+                  <a:schemeClr val="accent3"/>
+                </a:solidFill>
+              </a:rPr>
+              <a:t> di 32 bit, in </a:t>
+            </a:r>
+            <a:r>
+              <a:rPr lang="en-US" sz="1300" dirty="0" err="1">
+                <a:solidFill>
+                  <a:schemeClr val="accent3"/>
+                </a:solidFill>
+              </a:rPr>
+              <a:t>questo</a:t>
+            </a:r>
+            <a:r>
+              <a:rPr lang="en-US" sz="1300" dirty="0">
+                <a:solidFill>
+                  <a:schemeClr val="accent3"/>
+                </a:solidFill>
+              </a:rPr>
+              <a:t> modo la </a:t>
+            </a:r>
+            <a:r>
+              <a:rPr lang="en-US" sz="1300" dirty="0" err="1">
+                <a:solidFill>
+                  <a:schemeClr val="accent3"/>
+                </a:solidFill>
+              </a:rPr>
+              <a:t>stringa</a:t>
+            </a:r>
+            <a:r>
+              <a:rPr lang="en-US" sz="1300" dirty="0">
+                <a:solidFill>
+                  <a:schemeClr val="accent3"/>
+                </a:solidFill>
+              </a:rPr>
+              <a:t> IV è </a:t>
+            </a:r>
+            <a:r>
+              <a:rPr lang="en-US" sz="1300" dirty="0" err="1">
+                <a:solidFill>
+                  <a:schemeClr val="accent3"/>
+                </a:solidFill>
+              </a:rPr>
+              <a:t>costruita</a:t>
+            </a:r>
+            <a:r>
+              <a:rPr lang="en-US" sz="1300" dirty="0">
+                <a:solidFill>
+                  <a:schemeClr val="accent3"/>
+                </a:solidFill>
+              </a:rPr>
+              <a:t> in append </a:t>
+            </a:r>
+            <a:r>
+              <a:rPr lang="en-US" sz="1300" dirty="0" err="1">
+                <a:solidFill>
+                  <a:schemeClr val="accent3"/>
+                </a:solidFill>
+              </a:rPr>
+              <a:t>generando</a:t>
+            </a:r>
+            <a:r>
+              <a:rPr lang="en-US" sz="1300" dirty="0">
+                <a:solidFill>
+                  <a:schemeClr val="accent3"/>
+                </a:solidFill>
+              </a:rPr>
+              <a:t> </a:t>
+            </a:r>
+            <a:r>
+              <a:rPr lang="en-US" sz="1300" dirty="0" err="1">
+                <a:solidFill>
+                  <a:schemeClr val="accent3"/>
+                </a:solidFill>
+              </a:rPr>
+              <a:t>altri</a:t>
+            </a:r>
+            <a:r>
+              <a:rPr lang="en-US" sz="1300" dirty="0">
+                <a:solidFill>
+                  <a:schemeClr val="accent3"/>
+                </a:solidFill>
+              </a:rPr>
+              <a:t> TRN per </a:t>
+            </a:r>
+            <a:r>
+              <a:rPr lang="en-US" sz="1300" dirty="0" err="1">
+                <a:solidFill>
+                  <a:schemeClr val="accent3"/>
+                </a:solidFill>
+              </a:rPr>
+              <a:t>produrre</a:t>
+            </a:r>
+            <a:r>
+              <a:rPr lang="en-US" sz="1300" dirty="0">
+                <a:solidFill>
+                  <a:schemeClr val="accent3"/>
+                </a:solidFill>
+              </a:rPr>
+              <a:t> in output </a:t>
+            </a:r>
+            <a:r>
+              <a:rPr lang="en-US" sz="1300" dirty="0" err="1">
+                <a:solidFill>
+                  <a:schemeClr val="accent3"/>
+                </a:solidFill>
+              </a:rPr>
+              <a:t>una</a:t>
+            </a:r>
+            <a:r>
+              <a:rPr lang="en-US" sz="1300" dirty="0">
+                <a:solidFill>
+                  <a:schemeClr val="accent3"/>
+                </a:solidFill>
+              </a:rPr>
+              <a:t> </a:t>
+            </a:r>
+            <a:r>
+              <a:rPr lang="en-US" sz="1300" dirty="0" err="1">
+                <a:solidFill>
+                  <a:schemeClr val="accent3"/>
+                </a:solidFill>
+              </a:rPr>
+              <a:t>stringa</a:t>
+            </a:r>
+            <a:r>
+              <a:rPr lang="en-US" sz="1300" dirty="0">
+                <a:solidFill>
+                  <a:schemeClr val="accent3"/>
+                </a:solidFill>
+              </a:rPr>
+              <a:t> di 96 bit </a:t>
             </a:r>
             <a:r>
               <a:rPr lang="en" sz="1300" dirty="0">
@@ -44950,6 +46234,18 @@
                 <a:t> </a:t>
               </a:r>
               <a:r>
+                <a:rPr lang="en-US" dirty="0" err="1">
+                  <a:solidFill>
+                    <a:schemeClr val="accent1"/>
+                  </a:solidFill>
+                  <a:latin typeface="Fira Code"/>
+                  <a:ea typeface="Fira Code"/>
+                  <a:cs typeface="Fira Code"/>
+                  <a:sym typeface="Fira Code"/>
+                </a:rPr>
+                <a:t>Ogni</a:t>
+              </a:r>
+              <a:r>
                 <a:rPr lang="en-US" dirty="0">
                   <a:solidFill>
                     <a:schemeClr val="accent1"/>
@@ -44959,7 +46255,103 @@
                   <a:cs typeface="Fira Code"/>
                   <a:sym typeface="Fira Code"/>
                 </a:rPr>
-                <a:t>Every credential is own IV stored in clear </a:t>
+                <a:t> </a:t>
+              </a:r>
+              <a:r>
+                <a:rPr lang="en-US" dirty="0" err="1">
+                  <a:solidFill>
+                    <a:schemeClr val="accent1"/>
+                  </a:solidFill>
+                  <a:latin typeface="Fira Code"/>
+                  <a:ea typeface="Fira Code"/>
+                  <a:cs typeface="Fira Code"/>
+                  <a:sym typeface="Fira Code"/>
+                </a:rPr>
+                <a:t>credenziale</a:t>
+              </a:r>
+              <a:r>
+                <a:rPr lang="en-US" dirty="0">
+                  <a:solidFill>
+                    <a:schemeClr val="accent1"/>
+                  </a:solidFill>
+                  <a:latin typeface="Fira Code"/>
+                  <a:ea typeface="Fira Code"/>
+                  <a:cs typeface="Fira Code"/>
+                  <a:sym typeface="Fira Code"/>
+                </a:rPr>
+                <a:t> ha il </a:t>
+              </a:r>
+              <a:r>
+                <a:rPr lang="en-US" dirty="0" err="1">
+                  <a:solidFill>
+                    <a:schemeClr val="accent1"/>
+                  </a:solidFill>
+                  <a:latin typeface="Fira Code"/>
+                  <a:ea typeface="Fira Code"/>
+                  <a:cs typeface="Fira Code"/>
+                  <a:sym typeface="Fira Code"/>
+                </a:rPr>
+                <a:t>suo</a:t>
+              </a:r>
+              <a:r>
+                <a:rPr lang="en-US" dirty="0">
+                  <a:solidFill>
+                    <a:schemeClr val="accent1"/>
+                  </a:solidFill>
+                  <a:latin typeface="Fira Code"/>
+                  <a:ea typeface="Fira Code"/>
+                  <a:cs typeface="Fira Code"/>
+                  <a:sym typeface="Fira Code"/>
+                </a:rPr>
+                <a:t> IV </a:t>
+              </a:r>
+              <a:r>
+                <a:rPr lang="en-US" dirty="0" err="1">
+                  <a:solidFill>
+                    <a:schemeClr val="accent1"/>
+                  </a:solidFill>
+                  <a:latin typeface="Fira Code"/>
+                  <a:ea typeface="Fira Code"/>
+                  <a:cs typeface="Fira Code"/>
+                  <a:sym typeface="Fira Code"/>
+                </a:rPr>
+                <a:t>salvato</a:t>
+              </a:r>
+              <a:r>
+                <a:rPr lang="en-US" dirty="0">
+                  <a:solidFill>
+                    <a:schemeClr val="accent1"/>
+                  </a:solidFill>
+                  <a:latin typeface="Fira Code"/>
+                  <a:ea typeface="Fira Code"/>
+                  <a:cs typeface="Fira Code"/>
+                  <a:sym typeface="Fira Code"/>
+                </a:rPr>
+                <a:t> in </a:t>
+              </a:r>
+              <a:r>
+                <a:rPr lang="en-US" dirty="0" err="1">
+                  <a:solidFill>
+                    <a:schemeClr val="accent1"/>
+                  </a:solidFill>
+                  <a:latin typeface="Fira Code"/>
+                  <a:ea typeface="Fira Code"/>
+                  <a:cs typeface="Fira Code"/>
+                  <a:sym typeface="Fira Code"/>
+                </a:rPr>
+                <a:t>chiaro</a:t>
+              </a:r>
+              <a:r>
+                <a:rPr lang="en-US" dirty="0">
+                  <a:solidFill>
+                    <a:schemeClr val="accent1"/>
+                  </a:solidFill>
+                  <a:latin typeface="Fira Code"/>
+                  <a:ea typeface="Fira Code"/>
+                  <a:cs typeface="Fira Code"/>
+                  <a:sym typeface="Fira Code"/>
+                </a:rPr>
+                <a:t> </a:t>
               </a:r>
             </a:p>
             <a:p>
@@ -44982,7 +46374,127 @@
                   <a:cs typeface="Fira Code"/>
                   <a:sym typeface="Fira Code"/>
                 </a:rPr>
-                <a:t>  and IV associated changes at each new </a:t>
+                <a:t>  e </a:t>
+              </a:r>
+              <a:r>
+                <a:rPr lang="en-US" dirty="0" err="1">
+                  <a:solidFill>
+                    <a:schemeClr val="accent1"/>
+                  </a:solidFill>
+                  <a:latin typeface="Fira Code"/>
+                  <a:ea typeface="Fira Code"/>
+                  <a:cs typeface="Fira Code"/>
+                  <a:sym typeface="Fira Code"/>
+                </a:rPr>
+                <a:t>l’IV</a:t>
+              </a:r>
+              <a:r>
+                <a:rPr lang="en-US" dirty="0">
+                  <a:solidFill>
+                    <a:schemeClr val="accent1"/>
+                  </a:solidFill>
+                  <a:latin typeface="Fira Code"/>
+                  <a:ea typeface="Fira Code"/>
+                  <a:cs typeface="Fira Code"/>
+                  <a:sym typeface="Fira Code"/>
+                </a:rPr>
+                <a:t> </a:t>
+              </a:r>
+              <a:r>
+                <a:rPr lang="en-US" dirty="0" err="1">
+                  <a:solidFill>
+                    <a:schemeClr val="accent1"/>
+                  </a:solidFill>
+                  <a:latin typeface="Fira Code"/>
+                  <a:ea typeface="Fira Code"/>
+                  <a:cs typeface="Fira Code"/>
+                  <a:sym typeface="Fira Code"/>
+                </a:rPr>
+                <a:t>associato</a:t>
+              </a:r>
+              <a:r>
+                <a:rPr lang="en-US" dirty="0">
+                  <a:solidFill>
+                    <a:schemeClr val="accent1"/>
+                  </a:solidFill>
+                  <a:latin typeface="Fira Code"/>
+                  <a:ea typeface="Fira Code"/>
+                  <a:cs typeface="Fira Code"/>
+                  <a:sym typeface="Fira Code"/>
+                </a:rPr>
+                <a:t> cambia ad </a:t>
+              </a:r>
+              <a:r>
+                <a:rPr lang="en-US" dirty="0" err="1">
+                  <a:solidFill>
+                    <a:schemeClr val="accent1"/>
+                  </a:solidFill>
+                  <a:latin typeface="Fira Code"/>
+                  <a:ea typeface="Fira Code"/>
+                  <a:cs typeface="Fira Code"/>
+                  <a:sym typeface="Fira Code"/>
+                </a:rPr>
+                <a:t>ogni</a:t>
+              </a:r>
+              <a:r>
+                <a:rPr lang="en-US" dirty="0">
+                  <a:solidFill>
+                    <a:schemeClr val="accent1"/>
+                  </a:solidFill>
+                  <a:latin typeface="Fira Code"/>
+                  <a:ea typeface="Fira Code"/>
+                  <a:cs typeface="Fira Code"/>
+                  <a:sym typeface="Fira Code"/>
+                </a:rPr>
+                <a:t> </a:t>
+              </a:r>
+              <a:r>
+                <a:rPr lang="en-US" dirty="0" err="1">
+                  <a:solidFill>
+                    <a:schemeClr val="accent1"/>
+                  </a:solidFill>
+                  <a:latin typeface="Fira Code"/>
+                  <a:ea typeface="Fira Code"/>
+                  <a:cs typeface="Fira Code"/>
+                  <a:sym typeface="Fira Code"/>
+                </a:rPr>
+                <a:t>cifratura</a:t>
+              </a:r>
+              <a:r>
+                <a:rPr lang="en-US" dirty="0">
+                  <a:solidFill>
+                    <a:schemeClr val="accent1"/>
+                  </a:solidFill>
+                  <a:latin typeface="Fira Code"/>
+                  <a:ea typeface="Fira Code"/>
+                  <a:cs typeface="Fira Code"/>
+                  <a:sym typeface="Fira Code"/>
+                </a:rPr>
+                <a:t> </a:t>
+              </a:r>
+              <a:r>
+                <a:rPr lang="en-US" dirty="0" err="1">
+                  <a:solidFill>
+                    <a:schemeClr val="accent1"/>
+                  </a:solidFill>
+                  <a:latin typeface="Fira Code"/>
+                  <a:ea typeface="Fira Code"/>
+                  <a:cs typeface="Fira Code"/>
+                  <a:sym typeface="Fira Code"/>
+                </a:rPr>
+                <a:t>della</a:t>
+              </a:r>
+              <a:r>
+                <a:rPr lang="en-US" dirty="0">
+                  <a:solidFill>
+                    <a:schemeClr val="accent1"/>
+                  </a:solidFill>
+                  <a:latin typeface="Fira Code"/>
+                  <a:ea typeface="Fira Code"/>
+                  <a:cs typeface="Fira Code"/>
+                  <a:sym typeface="Fira Code"/>
+                </a:rPr>
+                <a:t> </a:t>
               </a:r>
             </a:p>
             <a:p>
@@ -45005,7 +46517,55 @@
                   <a:cs typeface="Fira Code"/>
                   <a:sym typeface="Fira Code"/>
                 </a:rPr>
-                <a:t>  encryption of the same credential </a:t>
+                <a:t>  </a:t>
+              </a:r>
+              <a:r>
+                <a:rPr lang="en-US" dirty="0" err="1">
+                  <a:solidFill>
+                    <a:schemeClr val="accent1"/>
+                  </a:solidFill>
+                  <a:latin typeface="Fira Code"/>
+                  <a:ea typeface="Fira Code"/>
+                  <a:cs typeface="Fira Code"/>
+                  <a:sym typeface="Fira Code"/>
+                </a:rPr>
+                <a:t>stessa</a:t>
+              </a:r>
+              <a:r>
+                <a:rPr lang="en-US" dirty="0">
+                  <a:solidFill>
+                    <a:schemeClr val="accent1"/>
+                  </a:solidFill>
+                  <a:latin typeface="Fira Code"/>
+                  <a:ea typeface="Fira Code"/>
+                  <a:cs typeface="Fira Code"/>
+                  <a:sym typeface="Fira Code"/>
+                </a:rPr>
+                <a:t> </a:t>
+              </a:r>
+              <a:r>
+                <a:rPr lang="en-US" dirty="0" err="1">
+                  <a:solidFill>
+                    <a:schemeClr val="accent1"/>
+                  </a:solidFill>
+                  <a:latin typeface="Fira Code"/>
+                  <a:ea typeface="Fira Code"/>
+                  <a:cs typeface="Fira Code"/>
+                  <a:sym typeface="Fira Code"/>
+                </a:rPr>
+                <a:t>credenziale</a:t>
+              </a:r>
+              <a:r>
+                <a:rPr lang="en-US" dirty="0">
+                  <a:solidFill>
+                    <a:schemeClr val="accent1"/>
+                  </a:solidFill>
+                  <a:latin typeface="Fira Code"/>
+                  <a:ea typeface="Fira Code"/>
+                  <a:cs typeface="Fira Code"/>
+                  <a:sym typeface="Fira Code"/>
+                </a:rPr>
+                <a:t> </a:t>
               </a:r>
               <a:r>
                 <a:rPr lang="en" dirty="0">
@@ -45196,7 +46756,7 @@
         </p:nvSpPr>
         <p:spPr>
           <a:xfrm>
-            <a:off x="7053657" y="2910488"/>
+            <a:off x="7252696" y="2861933"/>
             <a:ext cx="1484780" cy="1415742"/>
           </a:xfrm>
           <a:prstGeom prst="rect">
@@ -45378,7 +46938,7 @@
                   <a:schemeClr val="accent1"/>
                 </a:solidFill>
               </a:rPr>
-              <a:t>Introduction</a:t>
+              <a:t>Introduzione</a:t>
             </a:r>
             <a:r>
               <a:rPr lang="en" dirty="0">
@@ -45417,7 +46977,7 @@
         <p:spPr>
           <a:xfrm>
             <a:off x="3038363" y="2448125"/>
-            <a:ext cx="4298268" cy="783000"/>
+            <a:ext cx="4647774" cy="783000"/>
           </a:xfrm>
           <a:prstGeom prst="rect">
             <a:avLst/>
@@ -45440,7 +47000,7 @@
             </a:pPr>
             <a:r>
               <a:rPr lang="en" dirty="0"/>
-              <a:t>/* What is a PassWord Manager </a:t>
+              <a:t>/* Cos’è un PassWord Manager </a:t>
             </a:r>
           </a:p>
           <a:p>
@@ -45455,7 +47015,7 @@
             </a:pPr>
             <a:r>
               <a:rPr lang="en" dirty="0"/>
-              <a:t>   and PassChain device */</a:t>
+              <a:t>   e il dispositivo PassChain */</a:t>
             </a:r>
             <a:endParaRPr dirty="0"/>
           </a:p>
@@ -45802,23 +47362,7 @@
                   <a:srgbClr val="00B050"/>
                 </a:solidFill>
               </a:rPr>
-              <a:t>AES Ad</a:t>
-            </a:r>
-            <a:r>
-              <a:rPr lang="it-IT" sz="2000" dirty="0" err="1">
-                <a:solidFill>
-                  <a:srgbClr val="00B050"/>
-                </a:solidFill>
-              </a:rPr>
-              <a:t>vantages</a:t>
-            </a:r>
-            <a:r>
-              <a:rPr lang="en" sz="2000" dirty="0">
-                <a:solidFill>
-                  <a:srgbClr val="00B050"/>
-                </a:solidFill>
-              </a:rPr>
-              <a:t>: </a:t>
+              <a:t>Vantaggi AES: </a:t>
             </a:r>
             <a:r>
               <a:rPr lang="en" sz="2400" dirty="0">
@@ -45995,7 +47539,7 @@
               <a:buNone/>
             </a:pPr>
             <a:r>
-              <a:rPr lang="en-US" dirty="0">
+              <a:rPr lang="en-US" dirty="0" err="1">
                 <a:solidFill>
                   <a:schemeClr val="accent3"/>
                 </a:solidFill>
@@ -46004,7 +47548,19 @@
                 <a:cs typeface="Fira Code"/>
                 <a:sym typeface="Fira Code"/>
               </a:rPr>
-              <a:t>It is a fast algorithm</a:t>
+              <a:t>Algoritmo</a:t>
+            </a:r>
+            <a:r>
+              <a:rPr lang="en-US" dirty="0">
+                <a:solidFill>
+                  <a:schemeClr val="accent3"/>
+                </a:solidFill>
+                <a:latin typeface="Fira Code"/>
+                <a:ea typeface="Fira Code"/>
+                <a:cs typeface="Fira Code"/>
+                <a:sym typeface="Fira Code"/>
+              </a:rPr>
+              <a:t> veloce</a:t>
             </a:r>
             <a:endParaRPr dirty="0">
               <a:solidFill>
@@ -46084,8 +47640,8 @@
         </p:nvSpPr>
         <p:spPr>
           <a:xfrm>
-            <a:off x="3326925" y="1984008"/>
-            <a:ext cx="4320784" cy="584400"/>
+            <a:off x="3326924" y="1984008"/>
+            <a:ext cx="4758073" cy="584400"/>
           </a:xfrm>
           <a:prstGeom prst="rect">
             <a:avLst/>
@@ -46120,7 +47676,151 @@
                 <a:cs typeface="Fira Code"/>
                 <a:sym typeface="Fira Code"/>
               </a:rPr>
-              <a:t>The key can be 128 – 192 – 296 bit long not allowing brute force attacks</a:t>
+              <a:t>La </a:t>
+            </a:r>
+            <a:r>
+              <a:rPr lang="en-US" dirty="0" err="1">
+                <a:solidFill>
+                  <a:schemeClr val="accent3"/>
+                </a:solidFill>
+                <a:latin typeface="Fira Code"/>
+                <a:ea typeface="Fira Code"/>
+                <a:cs typeface="Fira Code"/>
+                <a:sym typeface="Fira Code"/>
+              </a:rPr>
+              <a:t>chiave</a:t>
+            </a:r>
+            <a:r>
+              <a:rPr lang="en-US" dirty="0">
+                <a:solidFill>
+                  <a:schemeClr val="accent3"/>
+                </a:solidFill>
+                <a:latin typeface="Fira Code"/>
+                <a:ea typeface="Fira Code"/>
+                <a:cs typeface="Fira Code"/>
+                <a:sym typeface="Fira Code"/>
+              </a:rPr>
+              <a:t> </a:t>
+            </a:r>
+            <a:r>
+              <a:rPr lang="en-US" dirty="0" err="1">
+                <a:solidFill>
+                  <a:schemeClr val="accent3"/>
+                </a:solidFill>
+                <a:latin typeface="Fira Code"/>
+                <a:ea typeface="Fira Code"/>
+                <a:cs typeface="Fira Code"/>
+                <a:sym typeface="Fira Code"/>
+              </a:rPr>
+              <a:t>può</a:t>
+            </a:r>
+            <a:r>
+              <a:rPr lang="en-US" dirty="0">
+                <a:solidFill>
+                  <a:schemeClr val="accent3"/>
+                </a:solidFill>
+                <a:latin typeface="Fira Code"/>
+                <a:ea typeface="Fira Code"/>
+                <a:cs typeface="Fira Code"/>
+                <a:sym typeface="Fira Code"/>
+              </a:rPr>
+              <a:t> </a:t>
+            </a:r>
+            <a:r>
+              <a:rPr lang="en-US" dirty="0" err="1">
+                <a:solidFill>
+                  <a:schemeClr val="accent3"/>
+                </a:solidFill>
+                <a:latin typeface="Fira Code"/>
+                <a:ea typeface="Fira Code"/>
+                <a:cs typeface="Fira Code"/>
+                <a:sym typeface="Fira Code"/>
+              </a:rPr>
+              <a:t>essere</a:t>
+            </a:r>
+            <a:r>
+              <a:rPr lang="en-US" dirty="0">
+                <a:solidFill>
+                  <a:schemeClr val="accent3"/>
+                </a:solidFill>
+                <a:latin typeface="Fira Code"/>
+                <a:ea typeface="Fira Code"/>
+                <a:cs typeface="Fira Code"/>
+                <a:sym typeface="Fira Code"/>
+              </a:rPr>
+              <a:t> </a:t>
+            </a:r>
+            <a:r>
+              <a:rPr lang="en-US" dirty="0" err="1">
+                <a:solidFill>
+                  <a:schemeClr val="accent3"/>
+                </a:solidFill>
+                <a:latin typeface="Fira Code"/>
+                <a:ea typeface="Fira Code"/>
+                <a:cs typeface="Fira Code"/>
+                <a:sym typeface="Fira Code"/>
+              </a:rPr>
+              <a:t>lunga</a:t>
+            </a:r>
+            <a:r>
+              <a:rPr lang="en-US" dirty="0">
+                <a:solidFill>
+                  <a:schemeClr val="accent3"/>
+                </a:solidFill>
+                <a:latin typeface="Fira Code"/>
+                <a:ea typeface="Fira Code"/>
+                <a:cs typeface="Fira Code"/>
+                <a:sym typeface="Fira Code"/>
+              </a:rPr>
+              <a:t> 128 – 192 – 296 bit non </a:t>
+            </a:r>
+            <a:r>
+              <a:rPr lang="en-US" dirty="0" err="1">
+                <a:solidFill>
+                  <a:schemeClr val="accent3"/>
+                </a:solidFill>
+                <a:latin typeface="Fira Code"/>
+                <a:ea typeface="Fira Code"/>
+                <a:cs typeface="Fira Code"/>
+                <a:sym typeface="Fira Code"/>
+              </a:rPr>
+              <a:t>permettendo</a:t>
+            </a:r>
+            <a:r>
+              <a:rPr lang="en-US" dirty="0">
+                <a:solidFill>
+                  <a:schemeClr val="accent3"/>
+                </a:solidFill>
+                <a:latin typeface="Fira Code"/>
+                <a:ea typeface="Fira Code"/>
+                <a:cs typeface="Fira Code"/>
+                <a:sym typeface="Fira Code"/>
+              </a:rPr>
+              <a:t> </a:t>
+            </a:r>
+            <a:r>
+              <a:rPr lang="en-US" dirty="0" err="1">
+                <a:solidFill>
+                  <a:schemeClr val="accent3"/>
+                </a:solidFill>
+                <a:latin typeface="Fira Code"/>
+                <a:ea typeface="Fira Code"/>
+                <a:cs typeface="Fira Code"/>
+                <a:sym typeface="Fira Code"/>
+              </a:rPr>
+              <a:t>attacchi</a:t>
+            </a:r>
+            <a:r>
+              <a:rPr lang="en-US" dirty="0">
+                <a:solidFill>
+                  <a:schemeClr val="accent3"/>
+                </a:solidFill>
+                <a:latin typeface="Fira Code"/>
+                <a:ea typeface="Fira Code"/>
+                <a:cs typeface="Fira Code"/>
+                <a:sym typeface="Fira Code"/>
+              </a:rPr>
+              <a:t> di brute force</a:t>
             </a:r>
           </a:p>
         </p:txBody>
@@ -46191,8 +47891,8 @@
         </p:nvSpPr>
         <p:spPr>
           <a:xfrm>
-            <a:off x="3764225" y="2706567"/>
-            <a:ext cx="3981300" cy="584400"/>
+            <a:off x="3764224" y="2706567"/>
+            <a:ext cx="4320779" cy="584400"/>
           </a:xfrm>
           <a:prstGeom prst="rect">
             <a:avLst/>
@@ -46218,7 +47918,7 @@
               <a:buNone/>
             </a:pPr>
             <a:r>
-              <a:rPr lang="en-US">
+              <a:rPr lang="en-US" dirty="0">
                 <a:solidFill>
                   <a:schemeClr val="accent3"/>
                 </a:solidFill>
@@ -46227,7 +47927,79 @@
                 <a:cs typeface="Fira Code"/>
                 <a:sym typeface="Fira Code"/>
               </a:rPr>
-              <a:t>The block size is 128 bits</a:t>
+              <a:t>La </a:t>
+            </a:r>
+            <a:r>
+              <a:rPr lang="en-US" dirty="0" err="1">
+                <a:solidFill>
+                  <a:schemeClr val="accent3"/>
+                </a:solidFill>
+                <a:latin typeface="Fira Code"/>
+                <a:ea typeface="Fira Code"/>
+                <a:cs typeface="Fira Code"/>
+                <a:sym typeface="Fira Code"/>
+              </a:rPr>
+              <a:t>taglia</a:t>
+            </a:r>
+            <a:r>
+              <a:rPr lang="en-US" dirty="0">
+                <a:solidFill>
+                  <a:schemeClr val="accent3"/>
+                </a:solidFill>
+                <a:latin typeface="Fira Code"/>
+                <a:ea typeface="Fira Code"/>
+                <a:cs typeface="Fira Code"/>
+                <a:sym typeface="Fira Code"/>
+              </a:rPr>
+              <a:t> di </a:t>
+            </a:r>
+            <a:r>
+              <a:rPr lang="en-US" dirty="0" err="1">
+                <a:solidFill>
+                  <a:schemeClr val="accent3"/>
+                </a:solidFill>
+                <a:latin typeface="Fira Code"/>
+                <a:ea typeface="Fira Code"/>
+                <a:cs typeface="Fira Code"/>
+                <a:sym typeface="Fira Code"/>
+              </a:rPr>
+              <a:t>ogni</a:t>
+            </a:r>
+            <a:r>
+              <a:rPr lang="en-US" dirty="0">
+                <a:solidFill>
+                  <a:schemeClr val="accent3"/>
+                </a:solidFill>
+                <a:latin typeface="Fira Code"/>
+                <a:ea typeface="Fira Code"/>
+                <a:cs typeface="Fira Code"/>
+                <a:sym typeface="Fira Code"/>
+              </a:rPr>
+              <a:t> </a:t>
+            </a:r>
+            <a:r>
+              <a:rPr lang="en-US" dirty="0" err="1">
+                <a:solidFill>
+                  <a:schemeClr val="accent3"/>
+                </a:solidFill>
+                <a:latin typeface="Fira Code"/>
+                <a:ea typeface="Fira Code"/>
+                <a:cs typeface="Fira Code"/>
+                <a:sym typeface="Fira Code"/>
+              </a:rPr>
+              <a:t>blocco</a:t>
+            </a:r>
+            <a:r>
+              <a:rPr lang="en-US" dirty="0">
+                <a:solidFill>
+                  <a:schemeClr val="accent3"/>
+                </a:solidFill>
+                <a:latin typeface="Fira Code"/>
+                <a:ea typeface="Fira Code"/>
+                <a:cs typeface="Fira Code"/>
+                <a:sym typeface="Fira Code"/>
+              </a:rPr>
+              <a:t> è di 128 bit</a:t>
             </a:r>
             <a:endParaRPr dirty="0">
               <a:solidFill>
@@ -46343,7 +48115,127 @@
                 <a:cs typeface="Fira Code"/>
                 <a:sym typeface="Fira Code"/>
               </a:rPr>
-              <a:t>GCM mode allows authentication, confidentiality and integrity  </a:t>
+              <a:t>La </a:t>
+            </a:r>
+            <a:r>
+              <a:rPr lang="en-US" dirty="0" err="1">
+                <a:solidFill>
+                  <a:schemeClr val="accent3"/>
+                </a:solidFill>
+                <a:latin typeface="Fira Code"/>
+                <a:ea typeface="Fira Code"/>
+                <a:cs typeface="Fira Code"/>
+                <a:sym typeface="Fira Code"/>
+              </a:rPr>
+              <a:t>modalità</a:t>
+            </a:r>
+            <a:r>
+              <a:rPr lang="en-US" dirty="0">
+                <a:solidFill>
+                  <a:schemeClr val="accent3"/>
+                </a:solidFill>
+                <a:latin typeface="Fira Code"/>
+                <a:ea typeface="Fira Code"/>
+                <a:cs typeface="Fira Code"/>
+                <a:sym typeface="Fira Code"/>
+              </a:rPr>
+              <a:t> GCM </a:t>
+            </a:r>
+            <a:r>
+              <a:rPr lang="en-US" dirty="0" err="1">
+                <a:solidFill>
+                  <a:schemeClr val="accent3"/>
+                </a:solidFill>
+                <a:latin typeface="Fira Code"/>
+                <a:ea typeface="Fira Code"/>
+                <a:cs typeface="Fira Code"/>
+                <a:sym typeface="Fira Code"/>
+              </a:rPr>
+              <a:t>garantisce</a:t>
+            </a:r>
+            <a:r>
+              <a:rPr lang="en-US" dirty="0">
+                <a:solidFill>
+                  <a:schemeClr val="accent3"/>
+                </a:solidFill>
+                <a:latin typeface="Fira Code"/>
+                <a:ea typeface="Fira Code"/>
+                <a:cs typeface="Fira Code"/>
+                <a:sym typeface="Fira Code"/>
+              </a:rPr>
+              <a:t> </a:t>
+            </a:r>
+            <a:r>
+              <a:rPr lang="en-US" dirty="0" err="1">
+                <a:solidFill>
+                  <a:schemeClr val="accent3"/>
+                </a:solidFill>
+                <a:latin typeface="Fira Code"/>
+                <a:ea typeface="Fira Code"/>
+                <a:cs typeface="Fira Code"/>
+                <a:sym typeface="Fira Code"/>
+              </a:rPr>
+              <a:t>autenticazione</a:t>
+            </a:r>
+            <a:r>
+              <a:rPr lang="en-US" dirty="0">
+                <a:solidFill>
+                  <a:schemeClr val="accent3"/>
+                </a:solidFill>
+                <a:latin typeface="Fira Code"/>
+                <a:ea typeface="Fira Code"/>
+                <a:cs typeface="Fira Code"/>
+                <a:sym typeface="Fira Code"/>
+              </a:rPr>
+              <a:t>, </a:t>
+            </a:r>
+            <a:r>
+              <a:rPr lang="en-US" dirty="0" err="1">
+                <a:solidFill>
+                  <a:schemeClr val="accent3"/>
+                </a:solidFill>
+                <a:latin typeface="Fira Code"/>
+                <a:ea typeface="Fira Code"/>
+                <a:cs typeface="Fira Code"/>
+                <a:sym typeface="Fira Code"/>
+              </a:rPr>
+              <a:t>riservatezza</a:t>
+            </a:r>
+            <a:r>
+              <a:rPr lang="en-US" dirty="0">
+                <a:solidFill>
+                  <a:schemeClr val="accent3"/>
+                </a:solidFill>
+                <a:latin typeface="Fira Code"/>
+                <a:ea typeface="Fira Code"/>
+                <a:cs typeface="Fira Code"/>
+                <a:sym typeface="Fira Code"/>
+              </a:rPr>
+              <a:t> e </a:t>
+            </a:r>
+            <a:r>
+              <a:rPr lang="en-US" dirty="0" err="1">
+                <a:solidFill>
+                  <a:schemeClr val="accent3"/>
+                </a:solidFill>
+                <a:latin typeface="Fira Code"/>
+                <a:ea typeface="Fira Code"/>
+                <a:cs typeface="Fira Code"/>
+                <a:sym typeface="Fira Code"/>
+              </a:rPr>
+              <a:t>integrità</a:t>
+            </a:r>
+            <a:r>
+              <a:rPr lang="en-US" dirty="0">
+                <a:solidFill>
+                  <a:schemeClr val="accent3"/>
+                </a:solidFill>
+                <a:latin typeface="Fira Code"/>
+                <a:ea typeface="Fira Code"/>
+                <a:cs typeface="Fira Code"/>
+                <a:sym typeface="Fira Code"/>
+              </a:rPr>
+              <a:t>  </a:t>
             </a:r>
             <a:endParaRPr dirty="0">
               <a:solidFill>
@@ -46872,23 +48764,7 @@
                   <a:srgbClr val="00B050"/>
                 </a:solidFill>
               </a:rPr>
-              <a:t>AES </a:t>
-            </a:r>
-            <a:r>
-              <a:rPr lang="it-IT" sz="2000" dirty="0" err="1">
-                <a:solidFill>
-                  <a:srgbClr val="00B050"/>
-                </a:solidFill>
-              </a:rPr>
-              <a:t>Disadvantages</a:t>
-            </a:r>
-            <a:r>
-              <a:rPr lang="en" sz="2000" dirty="0">
-                <a:solidFill>
-                  <a:srgbClr val="00B050"/>
-                </a:solidFill>
-              </a:rPr>
-              <a:t>: </a:t>
+              <a:t>Svantaggi AES: </a:t>
             </a:r>
             <a:r>
               <a:rPr lang="en" sz="2400" dirty="0">
@@ -47074,7 +48950,151 @@
                 <a:cs typeface="Fira Code"/>
                 <a:sym typeface="Fira Code"/>
               </a:rPr>
-              <a:t>In the case of nonce reuse both integrity and confidentiality properties are violated</a:t>
+              <a:t>Se il nonce </a:t>
+            </a:r>
+            <a:r>
+              <a:rPr lang="en-US" dirty="0" err="1">
+                <a:solidFill>
+                  <a:schemeClr val="accent3"/>
+                </a:solidFill>
+                <a:latin typeface="Fira Code"/>
+                <a:ea typeface="Fira Code"/>
+                <a:cs typeface="Fira Code"/>
+                <a:sym typeface="Fira Code"/>
+              </a:rPr>
+              <a:t>viene</a:t>
+            </a:r>
+            <a:r>
+              <a:rPr lang="en-US" dirty="0">
+                <a:solidFill>
+                  <a:schemeClr val="accent3"/>
+                </a:solidFill>
+                <a:latin typeface="Fira Code"/>
+                <a:ea typeface="Fira Code"/>
+                <a:cs typeface="Fira Code"/>
+                <a:sym typeface="Fira Code"/>
+              </a:rPr>
+              <a:t> </a:t>
+            </a:r>
+            <a:r>
+              <a:rPr lang="en-US" dirty="0" err="1">
+                <a:solidFill>
+                  <a:schemeClr val="accent3"/>
+                </a:solidFill>
+                <a:latin typeface="Fira Code"/>
+                <a:ea typeface="Fira Code"/>
+                <a:cs typeface="Fira Code"/>
+                <a:sym typeface="Fira Code"/>
+              </a:rPr>
+              <a:t>riutilizzato</a:t>
+            </a:r>
+            <a:r>
+              <a:rPr lang="en-US" dirty="0">
+                <a:solidFill>
+                  <a:schemeClr val="accent3"/>
+                </a:solidFill>
+                <a:latin typeface="Fira Code"/>
+                <a:ea typeface="Fira Code"/>
+                <a:cs typeface="Fira Code"/>
+                <a:sym typeface="Fira Code"/>
+              </a:rPr>
+              <a:t> le </a:t>
+            </a:r>
+            <a:r>
+              <a:rPr lang="en-US" dirty="0" err="1">
+                <a:solidFill>
+                  <a:schemeClr val="accent3"/>
+                </a:solidFill>
+                <a:latin typeface="Fira Code"/>
+                <a:ea typeface="Fira Code"/>
+                <a:cs typeface="Fira Code"/>
+                <a:sym typeface="Fira Code"/>
+              </a:rPr>
+              <a:t>proprietà</a:t>
+            </a:r>
+            <a:r>
+              <a:rPr lang="en-US" dirty="0">
+                <a:solidFill>
+                  <a:schemeClr val="accent3"/>
+                </a:solidFill>
+                <a:latin typeface="Fira Code"/>
+                <a:ea typeface="Fira Code"/>
+                <a:cs typeface="Fira Code"/>
+                <a:sym typeface="Fira Code"/>
+              </a:rPr>
+              <a:t> di </a:t>
+            </a:r>
+            <a:r>
+              <a:rPr lang="en-US" dirty="0" err="1">
+                <a:solidFill>
+                  <a:schemeClr val="accent3"/>
+                </a:solidFill>
+                <a:latin typeface="Fira Code"/>
+                <a:ea typeface="Fira Code"/>
+                <a:cs typeface="Fira Code"/>
+                <a:sym typeface="Fira Code"/>
+              </a:rPr>
+              <a:t>riservatezza</a:t>
+            </a:r>
+            <a:r>
+              <a:rPr lang="en-US" dirty="0">
+                <a:solidFill>
+                  <a:schemeClr val="accent3"/>
+                </a:solidFill>
+                <a:latin typeface="Fira Code"/>
+                <a:ea typeface="Fira Code"/>
+                <a:cs typeface="Fira Code"/>
+                <a:sym typeface="Fira Code"/>
+              </a:rPr>
+              <a:t> e </a:t>
+            </a:r>
+            <a:r>
+              <a:rPr lang="en-US" dirty="0" err="1">
+                <a:solidFill>
+                  <a:schemeClr val="accent3"/>
+                </a:solidFill>
+                <a:latin typeface="Fira Code"/>
+                <a:ea typeface="Fira Code"/>
+                <a:cs typeface="Fira Code"/>
+                <a:sym typeface="Fira Code"/>
+              </a:rPr>
+              <a:t>integrità</a:t>
+            </a:r>
+            <a:r>
+              <a:rPr lang="en-US" dirty="0">
+                <a:solidFill>
+                  <a:schemeClr val="accent3"/>
+                </a:solidFill>
+                <a:latin typeface="Fira Code"/>
+                <a:ea typeface="Fira Code"/>
+                <a:cs typeface="Fira Code"/>
+                <a:sym typeface="Fira Code"/>
+              </a:rPr>
+              <a:t> </a:t>
+            </a:r>
+            <a:r>
+              <a:rPr lang="en-US" dirty="0" err="1">
+                <a:solidFill>
+                  <a:schemeClr val="accent3"/>
+                </a:solidFill>
+                <a:latin typeface="Fira Code"/>
+                <a:ea typeface="Fira Code"/>
+                <a:cs typeface="Fira Code"/>
+                <a:sym typeface="Fira Code"/>
+              </a:rPr>
+              <a:t>saranno</a:t>
+            </a:r>
+            <a:r>
+              <a:rPr lang="en-US" dirty="0">
+                <a:solidFill>
+                  <a:schemeClr val="accent3"/>
+                </a:solidFill>
+                <a:latin typeface="Fira Code"/>
+                <a:ea typeface="Fira Code"/>
+                <a:cs typeface="Fira Code"/>
+                <a:sym typeface="Fira Code"/>
+              </a:rPr>
+              <a:t> violate</a:t>
             </a:r>
             <a:endParaRPr dirty="0">
               <a:solidFill>
@@ -47190,8 +49210,101 @@
                 <a:cs typeface="Fira Code"/>
                 <a:sym typeface="Fira Code"/>
               </a:rPr>
-              <a:t>Short tags produce message forgeries</a:t>
-            </a:r>
+              <a:t>Tag </a:t>
+            </a:r>
+            <a:r>
+              <a:rPr lang="en-US" dirty="0" err="1">
+                <a:solidFill>
+                  <a:schemeClr val="accent3"/>
+                </a:solidFill>
+                <a:latin typeface="Fira Code"/>
+                <a:ea typeface="Fira Code"/>
+                <a:cs typeface="Fira Code"/>
+                <a:sym typeface="Fira Code"/>
+              </a:rPr>
+              <a:t>corti</a:t>
+            </a:r>
+            <a:r>
+              <a:rPr lang="en-US" dirty="0">
+                <a:solidFill>
+                  <a:schemeClr val="accent3"/>
+                </a:solidFill>
+                <a:latin typeface="Fira Code"/>
+                <a:ea typeface="Fira Code"/>
+                <a:cs typeface="Fira Code"/>
+                <a:sym typeface="Fira Code"/>
+              </a:rPr>
+              <a:t> </a:t>
+            </a:r>
+            <a:r>
+              <a:rPr lang="en-US" dirty="0" err="1">
+                <a:solidFill>
+                  <a:schemeClr val="accent3"/>
+                </a:solidFill>
+                <a:latin typeface="Fira Code"/>
+                <a:ea typeface="Fira Code"/>
+                <a:cs typeface="Fira Code"/>
+                <a:sym typeface="Fira Code"/>
+              </a:rPr>
+              <a:t>producono</a:t>
+            </a:r>
+            <a:r>
+              <a:rPr lang="en-US" dirty="0">
+                <a:solidFill>
+                  <a:schemeClr val="accent3"/>
+                </a:solidFill>
+                <a:latin typeface="Fira Code"/>
+                <a:ea typeface="Fira Code"/>
+                <a:cs typeface="Fira Code"/>
+                <a:sym typeface="Fira Code"/>
+              </a:rPr>
+              <a:t> </a:t>
+            </a:r>
+            <a:r>
+              <a:rPr lang="en-US" dirty="0" err="1">
+                <a:solidFill>
+                  <a:schemeClr val="accent3"/>
+                </a:solidFill>
+                <a:latin typeface="Fira Code"/>
+                <a:ea typeface="Fira Code"/>
+                <a:cs typeface="Fira Code"/>
+                <a:sym typeface="Fira Code"/>
+              </a:rPr>
+              <a:t>messaggi</a:t>
+            </a:r>
+            <a:r>
+              <a:rPr lang="en-US" dirty="0">
+                <a:solidFill>
+                  <a:schemeClr val="accent3"/>
+                </a:solidFill>
+                <a:latin typeface="Fira Code"/>
+                <a:ea typeface="Fira Code"/>
+                <a:cs typeface="Fira Code"/>
+                <a:sym typeface="Fira Code"/>
+              </a:rPr>
+              <a:t> </a:t>
+            </a:r>
+            <a:r>
+              <a:rPr lang="en-US" dirty="0" err="1">
+                <a:solidFill>
+                  <a:schemeClr val="accent3"/>
+                </a:solidFill>
+                <a:latin typeface="Fira Code"/>
+                <a:ea typeface="Fira Code"/>
+                <a:cs typeface="Fira Code"/>
+                <a:sym typeface="Fira Code"/>
+              </a:rPr>
+              <a:t>fasulli</a:t>
+            </a:r>
+            <a:endParaRPr lang="en-US" dirty="0">
+              <a:solidFill>
+                <a:schemeClr val="accent3"/>
+              </a:solidFill>
+              <a:latin typeface="Fira Code"/>
+              <a:ea typeface="Fira Code"/>
+              <a:cs typeface="Fira Code"/>
+              <a:sym typeface="Fira Code"/>
+            </a:endParaRPr>
           </a:p>
         </p:txBody>
       </p:sp>
@@ -47297,7 +49410,79 @@
                 <a:cs typeface="Fira Code"/>
                 <a:sym typeface="Fira Code"/>
               </a:rPr>
-              <a:t>GCM implementations are vulnerable to timing attacks </a:t>
+              <a:t>Le </a:t>
+            </a:r>
+            <a:r>
+              <a:rPr lang="en-US" dirty="0" err="1">
+                <a:solidFill>
+                  <a:schemeClr val="accent3"/>
+                </a:solidFill>
+                <a:latin typeface="Fira Code"/>
+                <a:ea typeface="Fira Code"/>
+                <a:cs typeface="Fira Code"/>
+                <a:sym typeface="Fira Code"/>
+              </a:rPr>
+              <a:t>implementazioni</a:t>
+            </a:r>
+            <a:r>
+              <a:rPr lang="en-US" dirty="0">
+                <a:solidFill>
+                  <a:schemeClr val="accent3"/>
+                </a:solidFill>
+                <a:latin typeface="Fira Code"/>
+                <a:ea typeface="Fira Code"/>
+                <a:cs typeface="Fira Code"/>
+                <a:sym typeface="Fira Code"/>
+              </a:rPr>
+              <a:t> GCM </a:t>
+            </a:r>
+            <a:r>
+              <a:rPr lang="en-US" dirty="0" err="1">
+                <a:solidFill>
+                  <a:schemeClr val="accent3"/>
+                </a:solidFill>
+                <a:latin typeface="Fira Code"/>
+                <a:ea typeface="Fira Code"/>
+                <a:cs typeface="Fira Code"/>
+                <a:sym typeface="Fira Code"/>
+              </a:rPr>
+              <a:t>sono</a:t>
+            </a:r>
+            <a:r>
+              <a:rPr lang="en-US" dirty="0">
+                <a:solidFill>
+                  <a:schemeClr val="accent3"/>
+                </a:solidFill>
+                <a:latin typeface="Fira Code"/>
+                <a:ea typeface="Fira Code"/>
+                <a:cs typeface="Fira Code"/>
+                <a:sym typeface="Fira Code"/>
+              </a:rPr>
+              <a:t> </a:t>
+            </a:r>
+            <a:r>
+              <a:rPr lang="en-US" dirty="0" err="1">
+                <a:solidFill>
+                  <a:schemeClr val="accent3"/>
+                </a:solidFill>
+                <a:latin typeface="Fira Code"/>
+                <a:ea typeface="Fira Code"/>
+                <a:cs typeface="Fira Code"/>
+                <a:sym typeface="Fira Code"/>
+              </a:rPr>
+              <a:t>vulnerabili</a:t>
+            </a:r>
+            <a:r>
+              <a:rPr lang="en-US" dirty="0">
+                <a:solidFill>
+                  <a:schemeClr val="accent3"/>
+                </a:solidFill>
+                <a:latin typeface="Fira Code"/>
+                <a:ea typeface="Fira Code"/>
+                <a:cs typeface="Fira Code"/>
+                <a:sym typeface="Fira Code"/>
+              </a:rPr>
+              <a:t> ai timing attacks </a:t>
             </a:r>
             <a:endParaRPr dirty="0">
               <a:solidFill>
@@ -47377,8 +49562,8 @@
         </p:nvSpPr>
         <p:spPr>
           <a:xfrm>
-            <a:off x="4183275" y="3429125"/>
-            <a:ext cx="3981300" cy="584400"/>
+            <a:off x="4183274" y="3429125"/>
+            <a:ext cx="4105319" cy="584400"/>
           </a:xfrm>
           <a:prstGeom prst="rect">
             <a:avLst/>
@@ -47413,7 +49598,31 @@
                 <a:cs typeface="Fira Code"/>
                 <a:sym typeface="Fira Code"/>
               </a:rPr>
-              <a:t>GCM is vulnerable against cycling attacks  </a:t>
+              <a:t>GCM è </a:t>
+            </a:r>
+            <a:r>
+              <a:rPr lang="en-US" dirty="0" err="1">
+                <a:solidFill>
+                  <a:schemeClr val="accent3"/>
+                </a:solidFill>
+                <a:latin typeface="Fira Code"/>
+                <a:ea typeface="Fira Code"/>
+                <a:cs typeface="Fira Code"/>
+                <a:sym typeface="Fira Code"/>
+              </a:rPr>
+              <a:t>vulnerabile</a:t>
+            </a:r>
+            <a:r>
+              <a:rPr lang="en-US" dirty="0">
+                <a:solidFill>
+                  <a:schemeClr val="accent3"/>
+                </a:solidFill>
+                <a:latin typeface="Fira Code"/>
+                <a:ea typeface="Fira Code"/>
+                <a:cs typeface="Fira Code"/>
+                <a:sym typeface="Fira Code"/>
+              </a:rPr>
+              <a:t> ai cycling attacks  </a:t>
             </a:r>
             <a:endParaRPr dirty="0">
               <a:solidFill>
@@ -47980,7 +50189,7 @@
                   <a:srgbClr val="00B050"/>
                 </a:solidFill>
               </a:rPr>
-              <a:t>/************************************************************************</a:t>
+              <a:t>/*************************************************************************</a:t>
             </a:r>
           </a:p>
           <a:p>
@@ -48002,31 +50211,39 @@
               <a:t> * </a:t>
             </a:r>
             <a:r>
+              <a:rPr lang="it-IT" sz="1300" dirty="0">
+                <a:solidFill>
+                  <a:srgbClr val="00B050"/>
+                </a:solidFill>
+              </a:rPr>
+              <a:t>SSL è stato utilizzato per creare un canale sicuro durante lo scambio * </a:t>
+            </a:r>
+          </a:p>
+          <a:p>
+            <a:pPr marL="0" lvl="0" indent="0" algn="l" rtl="0">
+              <a:spcBef>
+                <a:spcPts val="0"/>
+              </a:spcBef>
+              <a:spcAft>
+                <a:spcPts val="0"/>
+              </a:spcAft>
+              <a:buNone/>
+            </a:pPr>
+            <a:r>
+              <a:rPr lang="it-IT" sz="1300" dirty="0">
+                <a:solidFill>
+                  <a:srgbClr val="00B050"/>
+                </a:solidFill>
+              </a:rPr>
+              <a:t> * di dati tra il server Python e la scheda.</a:t>
+            </a:r>
+            <a:r>
               <a:rPr lang="en-US" sz="1300" dirty="0">
                 <a:solidFill>
                   <a:srgbClr val="00B050"/>
                 </a:solidFill>
               </a:rPr>
-              <a:t>SSL was used to create a secure channel during data exchange between *</a:t>
-            </a:r>
-          </a:p>
-          <a:p>
-            <a:pPr marL="0" lvl="0" indent="0" algn="l" rtl="0">
-              <a:spcBef>
-                <a:spcPts val="0"/>
-              </a:spcBef>
-              <a:spcAft>
-                <a:spcPts val="0"/>
-              </a:spcAft>
-              <a:buNone/>
-            </a:pPr>
-            <a:r>
-              <a:rPr lang="en-US" sz="1300" dirty="0">
-                <a:solidFill>
-                  <a:srgbClr val="00B050"/>
-                </a:solidFill>
-              </a:rPr>
-              <a:t> * the Python server and the board. 		        		       *</a:t>
+              <a:t>		        	        *</a:t>
             </a:r>
           </a:p>
           <a:p>
@@ -48085,7 +50302,7 @@
                   <a:schemeClr val="accent3"/>
                 </a:solidFill>
               </a:rPr>
-              <a:t>SSL allows us to authenticate the </a:t>
+              <a:t>SSL ci </a:t>
             </a:r>
             <a:r>
               <a:rPr lang="en-US" sz="1300" dirty="0" err="1">
@@ -48093,6 +50310,38 @@
                   <a:schemeClr val="accent3"/>
                 </a:solidFill>
               </a:rPr>
+              <a:t>permette</a:t>
+            </a:r>
+            <a:r>
+              <a:rPr lang="en-US" sz="1300" dirty="0">
+                <a:solidFill>
+                  <a:schemeClr val="accent3"/>
+                </a:solidFill>
+              </a:rPr>
+              <a:t> di </a:t>
+            </a:r>
+            <a:r>
+              <a:rPr lang="en-US" sz="1300" dirty="0" err="1">
+                <a:solidFill>
+                  <a:schemeClr val="accent3"/>
+                </a:solidFill>
+              </a:rPr>
+              <a:t>autenticare</a:t>
+            </a:r>
+            <a:r>
+              <a:rPr lang="en-US" sz="1300" dirty="0">
+                <a:solidFill>
+                  <a:schemeClr val="accent3"/>
+                </a:solidFill>
+              </a:rPr>
+              <a:t> </a:t>
+            </a:r>
+            <a:r>
+              <a:rPr lang="en-US" sz="1300" dirty="0" err="1">
+                <a:solidFill>
+                  <a:schemeClr val="accent3"/>
+                </a:solidFill>
+              </a:rPr>
               <a:t>PassChain</a:t>
             </a:r>
             <a:r>
@@ -48101,15 +50350,63 @@
                   <a:schemeClr val="accent3"/>
                 </a:solidFill>
               </a:rPr>
-              <a:t> boards through the use of certificates. In fact, before the data exchange takes place, the server checks the client and server certificates and then the exchange takes place </a:t>
-            </a:r>
-            <a:r>
-              <a:rPr lang="en" sz="1300" dirty="0">
+              <a:t> </a:t>
+            </a:r>
+            <a:r>
+              <a:rPr lang="en-US" sz="1300" dirty="0" err="1">
                 <a:solidFill>
                   <a:schemeClr val="accent3"/>
                 </a:solidFill>
               </a:rPr>
-              <a:t>&gt;</a:t>
+              <a:t>utilizzando</a:t>
+            </a:r>
+            <a:r>
+              <a:rPr lang="en-US" sz="1300" dirty="0">
+                <a:solidFill>
+                  <a:schemeClr val="accent3"/>
+                </a:solidFill>
+              </a:rPr>
+              <a:t> </a:t>
+            </a:r>
+            <a:r>
+              <a:rPr lang="en-US" sz="1300" dirty="0" err="1">
+                <a:solidFill>
+                  <a:schemeClr val="accent3"/>
+                </a:solidFill>
+              </a:rPr>
+              <a:t>dei</a:t>
+            </a:r>
+            <a:r>
+              <a:rPr lang="en-US" sz="1300" dirty="0">
+                <a:solidFill>
+                  <a:schemeClr val="accent3"/>
+                </a:solidFill>
+              </a:rPr>
+              <a:t> </a:t>
+            </a:r>
+            <a:r>
+              <a:rPr lang="en-US" sz="1300" dirty="0" err="1">
+                <a:solidFill>
+                  <a:schemeClr val="accent3"/>
+                </a:solidFill>
+              </a:rPr>
+              <a:t>certificati</a:t>
+            </a:r>
+            <a:r>
+              <a:rPr lang="en-US" sz="1300" dirty="0">
+                <a:solidFill>
+                  <a:schemeClr val="accent3"/>
+                </a:solidFill>
+              </a:rPr>
+              <a:t>. </a:t>
+            </a:r>
+            <a:r>
+              <a:rPr lang="it-IT" sz="1300" dirty="0">
+                <a:solidFill>
+                  <a:schemeClr val="accent3"/>
+                </a:solidFill>
+              </a:rPr>
+              <a:t>Prima che avvenga lo scambio di dati, il server controlla i certificati client e server &gt;</a:t>
             </a:r>
             <a:endParaRPr sz="1300" dirty="0">
               <a:solidFill>
@@ -48226,10 +50523,10 @@
         </p:nvGrpSpPr>
         <p:grpSpPr>
           <a:xfrm>
-            <a:off x="1741713" y="2979420"/>
-            <a:ext cx="5456755" cy="1375929"/>
-            <a:chOff x="1741713" y="3485267"/>
-            <a:chExt cx="6137689" cy="1375929"/>
+            <a:off x="1741713" y="2920428"/>
+            <a:ext cx="5456755" cy="1434921"/>
+            <a:chOff x="1741713" y="3426275"/>
+            <a:chExt cx="6137689" cy="1434921"/>
           </a:xfrm>
         </p:grpSpPr>
         <p:cxnSp>
@@ -48242,7 +50539,7 @@
           </p:nvCxnSpPr>
           <p:spPr>
             <a:xfrm>
-              <a:off x="2280025" y="3485267"/>
+              <a:off x="2280025" y="3426275"/>
               <a:ext cx="0" cy="300718"/>
             </a:xfrm>
             <a:prstGeom prst="straightConnector1">
@@ -48319,7 +50616,7 @@
                 <a:t> </a:t>
               </a:r>
               <a:r>
-                <a:rPr lang="en-US" sz="1200" dirty="0">
+                <a:rPr lang="it-IT" sz="1200" dirty="0">
                   <a:solidFill>
                     <a:schemeClr val="accent1"/>
                   </a:solidFill>
@@ -48328,7 +50625,7 @@
                   <a:cs typeface="Fira Code"/>
                   <a:sym typeface="Fira Code"/>
                 </a:rPr>
-                <a:t>The disadvantages are that it uses a heavy protocol </a:t>
+                <a:t>SSL è un protocollo pesante a causa della continua  </a:t>
               </a:r>
             </a:p>
             <a:p>
@@ -48342,7 +50639,7 @@
                 <a:buNone/>
               </a:pPr>
               <a:r>
-                <a:rPr lang="en-US" sz="1200" dirty="0">
+                <a:rPr lang="it-IT" sz="1200" dirty="0">
                   <a:solidFill>
                     <a:schemeClr val="accent1"/>
                   </a:solidFill>
@@ -48351,7 +50648,7 @@
                   <a:cs typeface="Fira Code"/>
                   <a:sym typeface="Fira Code"/>
                 </a:rPr>
-                <a:t>  due to the continuous encryption and decryption of data  </a:t>
+                <a:t>  cifratura e decifratura dei dati quando partono e </a:t>
               </a:r>
             </a:p>
             <a:p>
@@ -48365,7 +50662,7 @@
                 <a:buNone/>
               </a:pPr>
               <a:r>
-                <a:rPr lang="en-US" sz="1200" dirty="0">
+                <a:rPr lang="it-IT" sz="1200" dirty="0">
                   <a:solidFill>
                     <a:schemeClr val="accent1"/>
                   </a:solidFill>
@@ -48374,7 +50671,7 @@
                   <a:cs typeface="Fira Code"/>
                   <a:sym typeface="Fira Code"/>
                 </a:rPr>
-                <a:t>  when it departs and arrives at destination and to </a:t>
+                <a:t>  arrivano a destinazione e bisogna generare nuovi </a:t>
               </a:r>
             </a:p>
             <a:p>
@@ -48388,7 +50685,7 @@
                 <a:buNone/>
               </a:pPr>
               <a:r>
-                <a:rPr lang="en-US" sz="1200" dirty="0">
+                <a:rPr lang="it-IT" sz="1200" dirty="0">
                   <a:solidFill>
                     <a:schemeClr val="accent1"/>
                   </a:solidFill>
@@ -48397,7 +50694,7 @@
                   <a:cs typeface="Fira Code"/>
                   <a:sym typeface="Fira Code"/>
                 </a:rPr>
-                <a:t>  generate new certificates for every new board that </a:t>
+                <a:t>  certificati per ogni nuova scheda che si connette al  </a:t>
               </a:r>
             </a:p>
             <a:p>
@@ -48411,7 +50708,7 @@
                 <a:buNone/>
               </a:pPr>
               <a:r>
-                <a:rPr lang="en-US" sz="1200" dirty="0">
+                <a:rPr lang="it-IT" sz="1200" dirty="0">
                   <a:solidFill>
                     <a:schemeClr val="accent1"/>
                   </a:solidFill>
@@ -48420,7 +50717,7 @@
                   <a:cs typeface="Fira Code"/>
                   <a:sym typeface="Fira Code"/>
                 </a:rPr>
-                <a:t>  connects to the server </a:t>
+                <a:t>  server </a:t>
               </a:r>
               <a:r>
                 <a:rPr lang="en" dirty="0">
@@ -48908,23 +51205,7 @@
                   <a:srgbClr val="00B050"/>
                 </a:solidFill>
               </a:rPr>
-              <a:t>SSL Ad</a:t>
-            </a:r>
-            <a:r>
-              <a:rPr lang="it-IT" sz="2000" dirty="0" err="1">
-                <a:solidFill>
-                  <a:srgbClr val="00B050"/>
-                </a:solidFill>
-              </a:rPr>
-              <a:t>vantages</a:t>
-            </a:r>
-            <a:r>
-              <a:rPr lang="en" sz="2000" dirty="0">
-                <a:solidFill>
-                  <a:srgbClr val="00B050"/>
-                </a:solidFill>
-              </a:rPr>
-              <a:t>: </a:t>
+              <a:t>Vantaggi SSL: </a:t>
             </a:r>
             <a:r>
               <a:rPr lang="en" sz="2400" dirty="0">
@@ -49052,7 +51333,7 @@
                 <a:cs typeface="Fira Code"/>
                 <a:sym typeface="Fira Code"/>
               </a:rPr>
-              <a:t>Authentication</a:t>
+              <a:t>Autenticazione</a:t>
             </a:r>
             <a:endParaRPr sz="1600" dirty="0">
               <a:solidFill>
@@ -49101,7 +51382,7 @@
               <a:buNone/>
             </a:pPr>
             <a:r>
-              <a:rPr lang="en-US" dirty="0">
+              <a:rPr lang="it-IT" dirty="0">
                 <a:solidFill>
                   <a:schemeClr val="accent3"/>
                 </a:solidFill>
@@ -49110,9 +51391,9 @@
                 <a:cs typeface="Fira Code"/>
                 <a:sym typeface="Fira Code"/>
               </a:rPr>
-              <a:t>Client uses the server's public key to encrypt the data; the server uses the public key in the client certificate to decrypt the data the client sends</a:t>
-            </a:r>
-            <a:endParaRPr dirty="0">
+              <a:t>Il client utilizza la chiave pubblica del server per cifrare i dati; il server utilizza la chiave pubblica nel certificato client per decifrare i dati inviati dal client</a:t>
+            </a:r>
+            <a:endParaRPr lang="en-US" dirty="0">
               <a:solidFill>
                 <a:schemeClr val="accent3"/>
               </a:solidFill>
@@ -49168,7 +51449,7 @@
                 <a:cs typeface="Fira Code"/>
                 <a:sym typeface="Fira Code"/>
               </a:rPr>
-              <a:t>Integrity</a:t>
+              <a:t>Integrità</a:t>
             </a:r>
             <a:endParaRPr sz="1600" dirty="0">
               <a:solidFill>
@@ -49217,7 +51498,7 @@
               <a:buNone/>
             </a:pPr>
             <a:r>
-              <a:rPr lang="en-US" dirty="0">
+              <a:rPr lang="it-IT" dirty="0">
                 <a:solidFill>
                   <a:schemeClr val="accent3"/>
                 </a:solidFill>
@@ -49226,8 +51507,17 @@
                 <a:cs typeface="Fira Code"/>
                 <a:sym typeface="Fira Code"/>
               </a:rPr>
-              <a:t>SSL provides data integrity by calculating a message digest</a:t>
-            </a:r>
+              <a:t>SSL fornisce l'integrità dei dati calcolando un digest del messaggio</a:t>
+            </a:r>
+            <a:endParaRPr lang="en-US" dirty="0">
+              <a:solidFill>
+                <a:schemeClr val="accent3"/>
+              </a:solidFill>
+              <a:latin typeface="Fira Code"/>
+              <a:ea typeface="Fira Code"/>
+              <a:cs typeface="Fira Code"/>
+              <a:sym typeface="Fira Code"/>
+            </a:endParaRPr>
           </a:p>
         </p:txBody>
       </p:sp>
@@ -49239,8 +51529,8 @@
         </p:nvSpPr>
         <p:spPr>
           <a:xfrm>
-            <a:off x="2783519" y="3339683"/>
-            <a:ext cx="2153821" cy="584400"/>
+            <a:off x="2747836" y="3339041"/>
+            <a:ext cx="1683644" cy="584400"/>
           </a:xfrm>
           <a:prstGeom prst="rect">
             <a:avLst/>
@@ -49275,7 +51565,7 @@
                 <a:cs typeface="Fira Code"/>
                 <a:sym typeface="Fira Code"/>
               </a:rPr>
-              <a:t>Confidentiality</a:t>
+              <a:t>Riservatezza</a:t>
             </a:r>
             <a:endParaRPr sz="1600" dirty="0">
               <a:solidFill>
@@ -49297,8 +51587,8 @@
         </p:nvSpPr>
         <p:spPr>
           <a:xfrm>
-            <a:off x="4843820" y="3339041"/>
-            <a:ext cx="3981300" cy="722542"/>
+            <a:off x="4566025" y="3339041"/>
+            <a:ext cx="3981300" cy="856892"/>
           </a:xfrm>
           <a:prstGeom prst="rect">
             <a:avLst/>
@@ -49324,7 +51614,7 @@
               <a:buNone/>
             </a:pPr>
             <a:r>
-              <a:rPr lang="en-US" dirty="0">
+              <a:rPr lang="it-IT" dirty="0">
                 <a:solidFill>
                   <a:schemeClr val="accent3"/>
                 </a:solidFill>
@@ -49333,8 +51623,17 @@
                 <a:cs typeface="Fira Code"/>
                 <a:sym typeface="Fira Code"/>
               </a:rPr>
-              <a:t>SSL uses a combination of symmetric and asymmetric encryption to ensure message privacy</a:t>
-            </a:r>
+              <a:t>SSL utilizza una combinazione di crittografia simmetrica e asimmetrica per garantire la riservatezza dei messaggi</a:t>
+            </a:r>
+            <a:endParaRPr lang="en-US" dirty="0">
+              <a:solidFill>
+                <a:schemeClr val="accent3"/>
+              </a:solidFill>
+              <a:latin typeface="Fira Code"/>
+              <a:ea typeface="Fira Code"/>
+              <a:cs typeface="Fira Code"/>
+              <a:sym typeface="Fira Code"/>
+            </a:endParaRPr>
           </a:p>
         </p:txBody>
       </p:sp>
@@ -49629,8 +51928,8 @@
         </p:nvCxnSpPr>
         <p:spPr>
           <a:xfrm flipV="1">
-            <a:off x="1337875" y="3631883"/>
-            <a:ext cx="1445644" cy="13"/>
+            <a:off x="1302191" y="3631241"/>
+            <a:ext cx="1445645" cy="13"/>
           </a:xfrm>
           <a:prstGeom prst="straightConnector1">
             <a:avLst/>
@@ -49801,7 +52100,7 @@
                   <a:schemeClr val="accent2"/>
                 </a:solidFill>
               </a:rPr>
-              <a:t>thank_you </a:t>
+              <a:t>ringraziamenti </a:t>
             </a:r>
             <a:r>
               <a:rPr lang="en" sz="3600" dirty="0">
@@ -49871,7 +52170,7 @@
                   <a:schemeClr val="accent2"/>
                 </a:solidFill>
               </a:rPr>
-              <a:t>‘Thank you’</a:t>
+              <a:t>‘Grazie ’</a:t>
             </a:r>
             <a:r>
               <a:rPr lang="en" sz="2400" dirty="0">
@@ -49941,7 +52240,7 @@
                   <a:schemeClr val="accent2"/>
                 </a:solidFill>
               </a:rPr>
-              <a:t>‘For your Attention’</a:t>
+              <a:t>‘per l’attenzione’</a:t>
             </a:r>
             <a:r>
               <a:rPr lang="en" sz="2400" dirty="0">
@@ -50434,8 +52733,8 @@
         </p:nvSpPr>
         <p:spPr>
           <a:xfrm>
-            <a:off x="1593350" y="1424427"/>
-            <a:ext cx="5959726" cy="1215412"/>
+            <a:off x="1593349" y="1424427"/>
+            <a:ext cx="6212773" cy="1215412"/>
           </a:xfrm>
           <a:prstGeom prst="rect">
             <a:avLst/>
@@ -50489,12 +52788,84 @@
               <a:t>(‘</a:t>
             </a:r>
             <a:r>
+              <a:rPr lang="en-US" sz="1400" dirty="0" err="1">
+                <a:solidFill>
+                  <a:srgbClr val="00B050"/>
+                </a:solidFill>
+              </a:rPr>
+              <a:t>Servizi</a:t>
+            </a:r>
+            <a:r>
               <a:rPr lang="en-US" sz="1400" dirty="0">
                 <a:solidFill>
                   <a:srgbClr val="00B050"/>
                 </a:solidFill>
               </a:rPr>
-              <a:t>Online services that allow 		   	    users to store password</a:t>
+              <a:t> online </a:t>
+            </a:r>
+            <a:r>
+              <a:rPr lang="en-US" sz="1400" dirty="0" err="1">
+                <a:solidFill>
+                  <a:srgbClr val="00B050"/>
+                </a:solidFill>
+              </a:rPr>
+              <a:t>che</a:t>
+            </a:r>
+            <a:r>
+              <a:rPr lang="en-US" sz="1400" dirty="0">
+                <a:solidFill>
+                  <a:srgbClr val="00B050"/>
+                </a:solidFill>
+              </a:rPr>
+              <a:t> </a:t>
+            </a:r>
+            <a:r>
+              <a:rPr lang="en-US" sz="1400" dirty="0" err="1">
+                <a:solidFill>
+                  <a:srgbClr val="00B050"/>
+                </a:solidFill>
+              </a:rPr>
+              <a:t>permettono</a:t>
+            </a:r>
+            <a:r>
+              <a:rPr lang="en-US" sz="1400" dirty="0">
+                <a:solidFill>
+                  <a:srgbClr val="00B050"/>
+                </a:solidFill>
+              </a:rPr>
+              <a:t> 		   	    </a:t>
+            </a:r>
+            <a:r>
+              <a:rPr lang="en-US" sz="1400" dirty="0" err="1">
+                <a:solidFill>
+                  <a:srgbClr val="00B050"/>
+                </a:solidFill>
+              </a:rPr>
+              <a:t>all’utente</a:t>
+            </a:r>
+            <a:r>
+              <a:rPr lang="en-US" sz="1400" dirty="0">
+                <a:solidFill>
+                  <a:srgbClr val="00B050"/>
+                </a:solidFill>
+              </a:rPr>
+              <a:t> di </a:t>
+            </a:r>
+            <a:r>
+              <a:rPr lang="en-US" sz="1400" dirty="0" err="1">
+                <a:solidFill>
+                  <a:srgbClr val="00B050"/>
+                </a:solidFill>
+              </a:rPr>
+              <a:t>salvare</a:t>
+            </a:r>
+            <a:r>
+              <a:rPr lang="en-US" sz="1400" dirty="0">
+                <a:solidFill>
+                  <a:srgbClr val="00B050"/>
+                </a:solidFill>
+              </a:rPr>
+              <a:t> password</a:t>
             </a:r>
             <a:r>
               <a:rPr lang="en-US" sz="1400" dirty="0">
@@ -50785,7 +53156,97 @@
                   <a:latin typeface="Fira Code" panose="020B0509050000020004" pitchFamily="49" charset="0"/>
                   <a:ea typeface="Fira Code" panose="020B0509050000020004" pitchFamily="49" charset="0"/>
                 </a:rPr>
-                <a:t>and sync them across all your 	personal devices</a:t>
+                <a:t>e </a:t>
+              </a:r>
+              <a:r>
+                <a:rPr lang="en-US" dirty="0" err="1">
+                  <a:solidFill>
+                    <a:srgbClr val="00B050"/>
+                  </a:solidFill>
+                  <a:latin typeface="Fira Code" panose="020B0509050000020004" pitchFamily="49" charset="0"/>
+                  <a:ea typeface="Fira Code" panose="020B0509050000020004" pitchFamily="49" charset="0"/>
+                </a:rPr>
+                <a:t>sincronizzarle</a:t>
+              </a:r>
+              <a:r>
+                <a:rPr lang="en-US" dirty="0">
+                  <a:solidFill>
+                    <a:srgbClr val="00B050"/>
+                  </a:solidFill>
+                  <a:latin typeface="Fira Code" panose="020B0509050000020004" pitchFamily="49" charset="0"/>
+                  <a:ea typeface="Fira Code" panose="020B0509050000020004" pitchFamily="49" charset="0"/>
+                </a:rPr>
+                <a:t> </a:t>
+              </a:r>
+              <a:r>
+                <a:rPr lang="en-US" dirty="0" err="1">
+                  <a:solidFill>
+                    <a:srgbClr val="00B050"/>
+                  </a:solidFill>
+                  <a:latin typeface="Fira Code" panose="020B0509050000020004" pitchFamily="49" charset="0"/>
+                  <a:ea typeface="Fira Code" panose="020B0509050000020004" pitchFamily="49" charset="0"/>
+                </a:rPr>
+                <a:t>su</a:t>
+              </a:r>
+              <a:r>
+                <a:rPr lang="en-US" dirty="0">
+                  <a:solidFill>
+                    <a:srgbClr val="00B050"/>
+                  </a:solidFill>
+                  <a:latin typeface="Fira Code" panose="020B0509050000020004" pitchFamily="49" charset="0"/>
+                  <a:ea typeface="Fira Code" panose="020B0509050000020004" pitchFamily="49" charset="0"/>
+                </a:rPr>
+                <a:t> tutti </a:t>
+              </a:r>
+              <a:r>
+                <a:rPr lang="en-US" dirty="0" err="1">
+                  <a:solidFill>
+                    <a:srgbClr val="00B050"/>
+                  </a:solidFill>
+                  <a:latin typeface="Fira Code" panose="020B0509050000020004" pitchFamily="49" charset="0"/>
+                  <a:ea typeface="Fira Code" panose="020B0509050000020004" pitchFamily="49" charset="0"/>
+                </a:rPr>
+                <a:t>i</a:t>
+              </a:r>
+              <a:r>
+                <a:rPr lang="en-US" dirty="0">
+                  <a:solidFill>
+                    <a:srgbClr val="00B050"/>
+                  </a:solidFill>
+                  <a:latin typeface="Fira Code" panose="020B0509050000020004" pitchFamily="49" charset="0"/>
+                  <a:ea typeface="Fira Code" panose="020B0509050000020004" pitchFamily="49" charset="0"/>
+                </a:rPr>
+                <a:t>    		</a:t>
+              </a:r>
+              <a:r>
+                <a:rPr lang="en-US" dirty="0" err="1">
+                  <a:solidFill>
+                    <a:srgbClr val="00B050"/>
+                  </a:solidFill>
+                  <a:latin typeface="Fira Code" panose="020B0509050000020004" pitchFamily="49" charset="0"/>
+                  <a:ea typeface="Fira Code" panose="020B0509050000020004" pitchFamily="49" charset="0"/>
+                </a:rPr>
+                <a:t>dispositivi</a:t>
+              </a:r>
+              <a:r>
+                <a:rPr lang="en-US" dirty="0">
+                  <a:solidFill>
+                    <a:srgbClr val="00B050"/>
+                  </a:solidFill>
+                  <a:latin typeface="Fira Code" panose="020B0509050000020004" pitchFamily="49" charset="0"/>
+                  <a:ea typeface="Fira Code" panose="020B0509050000020004" pitchFamily="49" charset="0"/>
+                </a:rPr>
+                <a:t> </a:t>
+              </a:r>
+              <a:r>
+                <a:rPr lang="en-US" dirty="0" err="1">
+                  <a:solidFill>
+                    <a:srgbClr val="00B050"/>
+                  </a:solidFill>
+                  <a:latin typeface="Fira Code" panose="020B0509050000020004" pitchFamily="49" charset="0"/>
+                  <a:ea typeface="Fira Code" panose="020B0509050000020004" pitchFamily="49" charset="0"/>
+                </a:rPr>
+                <a:t>personali</a:t>
               </a:r>
               <a:r>
                 <a:rPr lang="en-US" dirty="0">
@@ -51107,7 +53568,23 @@
                   <a:schemeClr val="accent2"/>
                 </a:solidFill>
               </a:rPr>
-              <a:t>/* What are them? */</a:t>
+              <a:t>/* Cosa </a:t>
+            </a:r>
+            <a:r>
+              <a:rPr lang="en-US" dirty="0" err="1">
+                <a:solidFill>
+                  <a:schemeClr val="accent2"/>
+                </a:solidFill>
+              </a:rPr>
+              <a:t>sono</a:t>
+            </a:r>
+            <a:r>
+              <a:rPr lang="en-US" dirty="0">
+                <a:solidFill>
+                  <a:schemeClr val="accent2"/>
+                </a:solidFill>
+              </a:rPr>
+              <a:t>? */</a:t>
             </a:r>
           </a:p>
         </p:txBody>
@@ -51260,7 +53737,23 @@
             </a:pPr>
             <a:r>
               <a:rPr lang="en" dirty="0"/>
-              <a:t>Dashlane and 1Password are most popular password manager</a:t>
+              <a:t>Dashlane e 1Password sono </a:t>
+            </a:r>
+            <a:r>
+              <a:rPr lang="it-IT" dirty="0"/>
+              <a:t>i </a:t>
+            </a:r>
+            <a:r>
+              <a:rPr lang="en" dirty="0"/>
+              <a:t>Password Manager </a:t>
+            </a:r>
+            <a:r>
+              <a:rPr lang="it-IT" dirty="0"/>
+              <a:t>più famosi</a:t>
+            </a:r>
+            <a:r>
+              <a:rPr lang="en" dirty="0"/>
+              <a:t> </a:t>
             </a:r>
             <a:endParaRPr dirty="0"/>
           </a:p>
@@ -52112,23 +54605,7 @@
                   <a:srgbClr val="00B050"/>
                 </a:solidFill>
               </a:rPr>
-              <a:t>‘Ad</a:t>
-            </a:r>
-            <a:r>
-              <a:rPr lang="it-IT" dirty="0" err="1">
-                <a:solidFill>
-                  <a:srgbClr val="00B050"/>
-                </a:solidFill>
-              </a:rPr>
-              <a:t>vantages</a:t>
-            </a:r>
-            <a:r>
-              <a:rPr lang="en" dirty="0">
-                <a:solidFill>
-                  <a:srgbClr val="00B050"/>
-                </a:solidFill>
-              </a:rPr>
-              <a:t>: ‘ </a:t>
+              <a:t>‘Vantaggi: ‘ </a:t>
             </a:r>
             <a:r>
               <a:rPr lang="en" dirty="0">
@@ -52306,7 +54783,91 @@
                 <a:cs typeface="Fira Code"/>
                 <a:sym typeface="Fira Code"/>
               </a:rPr>
-              <a:t>Apps available for all platforms</a:t>
+              <a:t>Le App </a:t>
+            </a:r>
+            <a:r>
+              <a:rPr lang="en-US" dirty="0" err="1">
+                <a:solidFill>
+                  <a:schemeClr val="accent3"/>
+                </a:solidFill>
+                <a:latin typeface="Fira Code"/>
+                <a:ea typeface="Fira Code"/>
+                <a:cs typeface="Fira Code"/>
+                <a:sym typeface="Fira Code"/>
+              </a:rPr>
+              <a:t>sono</a:t>
+            </a:r>
+            <a:r>
+              <a:rPr lang="en-US" dirty="0">
+                <a:solidFill>
+                  <a:schemeClr val="accent3"/>
+                </a:solidFill>
+                <a:latin typeface="Fira Code"/>
+                <a:ea typeface="Fira Code"/>
+                <a:cs typeface="Fira Code"/>
+                <a:sym typeface="Fira Code"/>
+              </a:rPr>
+              <a:t> </a:t>
+            </a:r>
+            <a:r>
+              <a:rPr lang="en-US" dirty="0" err="1">
+                <a:solidFill>
+                  <a:schemeClr val="accent3"/>
+                </a:solidFill>
+                <a:latin typeface="Fira Code"/>
+                <a:ea typeface="Fira Code"/>
+                <a:cs typeface="Fira Code"/>
+                <a:sym typeface="Fira Code"/>
+              </a:rPr>
+              <a:t>disponibili</a:t>
+            </a:r>
+            <a:r>
+              <a:rPr lang="en-US" dirty="0">
+                <a:solidFill>
+                  <a:schemeClr val="accent3"/>
+                </a:solidFill>
+                <a:latin typeface="Fira Code"/>
+                <a:ea typeface="Fira Code"/>
+                <a:cs typeface="Fira Code"/>
+                <a:sym typeface="Fira Code"/>
+              </a:rPr>
+              <a:t> per </a:t>
+            </a:r>
+            <a:r>
+              <a:rPr lang="en-US" dirty="0" err="1">
+                <a:solidFill>
+                  <a:schemeClr val="accent3"/>
+                </a:solidFill>
+                <a:latin typeface="Fira Code"/>
+                <a:ea typeface="Fira Code"/>
+                <a:cs typeface="Fira Code"/>
+                <a:sym typeface="Fira Code"/>
+              </a:rPr>
+              <a:t>tutte</a:t>
+            </a:r>
+            <a:r>
+              <a:rPr lang="en-US" dirty="0">
+                <a:solidFill>
+                  <a:schemeClr val="accent3"/>
+                </a:solidFill>
+                <a:latin typeface="Fira Code"/>
+                <a:ea typeface="Fira Code"/>
+                <a:cs typeface="Fira Code"/>
+                <a:sym typeface="Fira Code"/>
+              </a:rPr>
+              <a:t> le </a:t>
+            </a:r>
+            <a:r>
+              <a:rPr lang="en-US" dirty="0" err="1">
+                <a:solidFill>
+                  <a:schemeClr val="accent3"/>
+                </a:solidFill>
+                <a:latin typeface="Fira Code"/>
+                <a:ea typeface="Fira Code"/>
+                <a:cs typeface="Fira Code"/>
+                <a:sym typeface="Fira Code"/>
+              </a:rPr>
+              <a:t>piattaforme</a:t>
             </a:r>
             <a:endParaRPr dirty="0">
               <a:solidFill>
@@ -52386,8 +54947,8 @@
         </p:nvSpPr>
         <p:spPr>
           <a:xfrm>
-            <a:off x="3326925" y="1984008"/>
-            <a:ext cx="3981300" cy="584400"/>
+            <a:off x="3326924" y="1984008"/>
+            <a:ext cx="4418597" cy="584400"/>
           </a:xfrm>
           <a:prstGeom prst="rect">
             <a:avLst/>
@@ -52413,7 +54974,7 @@
               <a:buNone/>
             </a:pPr>
             <a:r>
-              <a:rPr lang="en-US" dirty="0">
+              <a:rPr lang="en-US" dirty="0" err="1">
                 <a:solidFill>
                   <a:schemeClr val="accent3"/>
                 </a:solidFill>
@@ -52422,7 +54983,103 @@
                 <a:cs typeface="Fira Code"/>
                 <a:sym typeface="Fira Code"/>
               </a:rPr>
-              <a:t>Browser extensions allow to automatically enter passwords</a:t>
+              <a:t>Alcune</a:t>
+            </a:r>
+            <a:r>
+              <a:rPr lang="en-US" dirty="0">
+                <a:solidFill>
+                  <a:schemeClr val="accent3"/>
+                </a:solidFill>
+                <a:latin typeface="Fira Code"/>
+                <a:ea typeface="Fira Code"/>
+                <a:cs typeface="Fira Code"/>
+                <a:sym typeface="Fira Code"/>
+              </a:rPr>
+              <a:t> </a:t>
+            </a:r>
+            <a:r>
+              <a:rPr lang="en-US" dirty="0" err="1">
+                <a:solidFill>
+                  <a:schemeClr val="accent3"/>
+                </a:solidFill>
+                <a:latin typeface="Fira Code"/>
+                <a:ea typeface="Fira Code"/>
+                <a:cs typeface="Fira Code"/>
+                <a:sym typeface="Fira Code"/>
+              </a:rPr>
+              <a:t>estensioni</a:t>
+            </a:r>
+            <a:r>
+              <a:rPr lang="en-US" dirty="0">
+                <a:solidFill>
+                  <a:schemeClr val="accent3"/>
+                </a:solidFill>
+                <a:latin typeface="Fira Code"/>
+                <a:ea typeface="Fira Code"/>
+                <a:cs typeface="Fira Code"/>
+                <a:sym typeface="Fira Code"/>
+              </a:rPr>
+              <a:t> Browser </a:t>
+            </a:r>
+            <a:r>
+              <a:rPr lang="en-US" dirty="0" err="1">
+                <a:solidFill>
+                  <a:schemeClr val="accent3"/>
+                </a:solidFill>
+                <a:latin typeface="Fira Code"/>
+                <a:ea typeface="Fira Code"/>
+                <a:cs typeface="Fira Code"/>
+                <a:sym typeface="Fira Code"/>
+              </a:rPr>
+              <a:t>permettono</a:t>
+            </a:r>
+            <a:r>
+              <a:rPr lang="en-US" dirty="0">
+                <a:solidFill>
+                  <a:schemeClr val="accent3"/>
+                </a:solidFill>
+                <a:latin typeface="Fira Code"/>
+                <a:ea typeface="Fira Code"/>
+                <a:cs typeface="Fira Code"/>
+                <a:sym typeface="Fira Code"/>
+              </a:rPr>
+              <a:t> di </a:t>
+            </a:r>
+            <a:r>
+              <a:rPr lang="en-US" dirty="0" err="1">
+                <a:solidFill>
+                  <a:schemeClr val="accent3"/>
+                </a:solidFill>
+                <a:latin typeface="Fira Code"/>
+                <a:ea typeface="Fira Code"/>
+                <a:cs typeface="Fira Code"/>
+                <a:sym typeface="Fira Code"/>
+              </a:rPr>
+              <a:t>inserire</a:t>
+            </a:r>
+            <a:r>
+              <a:rPr lang="en-US" dirty="0">
+                <a:solidFill>
+                  <a:schemeClr val="accent3"/>
+                </a:solidFill>
+                <a:latin typeface="Fira Code"/>
+                <a:ea typeface="Fira Code"/>
+                <a:cs typeface="Fira Code"/>
+                <a:sym typeface="Fira Code"/>
+              </a:rPr>
+              <a:t> le password </a:t>
+            </a:r>
+            <a:r>
+              <a:rPr lang="en-US" dirty="0" err="1">
+                <a:solidFill>
+                  <a:schemeClr val="accent3"/>
+                </a:solidFill>
+                <a:latin typeface="Fira Code"/>
+                <a:ea typeface="Fira Code"/>
+                <a:cs typeface="Fira Code"/>
+                <a:sym typeface="Fira Code"/>
+              </a:rPr>
+              <a:t>automaticamente</a:t>
             </a:r>
             <a:endParaRPr dirty="0">
               <a:solidFill>
@@ -52529,7 +55186,7 @@
               <a:buNone/>
             </a:pPr>
             <a:r>
-              <a:rPr lang="it-IT" dirty="0" err="1">
+              <a:rPr lang="it-IT" dirty="0">
                 <a:solidFill>
                   <a:schemeClr val="accent3"/>
                 </a:solidFill>
@@ -52538,43 +55195,7 @@
                 <a:cs typeface="Fira Code"/>
                 <a:sym typeface="Fira Code"/>
               </a:rPr>
-              <a:t>Sync</a:t>
-            </a:r>
-            <a:r>
-              <a:rPr lang="it-IT" dirty="0">
-                <a:solidFill>
-                  <a:schemeClr val="accent3"/>
-                </a:solidFill>
-                <a:latin typeface="Fira Code"/>
-                <a:ea typeface="Fira Code"/>
-                <a:cs typeface="Fira Code"/>
-                <a:sym typeface="Fira Code"/>
-              </a:rPr>
-              <a:t> on </a:t>
-            </a:r>
-            <a:r>
-              <a:rPr lang="it-IT" dirty="0" err="1">
-                <a:solidFill>
-                  <a:schemeClr val="accent3"/>
-                </a:solidFill>
-                <a:latin typeface="Fira Code"/>
-                <a:ea typeface="Fira Code"/>
-                <a:cs typeface="Fira Code"/>
-                <a:sym typeface="Fira Code"/>
-              </a:rPr>
-              <a:t>all</a:t>
-            </a:r>
-            <a:r>
-              <a:rPr lang="it-IT" dirty="0">
-                <a:solidFill>
-                  <a:schemeClr val="accent3"/>
-                </a:solidFill>
-                <a:latin typeface="Fira Code"/>
-                <a:ea typeface="Fira Code"/>
-                <a:cs typeface="Fira Code"/>
-                <a:sym typeface="Fira Code"/>
-              </a:rPr>
-              <a:t> devices</a:t>
+              <a:t>Le password sono sincronizzate su tutti i dispositivi</a:t>
             </a:r>
             <a:endParaRPr dirty="0">
               <a:solidFill>
@@ -52690,7 +55311,7 @@
                 <a:cs typeface="Fira Code"/>
                 <a:sym typeface="Fira Code"/>
               </a:rPr>
-              <a:t>Fast access</a:t>
+              <a:t>Accesso veloce</a:t>
             </a:r>
             <a:endParaRPr dirty="0">
               <a:solidFill>
@@ -53209,12 +55830,12 @@
               <a:t>‘</a:t>
             </a:r>
             <a:r>
-              <a:rPr lang="it-IT" dirty="0" err="1">
+              <a:rPr lang="it-IT" dirty="0">
                 <a:solidFill>
                   <a:srgbClr val="00B050"/>
                 </a:solidFill>
               </a:rPr>
-              <a:t>Disadvantages</a:t>
+              <a:t>Svantaggi</a:t>
             </a:r>
             <a:r>
               <a:rPr lang="en" dirty="0">
@@ -53391,7 +56012,7 @@
               <a:buNone/>
             </a:pPr>
             <a:r>
-              <a:rPr lang="en-US" dirty="0">
+              <a:rPr lang="it-IT" dirty="0">
                 <a:solidFill>
                   <a:schemeClr val="accent3"/>
                 </a:solidFill>
@@ -53400,7 +56021,7 @@
                 <a:cs typeface="Fira Code"/>
                 <a:sym typeface="Fira Code"/>
               </a:rPr>
-              <a:t>Online and cloud services can be violated even remotely</a:t>
+              <a:t>I servizi online e cloud possono essere violati anche da remoto</a:t>
             </a:r>
             <a:endParaRPr dirty="0">
               <a:solidFill>
@@ -53481,7 +56102,7 @@
         <p:spPr>
           <a:xfrm>
             <a:off x="3326924" y="1984008"/>
-            <a:ext cx="4652641" cy="584400"/>
+            <a:ext cx="4885740" cy="584400"/>
           </a:xfrm>
           <a:prstGeom prst="rect">
             <a:avLst/>
@@ -53507,7 +56128,7 @@
               <a:buNone/>
             </a:pPr>
             <a:r>
-              <a:rPr lang="en-US" dirty="0">
+              <a:rPr lang="it-IT" dirty="0">
                 <a:solidFill>
                   <a:schemeClr val="accent3"/>
                 </a:solidFill>
@@ -53516,7 +56137,7 @@
                 <a:cs typeface="Fira Code"/>
                 <a:sym typeface="Fira Code"/>
               </a:rPr>
-              <a:t>Need to install an application or extension on each of your personal devices</a:t>
+              <a:t>Installare un'applicazione o un'estensione su ciascuno dei propri dispositivi personali</a:t>
             </a:r>
             <a:endParaRPr dirty="0">
               <a:solidFill>
@@ -53623,7 +56244,7 @@
               <a:buNone/>
             </a:pPr>
             <a:r>
-              <a:rPr lang="en-US" dirty="0">
+              <a:rPr lang="it-IT" dirty="0">
                 <a:solidFill>
                   <a:schemeClr val="accent3"/>
                 </a:solidFill>
@@ -53632,30 +56253,7 @@
                 <a:cs typeface="Fira Code"/>
                 <a:sym typeface="Fira Code"/>
               </a:rPr>
-              <a:t>Less practical when using </a:t>
-            </a:r>
-          </a:p>
-          <a:p>
-            <a:pPr marL="0" lvl="0" indent="0" algn="l" rtl="0">
-              <a:spcBef>
-                <a:spcPts val="0"/>
-              </a:spcBef>
-              <a:spcAft>
-                <a:spcPts val="0"/>
-              </a:spcAft>
-              <a:buNone/>
-            </a:pPr>
-            <a:r>
-              <a:rPr lang="en-US" dirty="0">
-                <a:solidFill>
-                  <a:schemeClr val="accent3"/>
-                </a:solidFill>
-                <a:latin typeface="Fira Code"/>
-                <a:ea typeface="Fira Code"/>
-                <a:cs typeface="Fira Code"/>
-                <a:sym typeface="Fira Code"/>
-              </a:rPr>
-              <a:t>non-personal devices</a:t>
+              <a:t>Meno pratico quando si usano dispositivi non personali</a:t>
             </a:r>
             <a:endParaRPr dirty="0">
               <a:solidFill>
@@ -53771,7 +56369,19 @@
                 <a:cs typeface="Fira Code"/>
                 <a:sym typeface="Fira Code"/>
               </a:rPr>
-              <a:t>Sigle Point of Failure because access to all of your passwords is protected by a single strong password</a:t>
+              <a:t>Sigle Point of Failure </a:t>
+            </a:r>
+            <a:r>
+              <a:rPr lang="it-IT" dirty="0">
+                <a:solidFill>
+                  <a:schemeClr val="accent3"/>
+                </a:solidFill>
+                <a:latin typeface="Fira Code"/>
+                <a:ea typeface="Fira Code"/>
+                <a:cs typeface="Fira Code"/>
+                <a:sym typeface="Fira Code"/>
+              </a:rPr>
+              <a:t>perché l'accesso a tutte le tue password è protetto da un'unica password sicura</a:t>
             </a:r>
             <a:endParaRPr dirty="0">
               <a:solidFill>
@@ -54446,8 +57056,8 @@
         </p:nvSpPr>
         <p:spPr>
           <a:xfrm>
-            <a:off x="1593350" y="1424428"/>
-            <a:ext cx="6743406" cy="1538776"/>
+            <a:off x="1593349" y="1424428"/>
+            <a:ext cx="6865839" cy="1538776"/>
           </a:xfrm>
           <a:prstGeom prst="rect">
             <a:avLst/>
@@ -54501,12 +57111,126 @@
               <a:t>(‘</a:t>
             </a:r>
             <a:r>
+              <a:rPr lang="it-IT" sz="1100" dirty="0" err="1">
+                <a:solidFill>
+                  <a:srgbClr val="00B050"/>
+                </a:solidFill>
+              </a:rPr>
+              <a:t>PassChain</a:t>
+            </a:r>
+            <a:r>
+              <a:rPr lang="it-IT" sz="1100" dirty="0">
+                <a:solidFill>
+                  <a:srgbClr val="00B050"/>
+                </a:solidFill>
+              </a:rPr>
+              <a:t> è un dispositivo IoT con l’</a:t>
+            </a:r>
+            <a:r>
+              <a:rPr lang="it-IT" sz="1100" dirty="0" err="1">
+                <a:solidFill>
+                  <a:srgbClr val="00B050"/>
+                </a:solidFill>
+              </a:rPr>
+              <a:t>obbietivo</a:t>
+            </a:r>
+            <a:r>
+              <a:rPr lang="it-IT" sz="1100" dirty="0">
+                <a:solidFill>
+                  <a:srgbClr val="00B050"/>
+                </a:solidFill>
+              </a:rPr>
+              <a:t> di 			 facilitare l'utente durante l’autenticazione digitale</a:t>
+            </a:r>
+            <a:r>
+              <a:rPr lang="en-US" sz="1100" dirty="0">
+                <a:solidFill>
+                  <a:schemeClr val="accent6"/>
+                </a:solidFill>
+              </a:rPr>
+              <a:t>’);</a:t>
+            </a:r>
+          </a:p>
+          <a:p>
+            <a:pPr marL="449116" lvl="0" indent="0" algn="l" rtl="0">
+              <a:spcBef>
+                <a:spcPts val="1000"/>
+              </a:spcBef>
+              <a:spcAft>
+                <a:spcPts val="0"/>
+              </a:spcAft>
+              <a:buNone/>
+            </a:pPr>
+            <a:r>
+              <a:rPr lang="en-US" sz="1100" dirty="0">
+                <a:solidFill>
+                  <a:schemeClr val="accent1"/>
+                </a:solidFill>
+              </a:rPr>
+              <a:t>delay</a:t>
+            </a:r>
+            <a:r>
+              <a:rPr lang="en-US" sz="1100" dirty="0">
+                <a:solidFill>
+                  <a:schemeClr val="accent6"/>
+                </a:solidFill>
+              </a:rPr>
+              <a:t>(100);</a:t>
+            </a:r>
+          </a:p>
+          <a:p>
+            <a:pPr marL="449116" indent="0">
+              <a:spcBef>
+                <a:spcPts val="1000"/>
+              </a:spcBef>
+            </a:pPr>
+            <a:r>
               <a:rPr lang="en-US" sz="1100" dirty="0" err="1">
                 <a:solidFill>
+                  <a:schemeClr val="tx2"/>
+                </a:solidFill>
+              </a:rPr>
+              <a:t>Serial</a:t>
+            </a:r>
+            <a:r>
+              <a:rPr lang="en-US" sz="1100" dirty="0" err="1">
+                <a:solidFill>
+                  <a:schemeClr val="accent6"/>
+                </a:solidFill>
+              </a:rPr>
+              <a:t>.</a:t>
+            </a:r>
+            <a:r>
+              <a:rPr lang="en-US" sz="1100" dirty="0" err="1">
+                <a:solidFill>
+                  <a:schemeClr val="tx2"/>
+                </a:solidFill>
+              </a:rPr>
+              <a:t>println</a:t>
+            </a:r>
+            <a:r>
+              <a:rPr lang="en-US" sz="1100" dirty="0">
+                <a:solidFill>
+                  <a:schemeClr val="accent6"/>
+                </a:solidFill>
+              </a:rPr>
+              <a:t>(‘</a:t>
+            </a:r>
+            <a:r>
+              <a:rPr lang="en-US" sz="1100" dirty="0">
+                <a:solidFill>
                   <a:srgbClr val="00B050"/>
                 </a:solidFill>
               </a:rPr>
-              <a:t>PassChain</a:t>
+              <a:t>ma </a:t>
+            </a:r>
+            <a:r>
+              <a:rPr lang="en-US" sz="1100" dirty="0" err="1">
+                <a:solidFill>
+                  <a:srgbClr val="00B050"/>
+                </a:solidFill>
+              </a:rPr>
+              <a:t>anche</a:t>
             </a:r>
             <a:r>
               <a:rPr lang="en-US" sz="1100" dirty="0">
@@ -54514,89 +57238,15 @@
                   <a:srgbClr val="00B050"/>
                 </a:solidFill>
               </a:rPr>
-              <a:t> is an IoT device that aims to facilitate 		  	 the user in digital authentication</a:t>
-            </a:r>
-            <a:r>
-              <a:rPr lang="en-US" sz="1100" dirty="0">
-                <a:solidFill>
-                  <a:schemeClr val="accent6"/>
-                </a:solidFill>
-              </a:rPr>
-              <a:t>’);</a:t>
-            </a:r>
-          </a:p>
-          <a:p>
-            <a:pPr marL="449116" lvl="0" indent="0" algn="l" rtl="0">
-              <a:spcBef>
-                <a:spcPts val="1000"/>
-              </a:spcBef>
-              <a:spcAft>
-                <a:spcPts val="0"/>
-              </a:spcAft>
-              <a:buNone/>
-            </a:pPr>
-            <a:r>
-              <a:rPr lang="en-US" sz="1100" dirty="0">
-                <a:solidFill>
-                  <a:schemeClr val="accent1"/>
-                </a:solidFill>
-              </a:rPr>
-              <a:t>delay</a:t>
-            </a:r>
-            <a:r>
-              <a:rPr lang="en-US" sz="1100" dirty="0">
-                <a:solidFill>
-                  <a:schemeClr val="accent6"/>
-                </a:solidFill>
-              </a:rPr>
-              <a:t>(100);</a:t>
-            </a:r>
-          </a:p>
-          <a:p>
-            <a:pPr marL="449116" indent="0">
-              <a:spcBef>
-                <a:spcPts val="1000"/>
-              </a:spcBef>
-            </a:pPr>
-            <a:r>
-              <a:rPr lang="en-US" sz="1100" dirty="0" err="1">
-                <a:solidFill>
-                  <a:schemeClr val="tx2"/>
-                </a:solidFill>
-              </a:rPr>
-              <a:t>Serial</a:t>
-            </a:r>
-            <a:r>
-              <a:rPr lang="en-US" sz="1100" dirty="0" err="1">
-                <a:solidFill>
-                  <a:schemeClr val="accent6"/>
-                </a:solidFill>
-              </a:rPr>
-              <a:t>.</a:t>
-            </a:r>
-            <a:r>
-              <a:rPr lang="en-US" sz="1100" dirty="0" err="1">
-                <a:solidFill>
-                  <a:schemeClr val="tx2"/>
-                </a:solidFill>
-              </a:rPr>
-              <a:t>println</a:t>
-            </a:r>
-            <a:r>
-              <a:rPr lang="en-US" sz="1100" dirty="0">
-                <a:solidFill>
-                  <a:schemeClr val="accent6"/>
-                </a:solidFill>
-              </a:rPr>
-              <a:t>(‘</a:t>
-            </a:r>
-            <a:r>
-              <a:rPr lang="en-US" sz="1100" dirty="0">
+              <a:t> di </a:t>
+            </a:r>
+            <a:r>
+              <a:rPr lang="it-IT" sz="1100" dirty="0">
                 <a:solidFill>
                   <a:srgbClr val="00B050"/>
                 </a:solidFill>
               </a:rPr>
-              <a:t>but also to ensure their security through 		 	  	 its function of password manager</a:t>
+              <a:t>garantire la loro sicurezza attraverso la sua 		 funzione di password manager</a:t>
             </a:r>
             <a:r>
               <a:rPr lang="en-US" sz="1100" dirty="0">
@@ -54793,7 +57443,7 @@
         <p:spPr>
           <a:xfrm>
             <a:off x="1590924" y="1160953"/>
-            <a:ext cx="2352421" cy="332344"/>
+            <a:ext cx="2566204" cy="332344"/>
           </a:xfrm>
           <a:prstGeom prst="rect">
             <a:avLst/>
@@ -55062,7 +57712,39 @@
                   <a:srgbClr val="00B050"/>
                 </a:solidFill>
               </a:rPr>
-              <a:t>/* What is It? */</a:t>
+              <a:t>/* </a:t>
+            </a:r>
+            <a:r>
+              <a:rPr lang="en-US" dirty="0" err="1">
+                <a:solidFill>
+                  <a:srgbClr val="00B050"/>
+                </a:solidFill>
+              </a:rPr>
+              <a:t>Cos’è</a:t>
+            </a:r>
+            <a:r>
+              <a:rPr lang="en-US" dirty="0">
+                <a:solidFill>
+                  <a:srgbClr val="00B050"/>
+                </a:solidFill>
+              </a:rPr>
+              <a:t> </a:t>
+            </a:r>
+            <a:r>
+              <a:rPr lang="en-US" dirty="0" err="1">
+                <a:solidFill>
+                  <a:srgbClr val="00B050"/>
+                </a:solidFill>
+              </a:rPr>
+              <a:t>PassChain</a:t>
+            </a:r>
+            <a:r>
+              <a:rPr lang="en-US" dirty="0">
+                <a:solidFill>
+                  <a:srgbClr val="00B050"/>
+                </a:solidFill>
+              </a:rPr>
+              <a:t>? */</a:t>
             </a:r>
           </a:p>
         </p:txBody>
@@ -55330,7 +58012,71 @@
                   <a:schemeClr val="accent3"/>
                 </a:solidFill>
               </a:rPr>
-              <a:t>&lt; Connect to other devices with Bluetooth to send user’s credentials &gt; </a:t>
+              <a:t>&lt; </a:t>
+            </a:r>
+            <a:r>
+              <a:rPr lang="en-US" sz="1100" dirty="0" err="1">
+                <a:solidFill>
+                  <a:schemeClr val="accent3"/>
+                </a:solidFill>
+              </a:rPr>
+              <a:t>Connessione</a:t>
+            </a:r>
+            <a:r>
+              <a:rPr lang="en-US" sz="1100" dirty="0">
+                <a:solidFill>
+                  <a:schemeClr val="accent3"/>
+                </a:solidFill>
+              </a:rPr>
+              <a:t> ad </a:t>
+            </a:r>
+            <a:r>
+              <a:rPr lang="en-US" sz="1100" dirty="0" err="1">
+                <a:solidFill>
+                  <a:schemeClr val="accent3"/>
+                </a:solidFill>
+              </a:rPr>
+              <a:t>altri</a:t>
+            </a:r>
+            <a:r>
+              <a:rPr lang="en-US" sz="1100" dirty="0">
+                <a:solidFill>
+                  <a:schemeClr val="accent3"/>
+                </a:solidFill>
+              </a:rPr>
+              <a:t> </a:t>
+            </a:r>
+            <a:r>
+              <a:rPr lang="en-US" sz="1100" dirty="0" err="1">
+                <a:solidFill>
+                  <a:schemeClr val="accent3"/>
+                </a:solidFill>
+              </a:rPr>
+              <a:t>dispositivi</a:t>
+            </a:r>
+            <a:r>
+              <a:rPr lang="en-US" sz="1100" dirty="0">
+                <a:solidFill>
+                  <a:schemeClr val="accent3"/>
+                </a:solidFill>
+              </a:rPr>
+              <a:t> </a:t>
+            </a:r>
+            <a:r>
+              <a:rPr lang="en-US" sz="1100" dirty="0" err="1">
+                <a:solidFill>
+                  <a:schemeClr val="accent3"/>
+                </a:solidFill>
+              </a:rPr>
+              <a:t>tramite</a:t>
+            </a:r>
+            <a:r>
+              <a:rPr lang="en-US" sz="1100" dirty="0">
+                <a:solidFill>
+                  <a:schemeClr val="accent3"/>
+                </a:solidFill>
+              </a:rPr>
+              <a:t> Bluetooth &gt; </a:t>
             </a:r>
           </a:p>
         </p:txBody>
@@ -55748,7 +58494,7 @@
         <p:spPr>
           <a:xfrm>
             <a:off x="5987357" y="3176548"/>
-            <a:ext cx="2471833" cy="487500"/>
+            <a:ext cx="2555579" cy="487500"/>
           </a:xfrm>
           <a:prstGeom prst="rect">
             <a:avLst/>
@@ -55994,7 +58740,87 @@
                   <a:schemeClr val="accent3"/>
                 </a:solidFill>
               </a:rPr>
-              <a:t>&lt; Every operation is done through Fingerprint authentication &gt;</a:t>
+              <a:t>&lt; </a:t>
+            </a:r>
+            <a:r>
+              <a:rPr lang="en-US" sz="1100" dirty="0" err="1">
+                <a:solidFill>
+                  <a:schemeClr val="accent3"/>
+                </a:solidFill>
+              </a:rPr>
+              <a:t>Ogni</a:t>
+            </a:r>
+            <a:r>
+              <a:rPr lang="en-US" sz="1100" dirty="0">
+                <a:solidFill>
+                  <a:schemeClr val="accent3"/>
+                </a:solidFill>
+              </a:rPr>
+              <a:t> </a:t>
+            </a:r>
+            <a:r>
+              <a:rPr lang="en-US" sz="1100" dirty="0" err="1">
+                <a:solidFill>
+                  <a:schemeClr val="accent3"/>
+                </a:solidFill>
+              </a:rPr>
+              <a:t>operazione</a:t>
+            </a:r>
+            <a:r>
+              <a:rPr lang="en-US" sz="1100" dirty="0">
+                <a:solidFill>
+                  <a:schemeClr val="accent3"/>
+                </a:solidFill>
+              </a:rPr>
+              <a:t> è </a:t>
+            </a:r>
+            <a:r>
+              <a:rPr lang="en-US" sz="1100" dirty="0" err="1">
+                <a:solidFill>
+                  <a:schemeClr val="accent3"/>
+                </a:solidFill>
+              </a:rPr>
+              <a:t>compiuta</a:t>
+            </a:r>
+            <a:r>
+              <a:rPr lang="en-US" sz="1100" dirty="0">
+                <a:solidFill>
+                  <a:schemeClr val="accent3"/>
+                </a:solidFill>
+              </a:rPr>
+              <a:t> </a:t>
+            </a:r>
+            <a:r>
+              <a:rPr lang="en-US" sz="1100" dirty="0" err="1">
+                <a:solidFill>
+                  <a:schemeClr val="accent3"/>
+                </a:solidFill>
+              </a:rPr>
+              <a:t>tramite</a:t>
+            </a:r>
+            <a:r>
+              <a:rPr lang="en-US" sz="1100" dirty="0">
+                <a:solidFill>
+                  <a:schemeClr val="accent3"/>
+                </a:solidFill>
+              </a:rPr>
+              <a:t> </a:t>
+            </a:r>
+            <a:r>
+              <a:rPr lang="en-US" sz="1100" dirty="0" err="1">
+                <a:solidFill>
+                  <a:schemeClr val="accent3"/>
+                </a:solidFill>
+              </a:rPr>
+              <a:t>autenticazione</a:t>
+            </a:r>
+            <a:r>
+              <a:rPr lang="en-US" sz="1100" dirty="0">
+                <a:solidFill>
+                  <a:schemeClr val="accent3"/>
+                </a:solidFill>
+              </a:rPr>
+              <a:t> con Fingerprint &gt;</a:t>
             </a:r>
           </a:p>
         </p:txBody>
@@ -56265,7 +59091,7 @@
                 <a:ea typeface="Fira Code"/>
                 <a:sym typeface="Fira Code"/>
               </a:rPr>
-              <a:t>Authentication</a:t>
+              <a:t>Autenticazione</a:t>
             </a:r>
           </a:p>
         </p:txBody>
@@ -56658,7 +59484,71 @@
                   <a:schemeClr val="accent3"/>
                 </a:solidFill>
               </a:rPr>
-              <a:t>&lt; All data are encrypted with AES 128 bit – GCM mode &gt;</a:t>
+              <a:t>&lt; Tutti </a:t>
+            </a:r>
+            <a:r>
+              <a:rPr lang="en-US" sz="1100" dirty="0" err="1">
+                <a:solidFill>
+                  <a:schemeClr val="accent3"/>
+                </a:solidFill>
+              </a:rPr>
+              <a:t>i</a:t>
+            </a:r>
+            <a:r>
+              <a:rPr lang="en-US" sz="1100" dirty="0">
+                <a:solidFill>
+                  <a:schemeClr val="accent3"/>
+                </a:solidFill>
+              </a:rPr>
+              <a:t> </a:t>
+            </a:r>
+            <a:r>
+              <a:rPr lang="en-US" sz="1100" dirty="0" err="1">
+                <a:solidFill>
+                  <a:schemeClr val="accent3"/>
+                </a:solidFill>
+              </a:rPr>
+              <a:t>dati</a:t>
+            </a:r>
+            <a:r>
+              <a:rPr lang="en-US" sz="1100" dirty="0">
+                <a:solidFill>
+                  <a:schemeClr val="accent3"/>
+                </a:solidFill>
+              </a:rPr>
+              <a:t> </a:t>
+            </a:r>
+            <a:r>
+              <a:rPr lang="en-US" sz="1100" dirty="0" err="1">
+                <a:solidFill>
+                  <a:schemeClr val="accent3"/>
+                </a:solidFill>
+              </a:rPr>
+              <a:t>sono</a:t>
+            </a:r>
+            <a:r>
+              <a:rPr lang="en-US" sz="1100" dirty="0">
+                <a:solidFill>
+                  <a:schemeClr val="accent3"/>
+                </a:solidFill>
+              </a:rPr>
+              <a:t> </a:t>
+            </a:r>
+            <a:r>
+              <a:rPr lang="en-US" sz="1100" dirty="0" err="1">
+                <a:solidFill>
+                  <a:schemeClr val="accent3"/>
+                </a:solidFill>
+              </a:rPr>
+              <a:t>cifrati</a:t>
+            </a:r>
+            <a:r>
+              <a:rPr lang="en-US" sz="1100" dirty="0">
+                <a:solidFill>
+                  <a:schemeClr val="accent3"/>
+                </a:solidFill>
+              </a:rPr>
+              <a:t> con lo schema AES 128 bit – GCM &gt;</a:t>
             </a:r>
           </a:p>
         </p:txBody>
@@ -56921,7 +59811,7 @@
           </a:lstStyle>
           <a:p>
             <a:r>
-              <a:rPr lang="it-IT" sz="1300" dirty="0" err="1">
+              <a:rPr lang="it-IT" sz="1300" dirty="0">
                 <a:solidFill>
                   <a:schemeClr val="accent1"/>
                 </a:solidFill>
@@ -56929,16 +59819,8 @@
                 <a:ea typeface="Fira Code"/>
                 <a:sym typeface="Fira Code"/>
               </a:rPr>
-              <a:t>Cryptography</a:t>
-            </a:r>
-            <a:endParaRPr lang="it-IT" sz="1300" dirty="0">
-              <a:solidFill>
-                <a:schemeClr val="accent1"/>
-              </a:solidFill>
-              <a:latin typeface="Fira Code"/>
-              <a:ea typeface="Fira Code"/>
-              <a:sym typeface="Fira Code"/>
-            </a:endParaRPr>
+              <a:t>Crittografia</a:t>
+            </a:r>
           </a:p>
         </p:txBody>
       </p:sp>
@@ -57330,7 +60212,71 @@
                   <a:schemeClr val="accent3"/>
                 </a:solidFill>
               </a:rPr>
-              <a:t>&lt; SSL  allows secure communication with the python server &gt;</a:t>
+              <a:t>&lt; SSL  </a:t>
+            </a:r>
+            <a:r>
+              <a:rPr lang="en-US" sz="1100" dirty="0" err="1">
+                <a:solidFill>
+                  <a:schemeClr val="accent3"/>
+                </a:solidFill>
+              </a:rPr>
+              <a:t>garantisce</a:t>
+            </a:r>
+            <a:r>
+              <a:rPr lang="en-US" sz="1100" dirty="0">
+                <a:solidFill>
+                  <a:schemeClr val="accent3"/>
+                </a:solidFill>
+              </a:rPr>
+              <a:t> </a:t>
+            </a:r>
+            <a:r>
+              <a:rPr lang="en-US" sz="1100" dirty="0" err="1">
+                <a:solidFill>
+                  <a:schemeClr val="accent3"/>
+                </a:solidFill>
+              </a:rPr>
+              <a:t>una</a:t>
+            </a:r>
+            <a:r>
+              <a:rPr lang="en-US" sz="1100" dirty="0">
+                <a:solidFill>
+                  <a:schemeClr val="accent3"/>
+                </a:solidFill>
+              </a:rPr>
+              <a:t> </a:t>
+            </a:r>
+            <a:r>
+              <a:rPr lang="en-US" sz="1100" dirty="0" err="1">
+                <a:solidFill>
+                  <a:schemeClr val="accent3"/>
+                </a:solidFill>
+              </a:rPr>
+              <a:t>comunicazione</a:t>
+            </a:r>
+            <a:r>
+              <a:rPr lang="en-US" sz="1100" dirty="0">
+                <a:solidFill>
+                  <a:schemeClr val="accent3"/>
+                </a:solidFill>
+              </a:rPr>
+              <a:t> </a:t>
+            </a:r>
+            <a:r>
+              <a:rPr lang="en-US" sz="1100" dirty="0" err="1">
+                <a:solidFill>
+                  <a:schemeClr val="accent3"/>
+                </a:solidFill>
+              </a:rPr>
+              <a:t>sicura</a:t>
+            </a:r>
+            <a:r>
+              <a:rPr lang="en-US" sz="1100" dirty="0">
+                <a:solidFill>
+                  <a:schemeClr val="accent3"/>
+                </a:solidFill>
+              </a:rPr>
+              <a:t> con il server python &gt;</a:t>
             </a:r>
           </a:p>
         </p:txBody>
@@ -57601,27 +60547,8 @@
                 <a:ea typeface="Fira Code"/>
                 <a:sym typeface="Fira Code"/>
               </a:rPr>
-              <a:t>SSL </a:t>
-            </a:r>
-            <a:r>
-              <a:rPr lang="it-IT" sz="1300" dirty="0" err="1">
-                <a:solidFill>
-                  <a:schemeClr val="accent1"/>
-                </a:solidFill>
-                <a:latin typeface="Fira Code"/>
-                <a:ea typeface="Fira Code"/>
-                <a:sym typeface="Fira Code"/>
-              </a:rPr>
-              <a:t>Communication</a:t>
-            </a:r>
-            <a:endParaRPr lang="it-IT" sz="1300" dirty="0">
-              <a:solidFill>
-                <a:schemeClr val="accent1"/>
-              </a:solidFill>
-              <a:latin typeface="Fira Code"/>
-              <a:ea typeface="Fira Code"/>
-              <a:sym typeface="Fira Code"/>
-            </a:endParaRPr>
+              <a:t>Comunicazione SSL</a:t>
+            </a:r>
           </a:p>
         </p:txBody>
       </p:sp>
